--- a/3Periodo/InfoTechMngmt/Information Enabler.pptx
+++ b/3Periodo/InfoTechMngmt/Information Enabler.pptx
@@ -10,6 +10,10 @@
     <p:sldId id="258" r:id="rId4"/>
     <p:sldId id="259" r:id="rId5"/>
     <p:sldId id="260" r:id="rId6"/>
+    <p:sldId id="261" r:id="rId7"/>
+    <p:sldId id="262" r:id="rId8"/>
+    <p:sldId id="263" r:id="rId9"/>
+    <p:sldId id="264" r:id="rId10"/>
   </p:sldIdLst>
   <p:sldSz cx="12192000" cy="6858000"/>
   <p:notesSz cx="6858000" cy="9144000"/>
@@ -119,8 +123,7 @@
 <file path=ppt/revisionInfo.xml><?xml version="1.0" encoding="utf-8"?>
 <p1510:revInfo xmlns:a="http://schemas.openxmlformats.org/drawingml/2006/main" xmlns:r="http://schemas.openxmlformats.org/officeDocument/2006/relationships" xmlns:p1510="http://schemas.microsoft.com/office/powerpoint/2015/10/main">
   <p1510:revLst>
-    <p1510:client id="{9BBC829C-6B39-4291-844A-0596D290B3E5}" v="439" dt="2024-04-14T20:12:55.501"/>
-    <p1510:client id="{B19B937D-B674-4359-AD18-F9D7B19E68CF}" v="1" dt="2024-04-14T12:36:24.258"/>
+    <p1510:client id="{9BBC829C-6B39-4291-844A-0596D290B3E5}" v="775" dt="2024-04-16T01:16:03.314"/>
   </p1510:revLst>
 </p1510:revInfo>
 </file>
@@ -130,7 +133,7 @@
   <pc:docChgLst>
     <pc:chgData name="Ary Farah" userId="b4a11b600c829974" providerId="LiveId" clId="{9BBC829C-6B39-4291-844A-0596D290B3E5}"/>
     <pc:docChg chg="undo custSel addSld delSld modSld sldOrd">
-      <pc:chgData name="Ary Farah" userId="b4a11b600c829974" providerId="LiveId" clId="{9BBC829C-6B39-4291-844A-0596D290B3E5}" dt="2024-04-14T20:12:55.501" v="1925" actId="20577"/>
+      <pc:chgData name="Ary Farah" userId="b4a11b600c829974" providerId="LiveId" clId="{9BBC829C-6B39-4291-844A-0596D290B3E5}" dt="2024-04-16T01:16:03.314" v="3473"/>
       <pc:docMkLst>
         <pc:docMk/>
       </pc:docMkLst>
@@ -308,7 +311,7 @@
         </pc:spChg>
       </pc:sldChg>
       <pc:sldChg chg="addSp delSp modSp add mod delAnim modAnim">
-        <pc:chgData name="Ary Farah" userId="b4a11b600c829974" providerId="LiveId" clId="{9BBC829C-6B39-4291-844A-0596D290B3E5}" dt="2024-04-14T18:28:31.598" v="1147"/>
+        <pc:chgData name="Ary Farah" userId="b4a11b600c829974" providerId="LiveId" clId="{9BBC829C-6B39-4291-844A-0596D290B3E5}" dt="2024-04-15T23:55:44.360" v="1930"/>
         <pc:sldMkLst>
           <pc:docMk/>
           <pc:sldMk cId="1593602782" sldId="258"/>
@@ -322,7 +325,7 @@
           </ac:spMkLst>
         </pc:spChg>
         <pc:spChg chg="mod">
-          <ac:chgData name="Ary Farah" userId="b4a11b600c829974" providerId="LiveId" clId="{9BBC829C-6B39-4291-844A-0596D290B3E5}" dt="2024-04-14T17:57:19.267" v="1042" actId="1076"/>
+          <ac:chgData name="Ary Farah" userId="b4a11b600c829974" providerId="LiveId" clId="{9BBC829C-6B39-4291-844A-0596D290B3E5}" dt="2024-04-15T23:54:52.740" v="1927" actId="1076"/>
           <ac:spMkLst>
             <pc:docMk/>
             <pc:sldMk cId="1593602782" sldId="258"/>
@@ -905,13 +908,21 @@
         </pc:cxnChg>
       </pc:sldChg>
       <pc:sldChg chg="addSp delSp modSp add mod delAnim modAnim">
-        <pc:chgData name="Ary Farah" userId="b4a11b600c829974" providerId="LiveId" clId="{9BBC829C-6B39-4291-844A-0596D290B3E5}" dt="2024-04-14T20:12:55.501" v="1925" actId="20577"/>
+        <pc:chgData name="Ary Farah" userId="b4a11b600c829974" providerId="LiveId" clId="{9BBC829C-6B39-4291-844A-0596D290B3E5}" dt="2024-04-16T00:07:00.976" v="2206"/>
         <pc:sldMkLst>
           <pc:docMk/>
           <pc:sldMk cId="1053043030" sldId="260"/>
         </pc:sldMkLst>
         <pc:spChg chg="add mod">
-          <ac:chgData name="Ary Farah" userId="b4a11b600c829974" providerId="LiveId" clId="{9BBC829C-6B39-4291-844A-0596D290B3E5}" dt="2024-04-14T20:05:59.739" v="1868" actId="1076"/>
+          <ac:chgData name="Ary Farah" userId="b4a11b600c829974" providerId="LiveId" clId="{9BBC829C-6B39-4291-844A-0596D290B3E5}" dt="2024-04-16T00:04:53.285" v="2166" actId="14100"/>
+          <ac:spMkLst>
+            <pc:docMk/>
+            <pc:sldMk cId="1053043030" sldId="260"/>
+            <ac:spMk id="2" creationId="{22C49594-B8A9-37D4-DD94-E1713ACFEE25}"/>
+          </ac:spMkLst>
+        </pc:spChg>
+        <pc:spChg chg="add mod">
+          <ac:chgData name="Ary Farah" userId="b4a11b600c829974" providerId="LiveId" clId="{9BBC829C-6B39-4291-844A-0596D290B3E5}" dt="2024-04-15T23:57:18.327" v="1931" actId="1076"/>
           <ac:spMkLst>
             <pc:docMk/>
             <pc:sldMk cId="1053043030" sldId="260"/>
@@ -919,7 +930,7 @@
           </ac:spMkLst>
         </pc:spChg>
         <pc:spChg chg="mod">
-          <ac:chgData name="Ary Farah" userId="b4a11b600c829974" providerId="LiveId" clId="{9BBC829C-6B39-4291-844A-0596D290B3E5}" dt="2024-04-14T20:03:00.284" v="1803" actId="1076"/>
+          <ac:chgData name="Ary Farah" userId="b4a11b600c829974" providerId="LiveId" clId="{9BBC829C-6B39-4291-844A-0596D290B3E5}" dt="2024-04-15T23:57:37.919" v="1938" actId="1076"/>
           <ac:spMkLst>
             <pc:docMk/>
             <pc:sldMk cId="1053043030" sldId="260"/>
@@ -935,7 +946,7 @@
           </ac:spMkLst>
         </pc:spChg>
         <pc:spChg chg="add mod">
-          <ac:chgData name="Ary Farah" userId="b4a11b600c829974" providerId="LiveId" clId="{9BBC829C-6B39-4291-844A-0596D290B3E5}" dt="2024-04-14T20:01:16.746" v="1766" actId="1076"/>
+          <ac:chgData name="Ary Farah" userId="b4a11b600c829974" providerId="LiveId" clId="{9BBC829C-6B39-4291-844A-0596D290B3E5}" dt="2024-04-16T00:01:29.491" v="2133" actId="14100"/>
           <ac:spMkLst>
             <pc:docMk/>
             <pc:sldMk cId="1053043030" sldId="260"/>
@@ -983,6 +994,14 @@
           </ac:spMkLst>
         </pc:spChg>
         <pc:spChg chg="add mod">
+          <ac:chgData name="Ary Farah" userId="b4a11b600c829974" providerId="LiveId" clId="{9BBC829C-6B39-4291-844A-0596D290B3E5}" dt="2024-04-16T00:05:18.242" v="2185" actId="14100"/>
+          <ac:spMkLst>
+            <pc:docMk/>
+            <pc:sldMk cId="1053043030" sldId="260"/>
+            <ac:spMk id="13" creationId="{8F4A8B47-28D7-EC1B-AC57-E4417AA72074}"/>
+          </ac:spMkLst>
+        </pc:spChg>
+        <pc:spChg chg="add mod">
           <ac:chgData name="Ary Farah" userId="b4a11b600c829974" providerId="LiveId" clId="{9BBC829C-6B39-4291-844A-0596D290B3E5}" dt="2024-04-14T20:07:55.805" v="1877" actId="1076"/>
           <ac:spMkLst>
             <pc:docMk/>
@@ -1015,7 +1034,7 @@
           </ac:spMkLst>
         </pc:spChg>
         <pc:spChg chg="add mod">
-          <ac:chgData name="Ary Farah" userId="b4a11b600c829974" providerId="LiveId" clId="{9BBC829C-6B39-4291-844A-0596D290B3E5}" dt="2024-04-14T20:12:44.645" v="1913" actId="20577"/>
+          <ac:chgData name="Ary Farah" userId="b4a11b600c829974" providerId="LiveId" clId="{9BBC829C-6B39-4291-844A-0596D290B3E5}" dt="2024-04-15T23:57:43.926" v="1939" actId="1076"/>
           <ac:spMkLst>
             <pc:docMk/>
             <pc:sldMk cId="1053043030" sldId="260"/>
@@ -1055,7 +1074,7 @@
           </ac:spMkLst>
         </pc:spChg>
         <pc:spChg chg="add mod">
-          <ac:chgData name="Ary Farah" userId="b4a11b600c829974" providerId="LiveId" clId="{9BBC829C-6B39-4291-844A-0596D290B3E5}" dt="2024-04-14T20:12:55.501" v="1925" actId="20577"/>
+          <ac:chgData name="Ary Farah" userId="b4a11b600c829974" providerId="LiveId" clId="{9BBC829C-6B39-4291-844A-0596D290B3E5}" dt="2024-04-15T23:57:58.872" v="1942" actId="14100"/>
           <ac:spMkLst>
             <pc:docMk/>
             <pc:sldMk cId="1053043030" sldId="260"/>
@@ -1063,7 +1082,7 @@
           </ac:spMkLst>
         </pc:spChg>
         <pc:spChg chg="add mod">
-          <ac:chgData name="Ary Farah" userId="b4a11b600c829974" providerId="LiveId" clId="{9BBC829C-6B39-4291-844A-0596D290B3E5}" dt="2024-04-14T20:11:32.216" v="1901" actId="1076"/>
+          <ac:chgData name="Ary Farah" userId="b4a11b600c829974" providerId="LiveId" clId="{9BBC829C-6B39-4291-844A-0596D290B3E5}" dt="2024-04-15T23:58:11.703" v="1950" actId="20577"/>
           <ac:spMkLst>
             <pc:docMk/>
             <pc:sldMk cId="1053043030" sldId="260"/>
@@ -1071,7 +1090,7 @@
           </ac:spMkLst>
         </pc:spChg>
         <pc:spChg chg="add mod">
-          <ac:chgData name="Ary Farah" userId="b4a11b600c829974" providerId="LiveId" clId="{9BBC829C-6B39-4291-844A-0596D290B3E5}" dt="2024-04-14T20:10:17.279" v="1893" actId="1076"/>
+          <ac:chgData name="Ary Farah" userId="b4a11b600c829974" providerId="LiveId" clId="{9BBC829C-6B39-4291-844A-0596D290B3E5}" dt="2024-04-15T23:58:47.047" v="1991" actId="1076"/>
           <ac:spMkLst>
             <pc:docMk/>
             <pc:sldMk cId="1053043030" sldId="260"/>
@@ -1079,7 +1098,7 @@
           </ac:spMkLst>
         </pc:spChg>
         <pc:spChg chg="add mod">
-          <ac:chgData name="Ary Farah" userId="b4a11b600c829974" providerId="LiveId" clId="{9BBC829C-6B39-4291-844A-0596D290B3E5}" dt="2024-04-14T20:10:17.279" v="1893" actId="1076"/>
+          <ac:chgData name="Ary Farah" userId="b4a11b600c829974" providerId="LiveId" clId="{9BBC829C-6B39-4291-844A-0596D290B3E5}" dt="2024-04-16T00:00:56.714" v="2086" actId="1076"/>
           <ac:spMkLst>
             <pc:docMk/>
             <pc:sldMk cId="1053043030" sldId="260"/>
@@ -1087,7 +1106,7 @@
           </ac:spMkLst>
         </pc:spChg>
         <pc:spChg chg="add mod">
-          <ac:chgData name="Ary Farah" userId="b4a11b600c829974" providerId="LiveId" clId="{9BBC829C-6B39-4291-844A-0596D290B3E5}" dt="2024-04-14T20:11:32.216" v="1901" actId="1076"/>
+          <ac:chgData name="Ary Farah" userId="b4a11b600c829974" providerId="LiveId" clId="{9BBC829C-6B39-4291-844A-0596D290B3E5}" dt="2024-04-16T00:00:50.261" v="2085" actId="1076"/>
           <ac:spMkLst>
             <pc:docMk/>
             <pc:sldMk cId="1053043030" sldId="260"/>
@@ -1119,7 +1138,7 @@
           </ac:spMkLst>
         </pc:spChg>
         <pc:spChg chg="add mod">
-          <ac:chgData name="Ary Farah" userId="b4a11b600c829974" providerId="LiveId" clId="{9BBC829C-6B39-4291-844A-0596D290B3E5}" dt="2024-04-14T20:11:06.794" v="1900" actId="1076"/>
+          <ac:chgData name="Ary Farah" userId="b4a11b600c829974" providerId="LiveId" clId="{9BBC829C-6B39-4291-844A-0596D290B3E5}" dt="2024-04-16T00:01:01.149" v="2087" actId="1076"/>
           <ac:spMkLst>
             <pc:docMk/>
             <pc:sldMk cId="1053043030" sldId="260"/>
@@ -1127,7 +1146,7 @@
           </ac:spMkLst>
         </pc:spChg>
         <pc:spChg chg="add mod">
-          <ac:chgData name="Ary Farah" userId="b4a11b600c829974" providerId="LiveId" clId="{9BBC829C-6B39-4291-844A-0596D290B3E5}" dt="2024-04-14T20:11:06.794" v="1900" actId="1076"/>
+          <ac:chgData name="Ary Farah" userId="b4a11b600c829974" providerId="LiveId" clId="{9BBC829C-6B39-4291-844A-0596D290B3E5}" dt="2024-04-16T00:01:11.532" v="2108" actId="14100"/>
           <ac:spMkLst>
             <pc:docMk/>
             <pc:sldMk cId="1053043030" sldId="260"/>
@@ -1135,7 +1154,7 @@
           </ac:spMkLst>
         </pc:spChg>
         <pc:spChg chg="add mod">
-          <ac:chgData name="Ary Farah" userId="b4a11b600c829974" providerId="LiveId" clId="{9BBC829C-6B39-4291-844A-0596D290B3E5}" dt="2024-04-14T20:12:22.131" v="1904" actId="1076"/>
+          <ac:chgData name="Ary Farah" userId="b4a11b600c829974" providerId="LiveId" clId="{9BBC829C-6B39-4291-844A-0596D290B3E5}" dt="2024-04-15T23:59:27.607" v="2018" actId="14100"/>
           <ac:spMkLst>
             <pc:docMk/>
             <pc:sldMk cId="1053043030" sldId="260"/>
@@ -1150,6 +1169,562 @@
             <ac:cxnSpMk id="10" creationId="{21DD7C9B-C914-CCC5-6FB0-230AAF618ABB}"/>
           </ac:cxnSpMkLst>
         </pc:cxnChg>
+      </pc:sldChg>
+      <pc:sldChg chg="addSp delSp modSp add mod delAnim modAnim">
+        <pc:chgData name="Ary Farah" userId="b4a11b600c829974" providerId="LiveId" clId="{9BBC829C-6B39-4291-844A-0596D290B3E5}" dt="2024-04-16T00:14:50.565" v="2360"/>
+        <pc:sldMkLst>
+          <pc:docMk/>
+          <pc:sldMk cId="866426765" sldId="261"/>
+        </pc:sldMkLst>
+        <pc:spChg chg="del">
+          <ac:chgData name="Ary Farah" userId="b4a11b600c829974" providerId="LiveId" clId="{9BBC829C-6B39-4291-844A-0596D290B3E5}" dt="2024-04-16T00:07:45.506" v="2220" actId="478"/>
+          <ac:spMkLst>
+            <pc:docMk/>
+            <pc:sldMk cId="866426765" sldId="261"/>
+            <ac:spMk id="2" creationId="{22C49594-B8A9-37D4-DD94-E1713ACFEE25}"/>
+          </ac:spMkLst>
+        </pc:spChg>
+        <pc:spChg chg="mod">
+          <ac:chgData name="Ary Farah" userId="b4a11b600c829974" providerId="LiveId" clId="{9BBC829C-6B39-4291-844A-0596D290B3E5}" dt="2024-04-16T00:12:21.230" v="2330" actId="1076"/>
+          <ac:spMkLst>
+            <pc:docMk/>
+            <pc:sldMk cId="866426765" sldId="261"/>
+            <ac:spMk id="3" creationId="{8C2985FB-B815-0553-C483-2D866C349FC9}"/>
+          </ac:spMkLst>
+        </pc:spChg>
+        <pc:spChg chg="add del mod">
+          <ac:chgData name="Ary Farah" userId="b4a11b600c829974" providerId="LiveId" clId="{9BBC829C-6B39-4291-844A-0596D290B3E5}" dt="2024-04-16T00:13:27.544" v="2356" actId="1076"/>
+          <ac:spMkLst>
+            <pc:docMk/>
+            <pc:sldMk cId="866426765" sldId="261"/>
+            <ac:spMk id="4" creationId="{2A13B32D-2450-280F-ECCA-79D7D39A949A}"/>
+          </ac:spMkLst>
+        </pc:spChg>
+        <pc:spChg chg="mod">
+          <ac:chgData name="Ary Farah" userId="b4a11b600c829974" providerId="LiveId" clId="{9BBC829C-6B39-4291-844A-0596D290B3E5}" dt="2024-04-16T00:07:26.831" v="2218" actId="14100"/>
+          <ac:spMkLst>
+            <pc:docMk/>
+            <pc:sldMk cId="866426765" sldId="261"/>
+            <ac:spMk id="5" creationId="{FF06475B-1A89-1C94-85D2-38037C9F81CB}"/>
+          </ac:spMkLst>
+        </pc:spChg>
+        <pc:spChg chg="del">
+          <ac:chgData name="Ary Farah" userId="b4a11b600c829974" providerId="LiveId" clId="{9BBC829C-6B39-4291-844A-0596D290B3E5}" dt="2024-04-16T00:07:45.506" v="2220" actId="478"/>
+          <ac:spMkLst>
+            <pc:docMk/>
+            <pc:sldMk cId="866426765" sldId="261"/>
+            <ac:spMk id="6" creationId="{B2420078-A4EE-313B-02D7-181FD5513205}"/>
+          </ac:spMkLst>
+        </pc:spChg>
+        <pc:spChg chg="del">
+          <ac:chgData name="Ary Farah" userId="b4a11b600c829974" providerId="LiveId" clId="{9BBC829C-6B39-4291-844A-0596D290B3E5}" dt="2024-04-16T00:07:45.506" v="2220" actId="478"/>
+          <ac:spMkLst>
+            <pc:docMk/>
+            <pc:sldMk cId="866426765" sldId="261"/>
+            <ac:spMk id="7" creationId="{7B04F621-AB25-BBC1-D5EA-7AE3A5A026A7}"/>
+          </ac:spMkLst>
+        </pc:spChg>
+        <pc:spChg chg="del">
+          <ac:chgData name="Ary Farah" userId="b4a11b600c829974" providerId="LiveId" clId="{9BBC829C-6B39-4291-844A-0596D290B3E5}" dt="2024-04-16T00:07:45.506" v="2220" actId="478"/>
+          <ac:spMkLst>
+            <pc:docMk/>
+            <pc:sldMk cId="866426765" sldId="261"/>
+            <ac:spMk id="8" creationId="{1DEA4E15-4516-FA3E-E586-0101D53591DB}"/>
+          </ac:spMkLst>
+        </pc:spChg>
+        <pc:spChg chg="del">
+          <ac:chgData name="Ary Farah" userId="b4a11b600c829974" providerId="LiveId" clId="{9BBC829C-6B39-4291-844A-0596D290B3E5}" dt="2024-04-16T00:07:45.506" v="2220" actId="478"/>
+          <ac:spMkLst>
+            <pc:docMk/>
+            <pc:sldMk cId="866426765" sldId="261"/>
+            <ac:spMk id="9" creationId="{4E2B3626-7DBD-4E2C-E9F0-F71190D9888A}"/>
+          </ac:spMkLst>
+        </pc:spChg>
+        <pc:spChg chg="del">
+          <ac:chgData name="Ary Farah" userId="b4a11b600c829974" providerId="LiveId" clId="{9BBC829C-6B39-4291-844A-0596D290B3E5}" dt="2024-04-16T00:07:45.506" v="2220" actId="478"/>
+          <ac:spMkLst>
+            <pc:docMk/>
+            <pc:sldMk cId="866426765" sldId="261"/>
+            <ac:spMk id="11" creationId="{8E5544EA-597D-DFD4-937C-788588E09E08}"/>
+          </ac:spMkLst>
+        </pc:spChg>
+        <pc:spChg chg="del">
+          <ac:chgData name="Ary Farah" userId="b4a11b600c829974" providerId="LiveId" clId="{9BBC829C-6B39-4291-844A-0596D290B3E5}" dt="2024-04-16T00:07:45.506" v="2220" actId="478"/>
+          <ac:spMkLst>
+            <pc:docMk/>
+            <pc:sldMk cId="866426765" sldId="261"/>
+            <ac:spMk id="12" creationId="{5259699E-11E7-03DB-F6F9-2043F5945096}"/>
+          </ac:spMkLst>
+        </pc:spChg>
+        <pc:spChg chg="del">
+          <ac:chgData name="Ary Farah" userId="b4a11b600c829974" providerId="LiveId" clId="{9BBC829C-6B39-4291-844A-0596D290B3E5}" dt="2024-04-16T00:07:45.506" v="2220" actId="478"/>
+          <ac:spMkLst>
+            <pc:docMk/>
+            <pc:sldMk cId="866426765" sldId="261"/>
+            <ac:spMk id="13" creationId="{8F4A8B47-28D7-EC1B-AC57-E4417AA72074}"/>
+          </ac:spMkLst>
+        </pc:spChg>
+        <pc:spChg chg="add mod">
+          <ac:chgData name="Ary Farah" userId="b4a11b600c829974" providerId="LiveId" clId="{9BBC829C-6B39-4291-844A-0596D290B3E5}" dt="2024-04-16T00:11:11.637" v="2303" actId="1076"/>
+          <ac:spMkLst>
+            <pc:docMk/>
+            <pc:sldMk cId="866426765" sldId="261"/>
+            <ac:spMk id="15" creationId="{88E6DF51-393B-6BBE-5120-8B73DD6FA029}"/>
+          </ac:spMkLst>
+        </pc:spChg>
+        <pc:spChg chg="add mod">
+          <ac:chgData name="Ary Farah" userId="b4a11b600c829974" providerId="LiveId" clId="{9BBC829C-6B39-4291-844A-0596D290B3E5}" dt="2024-04-16T00:11:17.674" v="2305" actId="1076"/>
+          <ac:spMkLst>
+            <pc:docMk/>
+            <pc:sldMk cId="866426765" sldId="261"/>
+            <ac:spMk id="16" creationId="{3DBAE062-B76A-3E37-618D-C2432BFD0D08}"/>
+          </ac:spMkLst>
+        </pc:spChg>
+        <pc:spChg chg="add mod">
+          <ac:chgData name="Ary Farah" userId="b4a11b600c829974" providerId="LiveId" clId="{9BBC829C-6B39-4291-844A-0596D290B3E5}" dt="2024-04-16T00:11:08.955" v="2302" actId="1076"/>
+          <ac:spMkLst>
+            <pc:docMk/>
+            <pc:sldMk cId="866426765" sldId="261"/>
+            <ac:spMk id="17" creationId="{AFCE39A8-D0B2-BC5E-93B1-A1E89DA9C858}"/>
+          </ac:spMkLst>
+        </pc:spChg>
+        <pc:spChg chg="del">
+          <ac:chgData name="Ary Farah" userId="b4a11b600c829974" providerId="LiveId" clId="{9BBC829C-6B39-4291-844A-0596D290B3E5}" dt="2024-04-16T00:07:45.506" v="2220" actId="478"/>
+          <ac:spMkLst>
+            <pc:docMk/>
+            <pc:sldMk cId="866426765" sldId="261"/>
+            <ac:spMk id="18" creationId="{56C98A5D-5E71-3B11-3308-48C44B865644}"/>
+          </ac:spMkLst>
+        </pc:spChg>
+        <pc:spChg chg="add mod">
+          <ac:chgData name="Ary Farah" userId="b4a11b600c829974" providerId="LiveId" clId="{9BBC829C-6B39-4291-844A-0596D290B3E5}" dt="2024-04-16T00:11:37.242" v="2309" actId="1076"/>
+          <ac:spMkLst>
+            <pc:docMk/>
+            <pc:sldMk cId="866426765" sldId="261"/>
+            <ac:spMk id="19" creationId="{D614026C-C223-0A28-8CF7-06DA07BC8AC1}"/>
+          </ac:spMkLst>
+        </pc:spChg>
+        <pc:spChg chg="add mod">
+          <ac:chgData name="Ary Farah" userId="b4a11b600c829974" providerId="LiveId" clId="{9BBC829C-6B39-4291-844A-0596D290B3E5}" dt="2024-04-16T00:11:48.818" v="2313" actId="1076"/>
+          <ac:spMkLst>
+            <pc:docMk/>
+            <pc:sldMk cId="866426765" sldId="261"/>
+            <ac:spMk id="20" creationId="{B0E25463-7856-6A96-882C-8FFE6D1D75EB}"/>
+          </ac:spMkLst>
+        </pc:spChg>
+        <pc:spChg chg="add mod">
+          <ac:chgData name="Ary Farah" userId="b4a11b600c829974" providerId="LiveId" clId="{9BBC829C-6B39-4291-844A-0596D290B3E5}" dt="2024-04-16T00:12:18.941" v="2329" actId="1076"/>
+          <ac:spMkLst>
+            <pc:docMk/>
+            <pc:sldMk cId="866426765" sldId="261"/>
+            <ac:spMk id="21" creationId="{74719D5C-E944-BFBC-8489-AAC28527D6CB}"/>
+          </ac:spMkLst>
+        </pc:spChg>
+        <pc:spChg chg="add mod">
+          <ac:chgData name="Ary Farah" userId="b4a11b600c829974" providerId="LiveId" clId="{9BBC829C-6B39-4291-844A-0596D290B3E5}" dt="2024-04-16T00:12:23.506" v="2331"/>
+          <ac:spMkLst>
+            <pc:docMk/>
+            <pc:sldMk cId="866426765" sldId="261"/>
+            <ac:spMk id="22" creationId="{2A13B32D-2450-280F-ECCA-79D7D39A949A}"/>
+          </ac:spMkLst>
+        </pc:spChg>
+        <pc:spChg chg="del">
+          <ac:chgData name="Ary Farah" userId="b4a11b600c829974" providerId="LiveId" clId="{9BBC829C-6B39-4291-844A-0596D290B3E5}" dt="2024-04-16T00:07:45.506" v="2220" actId="478"/>
+          <ac:spMkLst>
+            <pc:docMk/>
+            <pc:sldMk cId="866426765" sldId="261"/>
+            <ac:spMk id="23" creationId="{49E79202-9853-9BD1-F323-D80784E46604}"/>
+          </ac:spMkLst>
+        </pc:spChg>
+        <pc:spChg chg="del">
+          <ac:chgData name="Ary Farah" userId="b4a11b600c829974" providerId="LiveId" clId="{9BBC829C-6B39-4291-844A-0596D290B3E5}" dt="2024-04-16T00:07:45.506" v="2220" actId="478"/>
+          <ac:spMkLst>
+            <pc:docMk/>
+            <pc:sldMk cId="866426765" sldId="261"/>
+            <ac:spMk id="24" creationId="{9798C7F9-5B00-D379-2897-14FE6085A731}"/>
+          </ac:spMkLst>
+        </pc:spChg>
+        <pc:spChg chg="del">
+          <ac:chgData name="Ary Farah" userId="b4a11b600c829974" providerId="LiveId" clId="{9BBC829C-6B39-4291-844A-0596D290B3E5}" dt="2024-04-16T00:07:45.506" v="2220" actId="478"/>
+          <ac:spMkLst>
+            <pc:docMk/>
+            <pc:sldMk cId="866426765" sldId="261"/>
+            <ac:spMk id="25" creationId="{13BE2739-20E5-3846-4979-0C962D2AF595}"/>
+          </ac:spMkLst>
+        </pc:spChg>
+        <pc:spChg chg="del">
+          <ac:chgData name="Ary Farah" userId="b4a11b600c829974" providerId="LiveId" clId="{9BBC829C-6B39-4291-844A-0596D290B3E5}" dt="2024-04-16T00:07:45.506" v="2220" actId="478"/>
+          <ac:spMkLst>
+            <pc:docMk/>
+            <pc:sldMk cId="866426765" sldId="261"/>
+            <ac:spMk id="26" creationId="{DC2B9FD0-062D-F326-7478-152EE813EDB8}"/>
+          </ac:spMkLst>
+        </pc:spChg>
+        <pc:spChg chg="del">
+          <ac:chgData name="Ary Farah" userId="b4a11b600c829974" providerId="LiveId" clId="{9BBC829C-6B39-4291-844A-0596D290B3E5}" dt="2024-04-16T00:07:45.506" v="2220" actId="478"/>
+          <ac:spMkLst>
+            <pc:docMk/>
+            <pc:sldMk cId="866426765" sldId="261"/>
+            <ac:spMk id="27" creationId="{5863D110-B524-AAA2-0547-5A386D16C6EE}"/>
+          </ac:spMkLst>
+        </pc:spChg>
+        <pc:spChg chg="add mod">
+          <ac:chgData name="Ary Farah" userId="b4a11b600c829974" providerId="LiveId" clId="{9BBC829C-6B39-4291-844A-0596D290B3E5}" dt="2024-04-16T00:12:45.125" v="2342" actId="1076"/>
+          <ac:spMkLst>
+            <pc:docMk/>
+            <pc:sldMk cId="866426765" sldId="261"/>
+            <ac:spMk id="28" creationId="{A417A956-8207-2229-14C2-99876B397CED}"/>
+          </ac:spMkLst>
+        </pc:spChg>
+        <pc:spChg chg="add mod">
+          <ac:chgData name="Ary Farah" userId="b4a11b600c829974" providerId="LiveId" clId="{9BBC829C-6B39-4291-844A-0596D290B3E5}" dt="2024-04-16T00:12:59.938" v="2344" actId="688"/>
+          <ac:spMkLst>
+            <pc:docMk/>
+            <pc:sldMk cId="866426765" sldId="261"/>
+            <ac:spMk id="29" creationId="{A0A37EE8-9B2C-5291-DF50-C9E91227A74E}"/>
+          </ac:spMkLst>
+        </pc:spChg>
+        <pc:spChg chg="add mod">
+          <ac:chgData name="Ary Farah" userId="b4a11b600c829974" providerId="LiveId" clId="{9BBC829C-6B39-4291-844A-0596D290B3E5}" dt="2024-04-16T00:13:11.187" v="2348" actId="1076"/>
+          <ac:spMkLst>
+            <pc:docMk/>
+            <pc:sldMk cId="866426765" sldId="261"/>
+            <ac:spMk id="30" creationId="{8FD45A83-4A1C-CE06-0248-C793E4C03A7F}"/>
+          </ac:spMkLst>
+        </pc:spChg>
+        <pc:spChg chg="del">
+          <ac:chgData name="Ary Farah" userId="b4a11b600c829974" providerId="LiveId" clId="{9BBC829C-6B39-4291-844A-0596D290B3E5}" dt="2024-04-16T00:07:45.506" v="2220" actId="478"/>
+          <ac:spMkLst>
+            <pc:docMk/>
+            <pc:sldMk cId="866426765" sldId="261"/>
+            <ac:spMk id="31" creationId="{B4124CE0-143E-E0E8-490B-A174CA1B9A67}"/>
+          </ac:spMkLst>
+        </pc:spChg>
+        <pc:spChg chg="del">
+          <ac:chgData name="Ary Farah" userId="b4a11b600c829974" providerId="LiveId" clId="{9BBC829C-6B39-4291-844A-0596D290B3E5}" dt="2024-04-16T00:07:45.506" v="2220" actId="478"/>
+          <ac:spMkLst>
+            <pc:docMk/>
+            <pc:sldMk cId="866426765" sldId="261"/>
+            <ac:spMk id="32" creationId="{4A3430E2-58D4-EED0-F557-2F8E1C85161A}"/>
+          </ac:spMkLst>
+        </pc:spChg>
+        <pc:spChg chg="del">
+          <ac:chgData name="Ary Farah" userId="b4a11b600c829974" providerId="LiveId" clId="{9BBC829C-6B39-4291-844A-0596D290B3E5}" dt="2024-04-16T00:07:45.506" v="2220" actId="478"/>
+          <ac:spMkLst>
+            <pc:docMk/>
+            <pc:sldMk cId="866426765" sldId="261"/>
+            <ac:spMk id="33" creationId="{9F7652E2-D847-C258-EB59-0357AF1EBDA9}"/>
+          </ac:spMkLst>
+        </pc:spChg>
+        <pc:spChg chg="add mod">
+          <ac:chgData name="Ary Farah" userId="b4a11b600c829974" providerId="LiveId" clId="{9BBC829C-6B39-4291-844A-0596D290B3E5}" dt="2024-04-16T00:13:21.028" v="2352" actId="1076"/>
+          <ac:spMkLst>
+            <pc:docMk/>
+            <pc:sldMk cId="866426765" sldId="261"/>
+            <ac:spMk id="34" creationId="{EF9E1DD3-DB51-0664-257E-8F217402CF01}"/>
+          </ac:spMkLst>
+        </pc:spChg>
+        <pc:spChg chg="add mod">
+          <ac:chgData name="Ary Farah" userId="b4a11b600c829974" providerId="LiveId" clId="{9BBC829C-6B39-4291-844A-0596D290B3E5}" dt="2024-04-16T00:13:37.167" v="2359" actId="1076"/>
+          <ac:spMkLst>
+            <pc:docMk/>
+            <pc:sldMk cId="866426765" sldId="261"/>
+            <ac:spMk id="35" creationId="{288565E6-739D-0DCA-9330-7C29DFF8432E}"/>
+          </ac:spMkLst>
+        </pc:spChg>
+        <pc:spChg chg="add mod">
+          <ac:chgData name="Ary Farah" userId="b4a11b600c829974" providerId="LiveId" clId="{9BBC829C-6B39-4291-844A-0596D290B3E5}" dt="2024-04-16T00:14:50.565" v="2360"/>
+          <ac:spMkLst>
+            <pc:docMk/>
+            <pc:sldMk cId="866426765" sldId="261"/>
+            <ac:spMk id="36" creationId="{BD78A680-EF4A-F4DD-5530-73C0943BA733}"/>
+          </ac:spMkLst>
+        </pc:spChg>
+        <pc:cxnChg chg="mod">
+          <ac:chgData name="Ary Farah" userId="b4a11b600c829974" providerId="LiveId" clId="{9BBC829C-6B39-4291-844A-0596D290B3E5}" dt="2024-04-16T00:07:31.979" v="2219" actId="14100"/>
+          <ac:cxnSpMkLst>
+            <pc:docMk/>
+            <pc:sldMk cId="866426765" sldId="261"/>
+            <ac:cxnSpMk id="10" creationId="{21DD7C9B-C914-CCC5-6FB0-230AAF618ABB}"/>
+          </ac:cxnSpMkLst>
+        </pc:cxnChg>
+      </pc:sldChg>
+      <pc:sldChg chg="addSp delSp modSp add mod delAnim modAnim">
+        <pc:chgData name="Ary Farah" userId="b4a11b600c829974" providerId="LiveId" clId="{9BBC829C-6B39-4291-844A-0596D290B3E5}" dt="2024-04-16T00:22:26.288" v="2716"/>
+        <pc:sldMkLst>
+          <pc:docMk/>
+          <pc:sldMk cId="1821881281" sldId="262"/>
+        </pc:sldMkLst>
+        <pc:spChg chg="del">
+          <ac:chgData name="Ary Farah" userId="b4a11b600c829974" providerId="LiveId" clId="{9BBC829C-6B39-4291-844A-0596D290B3E5}" dt="2024-04-16T00:15:26.428" v="2380" actId="478"/>
+          <ac:spMkLst>
+            <pc:docMk/>
+            <pc:sldMk cId="1821881281" sldId="262"/>
+            <ac:spMk id="3" creationId="{8C2985FB-B815-0553-C483-2D866C349FC9}"/>
+          </ac:spMkLst>
+        </pc:spChg>
+        <pc:spChg chg="mod">
+          <ac:chgData name="Ary Farah" userId="b4a11b600c829974" providerId="LiveId" clId="{9BBC829C-6B39-4291-844A-0596D290B3E5}" dt="2024-04-16T00:15:45.177" v="2382" actId="1076"/>
+          <ac:spMkLst>
+            <pc:docMk/>
+            <pc:sldMk cId="1821881281" sldId="262"/>
+            <ac:spMk id="4" creationId="{2A13B32D-2450-280F-ECCA-79D7D39A949A}"/>
+          </ac:spMkLst>
+        </pc:spChg>
+        <pc:spChg chg="mod">
+          <ac:chgData name="Ary Farah" userId="b4a11b600c829974" providerId="LiveId" clId="{9BBC829C-6B39-4291-844A-0596D290B3E5}" dt="2024-04-16T00:15:02.519" v="2376" actId="14100"/>
+          <ac:spMkLst>
+            <pc:docMk/>
+            <pc:sldMk cId="1821881281" sldId="262"/>
+            <ac:spMk id="5" creationId="{FF06475B-1A89-1C94-85D2-38037C9F81CB}"/>
+          </ac:spMkLst>
+        </pc:spChg>
+        <pc:spChg chg="add mod">
+          <ac:chgData name="Ary Farah" userId="b4a11b600c829974" providerId="LiveId" clId="{9BBC829C-6B39-4291-844A-0596D290B3E5}" dt="2024-04-16T00:21:23.963" v="2698" actId="113"/>
+          <ac:spMkLst>
+            <pc:docMk/>
+            <pc:sldMk cId="1821881281" sldId="262"/>
+            <ac:spMk id="7" creationId="{E67BB321-5712-F912-F610-9FA5859D8FCA}"/>
+          </ac:spMkLst>
+        </pc:spChg>
+        <pc:spChg chg="add mod">
+          <ac:chgData name="Ary Farah" userId="b4a11b600c829974" providerId="LiveId" clId="{9BBC829C-6B39-4291-844A-0596D290B3E5}" dt="2024-04-16T00:21:20.297" v="2697" actId="1076"/>
+          <ac:spMkLst>
+            <pc:docMk/>
+            <pc:sldMk cId="1821881281" sldId="262"/>
+            <ac:spMk id="8" creationId="{D48F3A4A-27D5-72BC-AFEC-F2A6A02C6DF7}"/>
+          </ac:spMkLst>
+        </pc:spChg>
+        <pc:spChg chg="del">
+          <ac:chgData name="Ary Farah" userId="b4a11b600c829974" providerId="LiveId" clId="{9BBC829C-6B39-4291-844A-0596D290B3E5}" dt="2024-04-16T00:15:26.428" v="2380" actId="478"/>
+          <ac:spMkLst>
+            <pc:docMk/>
+            <pc:sldMk cId="1821881281" sldId="262"/>
+            <ac:spMk id="15" creationId="{88E6DF51-393B-6BBE-5120-8B73DD6FA029}"/>
+          </ac:spMkLst>
+        </pc:spChg>
+        <pc:spChg chg="del">
+          <ac:chgData name="Ary Farah" userId="b4a11b600c829974" providerId="LiveId" clId="{9BBC829C-6B39-4291-844A-0596D290B3E5}" dt="2024-04-16T00:15:26.428" v="2380" actId="478"/>
+          <ac:spMkLst>
+            <pc:docMk/>
+            <pc:sldMk cId="1821881281" sldId="262"/>
+            <ac:spMk id="16" creationId="{3DBAE062-B76A-3E37-618D-C2432BFD0D08}"/>
+          </ac:spMkLst>
+        </pc:spChg>
+        <pc:spChg chg="del">
+          <ac:chgData name="Ary Farah" userId="b4a11b600c829974" providerId="LiveId" clId="{9BBC829C-6B39-4291-844A-0596D290B3E5}" dt="2024-04-16T00:15:26.428" v="2380" actId="478"/>
+          <ac:spMkLst>
+            <pc:docMk/>
+            <pc:sldMk cId="1821881281" sldId="262"/>
+            <ac:spMk id="17" creationId="{AFCE39A8-D0B2-BC5E-93B1-A1E89DA9C858}"/>
+          </ac:spMkLst>
+        </pc:spChg>
+        <pc:spChg chg="del">
+          <ac:chgData name="Ary Farah" userId="b4a11b600c829974" providerId="LiveId" clId="{9BBC829C-6B39-4291-844A-0596D290B3E5}" dt="2024-04-16T00:15:26.428" v="2380" actId="478"/>
+          <ac:spMkLst>
+            <pc:docMk/>
+            <pc:sldMk cId="1821881281" sldId="262"/>
+            <ac:spMk id="19" creationId="{D614026C-C223-0A28-8CF7-06DA07BC8AC1}"/>
+          </ac:spMkLst>
+        </pc:spChg>
+        <pc:spChg chg="del">
+          <ac:chgData name="Ary Farah" userId="b4a11b600c829974" providerId="LiveId" clId="{9BBC829C-6B39-4291-844A-0596D290B3E5}" dt="2024-04-16T00:15:26.428" v="2380" actId="478"/>
+          <ac:spMkLst>
+            <pc:docMk/>
+            <pc:sldMk cId="1821881281" sldId="262"/>
+            <ac:spMk id="20" creationId="{B0E25463-7856-6A96-882C-8FFE6D1D75EB}"/>
+          </ac:spMkLst>
+        </pc:spChg>
+        <pc:spChg chg="del">
+          <ac:chgData name="Ary Farah" userId="b4a11b600c829974" providerId="LiveId" clId="{9BBC829C-6B39-4291-844A-0596D290B3E5}" dt="2024-04-16T00:15:26.428" v="2380" actId="478"/>
+          <ac:spMkLst>
+            <pc:docMk/>
+            <pc:sldMk cId="1821881281" sldId="262"/>
+            <ac:spMk id="21" creationId="{74719D5C-E944-BFBC-8489-AAC28527D6CB}"/>
+          </ac:spMkLst>
+        </pc:spChg>
+        <pc:spChg chg="del">
+          <ac:chgData name="Ary Farah" userId="b4a11b600c829974" providerId="LiveId" clId="{9BBC829C-6B39-4291-844A-0596D290B3E5}" dt="2024-04-16T00:15:26.428" v="2380" actId="478"/>
+          <ac:spMkLst>
+            <pc:docMk/>
+            <pc:sldMk cId="1821881281" sldId="262"/>
+            <ac:spMk id="28" creationId="{A417A956-8207-2229-14C2-99876B397CED}"/>
+          </ac:spMkLst>
+        </pc:spChg>
+        <pc:spChg chg="del">
+          <ac:chgData name="Ary Farah" userId="b4a11b600c829974" providerId="LiveId" clId="{9BBC829C-6B39-4291-844A-0596D290B3E5}" dt="2024-04-16T00:15:29.518" v="2381" actId="478"/>
+          <ac:spMkLst>
+            <pc:docMk/>
+            <pc:sldMk cId="1821881281" sldId="262"/>
+            <ac:spMk id="29" creationId="{A0A37EE8-9B2C-5291-DF50-C9E91227A74E}"/>
+          </ac:spMkLst>
+        </pc:spChg>
+        <pc:spChg chg="del">
+          <ac:chgData name="Ary Farah" userId="b4a11b600c829974" providerId="LiveId" clId="{9BBC829C-6B39-4291-844A-0596D290B3E5}" dt="2024-04-16T00:15:26.428" v="2380" actId="478"/>
+          <ac:spMkLst>
+            <pc:docMk/>
+            <pc:sldMk cId="1821881281" sldId="262"/>
+            <ac:spMk id="30" creationId="{8FD45A83-4A1C-CE06-0248-C793E4C03A7F}"/>
+          </ac:spMkLst>
+        </pc:spChg>
+        <pc:spChg chg="del">
+          <ac:chgData name="Ary Farah" userId="b4a11b600c829974" providerId="LiveId" clId="{9BBC829C-6B39-4291-844A-0596D290B3E5}" dt="2024-04-16T00:15:26.428" v="2380" actId="478"/>
+          <ac:spMkLst>
+            <pc:docMk/>
+            <pc:sldMk cId="1821881281" sldId="262"/>
+            <ac:spMk id="34" creationId="{EF9E1DD3-DB51-0664-257E-8F217402CF01}"/>
+          </ac:spMkLst>
+        </pc:spChg>
+        <pc:spChg chg="del">
+          <ac:chgData name="Ary Farah" userId="b4a11b600c829974" providerId="LiveId" clId="{9BBC829C-6B39-4291-844A-0596D290B3E5}" dt="2024-04-16T00:15:29.518" v="2381" actId="478"/>
+          <ac:spMkLst>
+            <pc:docMk/>
+            <pc:sldMk cId="1821881281" sldId="262"/>
+            <ac:spMk id="35" creationId="{288565E6-739D-0DCA-9330-7C29DFF8432E}"/>
+          </ac:spMkLst>
+        </pc:spChg>
+        <pc:cxnChg chg="mod">
+          <ac:chgData name="Ary Farah" userId="b4a11b600c829974" providerId="LiveId" clId="{9BBC829C-6B39-4291-844A-0596D290B3E5}" dt="2024-04-16T00:15:07.902" v="2379" actId="14100"/>
+          <ac:cxnSpMkLst>
+            <pc:docMk/>
+            <pc:sldMk cId="1821881281" sldId="262"/>
+            <ac:cxnSpMk id="10" creationId="{21DD7C9B-C914-CCC5-6FB0-230AAF618ABB}"/>
+          </ac:cxnSpMkLst>
+        </pc:cxnChg>
+      </pc:sldChg>
+      <pc:sldChg chg="addSp delSp modSp add mod modAnim">
+        <pc:chgData name="Ary Farah" userId="b4a11b600c829974" providerId="LiveId" clId="{9BBC829C-6B39-4291-844A-0596D290B3E5}" dt="2024-04-16T01:14:59.002" v="3468" actId="2085"/>
+        <pc:sldMkLst>
+          <pc:docMk/>
+          <pc:sldMk cId="1448053748" sldId="263"/>
+        </pc:sldMkLst>
+        <pc:spChg chg="add mod">
+          <ac:chgData name="Ary Farah" userId="b4a11b600c829974" providerId="LiveId" clId="{9BBC829C-6B39-4291-844A-0596D290B3E5}" dt="2024-04-16T00:49:53.256" v="2770" actId="20577"/>
+          <ac:spMkLst>
+            <pc:docMk/>
+            <pc:sldMk cId="1448053748" sldId="263"/>
+            <ac:spMk id="2" creationId="{AB1C9E28-2C58-3F74-6EF2-4A4AA380A251}"/>
+          </ac:spMkLst>
+        </pc:spChg>
+        <pc:spChg chg="add mod">
+          <ac:chgData name="Ary Farah" userId="b4a11b600c829974" providerId="LiveId" clId="{9BBC829C-6B39-4291-844A-0596D290B3E5}" dt="2024-04-16T01:01:28.943" v="3369" actId="1076"/>
+          <ac:spMkLst>
+            <pc:docMk/>
+            <pc:sldMk cId="1448053748" sldId="263"/>
+            <ac:spMk id="3" creationId="{94A23EE9-F065-1A09-BED7-620217FEEB89}"/>
+          </ac:spMkLst>
+        </pc:spChg>
+        <pc:spChg chg="mod">
+          <ac:chgData name="Ary Farah" userId="b4a11b600c829974" providerId="LiveId" clId="{9BBC829C-6B39-4291-844A-0596D290B3E5}" dt="2024-04-16T00:23:42.071" v="2725" actId="20577"/>
+          <ac:spMkLst>
+            <pc:docMk/>
+            <pc:sldMk cId="1448053748" sldId="263"/>
+            <ac:spMk id="5" creationId="{FF06475B-1A89-1C94-85D2-38037C9F81CB}"/>
+          </ac:spMkLst>
+        </pc:spChg>
+        <pc:spChg chg="add mod">
+          <ac:chgData name="Ary Farah" userId="b4a11b600c829974" providerId="LiveId" clId="{9BBC829C-6B39-4291-844A-0596D290B3E5}" dt="2024-04-16T01:01:25.486" v="3368" actId="1076"/>
+          <ac:spMkLst>
+            <pc:docMk/>
+            <pc:sldMk cId="1448053748" sldId="263"/>
+            <ac:spMk id="6" creationId="{26129EE7-AC97-4D2B-B9BF-4034DC808024}"/>
+          </ac:spMkLst>
+        </pc:spChg>
+        <pc:spChg chg="del">
+          <ac:chgData name="Ary Farah" userId="b4a11b600c829974" providerId="LiveId" clId="{9BBC829C-6B39-4291-844A-0596D290B3E5}" dt="2024-04-16T00:21:46.772" v="2700" actId="478"/>
+          <ac:spMkLst>
+            <pc:docMk/>
+            <pc:sldMk cId="1448053748" sldId="263"/>
+            <ac:spMk id="7" creationId="{E67BB321-5712-F912-F610-9FA5859D8FCA}"/>
+          </ac:spMkLst>
+        </pc:spChg>
+        <pc:spChg chg="del">
+          <ac:chgData name="Ary Farah" userId="b4a11b600c829974" providerId="LiveId" clId="{9BBC829C-6B39-4291-844A-0596D290B3E5}" dt="2024-04-16T00:21:46.772" v="2700" actId="478"/>
+          <ac:spMkLst>
+            <pc:docMk/>
+            <pc:sldMk cId="1448053748" sldId="263"/>
+            <ac:spMk id="8" creationId="{D48F3A4A-27D5-72BC-AFEC-F2A6A02C6DF7}"/>
+          </ac:spMkLst>
+        </pc:spChg>
+        <pc:spChg chg="add mod">
+          <ac:chgData name="Ary Farah" userId="b4a11b600c829974" providerId="LiveId" clId="{9BBC829C-6B39-4291-844A-0596D290B3E5}" dt="2024-04-16T01:01:22.307" v="3367" actId="1076"/>
+          <ac:spMkLst>
+            <pc:docMk/>
+            <pc:sldMk cId="1448053748" sldId="263"/>
+            <ac:spMk id="9" creationId="{DB8814A0-F13C-926D-7AD5-A398440F6626}"/>
+          </ac:spMkLst>
+        </pc:spChg>
+        <pc:spChg chg="add mod ord">
+          <ac:chgData name="Ary Farah" userId="b4a11b600c829974" providerId="LiveId" clId="{9BBC829C-6B39-4291-844A-0596D290B3E5}" dt="2024-04-16T01:14:59.002" v="3468" actId="2085"/>
+          <ac:spMkLst>
+            <pc:docMk/>
+            <pc:sldMk cId="1448053748" sldId="263"/>
+            <ac:spMk id="12" creationId="{9109328D-7374-58E9-EE0D-0389A643FC33}"/>
+          </ac:spMkLst>
+        </pc:spChg>
+        <pc:cxnChg chg="mod">
+          <ac:chgData name="Ary Farah" userId="b4a11b600c829974" providerId="LiveId" clId="{9BBC829C-6B39-4291-844A-0596D290B3E5}" dt="2024-04-16T01:08:21.033" v="3374" actId="14100"/>
+          <ac:cxnSpMkLst>
+            <pc:docMk/>
+            <pc:sldMk cId="1448053748" sldId="263"/>
+            <ac:cxnSpMk id="10" creationId="{21DD7C9B-C914-CCC5-6FB0-230AAF618ABB}"/>
+          </ac:cxnSpMkLst>
+        </pc:cxnChg>
+      </pc:sldChg>
+      <pc:sldChg chg="addSp delSp modSp add mod ord modTransition modAnim">
+        <pc:chgData name="Ary Farah" userId="b4a11b600c829974" providerId="LiveId" clId="{9BBC829C-6B39-4291-844A-0596D290B3E5}" dt="2024-04-16T01:16:03.314" v="3473"/>
+        <pc:sldMkLst>
+          <pc:docMk/>
+          <pc:sldMk cId="4264924888" sldId="264"/>
+        </pc:sldMkLst>
+        <pc:spChg chg="del">
+          <ac:chgData name="Ary Farah" userId="b4a11b600c829974" providerId="LiveId" clId="{9BBC829C-6B39-4291-844A-0596D290B3E5}" dt="2024-04-16T01:09:34.576" v="3388" actId="478"/>
+          <ac:spMkLst>
+            <pc:docMk/>
+            <pc:sldMk cId="4264924888" sldId="264"/>
+            <ac:spMk id="2" creationId="{487DBDA1-DE88-0CFE-0646-7645F58CA3E5}"/>
+          </ac:spMkLst>
+        </pc:spChg>
+        <pc:spChg chg="add mod">
+          <ac:chgData name="Ary Farah" userId="b4a11b600c829974" providerId="LiveId" clId="{9BBC829C-6B39-4291-844A-0596D290B3E5}" dt="2024-04-16T01:14:18.497" v="3462" actId="14100"/>
+          <ac:spMkLst>
+            <pc:docMk/>
+            <pc:sldMk cId="4264924888" sldId="264"/>
+            <ac:spMk id="2" creationId="{8523F217-E656-3D36-EDDD-3999A6BFE581}"/>
+          </ac:spMkLst>
+        </pc:spChg>
+        <pc:spChg chg="add mod ord">
+          <ac:chgData name="Ary Farah" userId="b4a11b600c829974" providerId="LiveId" clId="{9BBC829C-6B39-4291-844A-0596D290B3E5}" dt="2024-04-16T01:15:26.179" v="3471" actId="14100"/>
+          <ac:spMkLst>
+            <pc:docMk/>
+            <pc:sldMk cId="4264924888" sldId="264"/>
+            <ac:spMk id="3" creationId="{F8E445DF-1CA8-2F16-DF4B-C8FF7B0E2852}"/>
+          </ac:spMkLst>
+        </pc:spChg>
+        <pc:spChg chg="mod">
+          <ac:chgData name="Ary Farah" userId="b4a11b600c829974" providerId="LiveId" clId="{9BBC829C-6B39-4291-844A-0596D290B3E5}" dt="2024-04-16T01:10:26.866" v="3426" actId="207"/>
+          <ac:spMkLst>
+            <pc:docMk/>
+            <pc:sldMk cId="4264924888" sldId="264"/>
+            <ac:spMk id="4" creationId="{2A13B32D-2450-280F-ECCA-79D7D39A949A}"/>
+          </ac:spMkLst>
+        </pc:spChg>
+        <pc:spChg chg="mod">
+          <ac:chgData name="Ary Farah" userId="b4a11b600c829974" providerId="LiveId" clId="{9BBC829C-6B39-4291-844A-0596D290B3E5}" dt="2024-04-16T01:10:14.286" v="3425" actId="20577"/>
+          <ac:spMkLst>
+            <pc:docMk/>
+            <pc:sldMk cId="4264924888" sldId="264"/>
+            <ac:spMk id="5" creationId="{87FDC614-472C-7C86-66DF-9E24B6E60B0F}"/>
+          </ac:spMkLst>
+        </pc:spChg>
+        <pc:spChg chg="del">
+          <ac:chgData name="Ary Farah" userId="b4a11b600c829974" providerId="LiveId" clId="{9BBC829C-6B39-4291-844A-0596D290B3E5}" dt="2024-04-16T01:09:30.881" v="3387" actId="478"/>
+          <ac:spMkLst>
+            <pc:docMk/>
+            <pc:sldMk cId="4264924888" sldId="264"/>
+            <ac:spMk id="6" creationId="{45E0BDFF-13A1-685F-5068-598FA1FA5810}"/>
+          </ac:spMkLst>
+        </pc:spChg>
       </pc:sldChg>
     </pc:docChg>
   </pc:docChgLst>
@@ -1606,7 +2181,7 @@
           <a:p>
             <a:fld id="{65252134-A1E7-45E3-9A09-87C22AC08D50}" type="datetimeFigureOut">
               <a:rPr lang="pt-BR" smtClean="0"/>
-              <a:t>14/04/2024</a:t>
+              <a:t>15/04/2024</a:t>
             </a:fld>
             <a:endParaRPr lang="pt-BR"/>
           </a:p>
@@ -1806,7 +2381,7 @@
           <a:p>
             <a:fld id="{65252134-A1E7-45E3-9A09-87C22AC08D50}" type="datetimeFigureOut">
               <a:rPr lang="pt-BR" smtClean="0"/>
-              <a:t>14/04/2024</a:t>
+              <a:t>15/04/2024</a:t>
             </a:fld>
             <a:endParaRPr lang="pt-BR"/>
           </a:p>
@@ -2016,7 +2591,7 @@
           <a:p>
             <a:fld id="{65252134-A1E7-45E3-9A09-87C22AC08D50}" type="datetimeFigureOut">
               <a:rPr lang="pt-BR" smtClean="0"/>
-              <a:t>14/04/2024</a:t>
+              <a:t>15/04/2024</a:t>
             </a:fld>
             <a:endParaRPr lang="pt-BR"/>
           </a:p>
@@ -2216,7 +2791,7 @@
           <a:p>
             <a:fld id="{65252134-A1E7-45E3-9A09-87C22AC08D50}" type="datetimeFigureOut">
               <a:rPr lang="pt-BR" smtClean="0"/>
-              <a:t>14/04/2024</a:t>
+              <a:t>15/04/2024</a:t>
             </a:fld>
             <a:endParaRPr lang="pt-BR"/>
           </a:p>
@@ -2492,7 +3067,7 @@
           <a:p>
             <a:fld id="{65252134-A1E7-45E3-9A09-87C22AC08D50}" type="datetimeFigureOut">
               <a:rPr lang="pt-BR" smtClean="0"/>
-              <a:t>14/04/2024</a:t>
+              <a:t>15/04/2024</a:t>
             </a:fld>
             <a:endParaRPr lang="pt-BR"/>
           </a:p>
@@ -2760,7 +3335,7 @@
           <a:p>
             <a:fld id="{65252134-A1E7-45E3-9A09-87C22AC08D50}" type="datetimeFigureOut">
               <a:rPr lang="pt-BR" smtClean="0"/>
-              <a:t>14/04/2024</a:t>
+              <a:t>15/04/2024</a:t>
             </a:fld>
             <a:endParaRPr lang="pt-BR"/>
           </a:p>
@@ -3175,7 +3750,7 @@
           <a:p>
             <a:fld id="{65252134-A1E7-45E3-9A09-87C22AC08D50}" type="datetimeFigureOut">
               <a:rPr lang="pt-BR" smtClean="0"/>
-              <a:t>14/04/2024</a:t>
+              <a:t>15/04/2024</a:t>
             </a:fld>
             <a:endParaRPr lang="pt-BR"/>
           </a:p>
@@ -3317,7 +3892,7 @@
           <a:p>
             <a:fld id="{65252134-A1E7-45E3-9A09-87C22AC08D50}" type="datetimeFigureOut">
               <a:rPr lang="pt-BR" smtClean="0"/>
-              <a:t>14/04/2024</a:t>
+              <a:t>15/04/2024</a:t>
             </a:fld>
             <a:endParaRPr lang="pt-BR"/>
           </a:p>
@@ -3430,7 +4005,7 @@
           <a:p>
             <a:fld id="{65252134-A1E7-45E3-9A09-87C22AC08D50}" type="datetimeFigureOut">
               <a:rPr lang="pt-BR" smtClean="0"/>
-              <a:t>14/04/2024</a:t>
+              <a:t>15/04/2024</a:t>
             </a:fld>
             <a:endParaRPr lang="pt-BR"/>
           </a:p>
@@ -3743,7 +4318,7 @@
           <a:p>
             <a:fld id="{65252134-A1E7-45E3-9A09-87C22AC08D50}" type="datetimeFigureOut">
               <a:rPr lang="pt-BR" smtClean="0"/>
-              <a:t>14/04/2024</a:t>
+              <a:t>15/04/2024</a:t>
             </a:fld>
             <a:endParaRPr lang="pt-BR"/>
           </a:p>
@@ -4032,7 +4607,7 @@
           <a:p>
             <a:fld id="{65252134-A1E7-45E3-9A09-87C22AC08D50}" type="datetimeFigureOut">
               <a:rPr lang="pt-BR" smtClean="0"/>
-              <a:t>14/04/2024</a:t>
+              <a:t>15/04/2024</a:t>
             </a:fld>
             <a:endParaRPr lang="pt-BR"/>
           </a:p>
@@ -4275,7 +4850,7 @@
           <a:p>
             <a:fld id="{65252134-A1E7-45E3-9A09-87C22AC08D50}" type="datetimeFigureOut">
               <a:rPr lang="pt-BR" smtClean="0"/>
-              <a:t>14/04/2024</a:t>
+              <a:t>15/04/2024</a:t>
             </a:fld>
             <a:endParaRPr lang="pt-BR"/>
           </a:p>
@@ -5752,13 +6327,13 @@
   <p:clrMapOvr>
     <a:masterClrMapping/>
   </p:clrMapOvr>
-  <mc:AlternateContent xmlns:mc="http://schemas.openxmlformats.org/markup-compatibility/2006">
-    <mc:Choice xmlns:p159="http://schemas.microsoft.com/office/powerpoint/2015/09/main" Requires="p159">
+  <mc:AlternateContent xmlns:mc="http://schemas.openxmlformats.org/markup-compatibility/2006" xmlns:p159="http://schemas.microsoft.com/office/powerpoint/2015/09/main">
+    <mc:Choice Requires="p159">
       <p:transition xmlns:p14="http://schemas.microsoft.com/office/powerpoint/2010/main" spd="slow" p14:dur="2000">
         <p159:morph option="byObject"/>
       </p:transition>
     </mc:Choice>
-    <mc:Fallback>
+    <mc:Fallback xmlns="">
       <p:transition spd="slow">
         <p:fade/>
       </p:transition>
@@ -7253,13 +7828,13 @@
   <p:clrMapOvr>
     <a:masterClrMapping/>
   </p:clrMapOvr>
-  <mc:AlternateContent xmlns:mc="http://schemas.openxmlformats.org/markup-compatibility/2006">
-    <mc:Choice xmlns:p159="http://schemas.microsoft.com/office/powerpoint/2015/09/main" Requires="p159">
+  <mc:AlternateContent xmlns:mc="http://schemas.openxmlformats.org/markup-compatibility/2006" xmlns:p159="http://schemas.microsoft.com/office/powerpoint/2015/09/main">
+    <mc:Choice Requires="p159">
       <p:transition xmlns:p14="http://schemas.microsoft.com/office/powerpoint/2010/main" spd="slow" p14:dur="2000">
         <p159:morph option="byObject"/>
       </p:transition>
     </mc:Choice>
-    <mc:Fallback>
+    <mc:Fallback xmlns="">
       <p:transition spd="slow">
         <p:fade/>
       </p:transition>
@@ -7383,102 +7958,14 @@
                             </p:stCondLst>
                             <p:childTnLst>
                               <p:par>
-                                <p:cTn id="14" presetID="10" presetClass="exit" presetSubtype="0" fill="hold" nodeType="clickEffect">
-                                  <p:stCondLst>
-                                    <p:cond delay="0"/>
-                                  </p:stCondLst>
-                                  <p:childTnLst>
-                                    <p:animEffect transition="out" filter="fade">
-                                      <p:cBhvr>
-                                        <p:cTn id="15" dur="500"/>
-                                        <p:tgtEl>
-                                          <p:spTgt spid="37"/>
-                                        </p:tgtEl>
-                                      </p:cBhvr>
-                                    </p:animEffect>
-                                    <p:set>
-                                      <p:cBhvr>
-                                        <p:cTn id="16" dur="1" fill="hold">
-                                          <p:stCondLst>
-                                            <p:cond delay="499"/>
-                                          </p:stCondLst>
-                                        </p:cTn>
-                                        <p:tgtEl>
-                                          <p:spTgt spid="37"/>
-                                        </p:tgtEl>
-                                        <p:attrNameLst>
-                                          <p:attrName>style.visibility</p:attrName>
-                                        </p:attrNameLst>
-                                      </p:cBhvr>
-                                      <p:to>
-                                        <p:strVal val="hidden"/>
-                                      </p:to>
-                                    </p:set>
-                                  </p:childTnLst>
-                                </p:cTn>
-                              </p:par>
-                              <p:par>
-                                <p:cTn id="17" presetID="10" presetClass="exit" presetSubtype="0" fill="hold" grpId="1" nodeType="withEffect">
-                                  <p:stCondLst>
-                                    <p:cond delay="0"/>
-                                  </p:stCondLst>
-                                  <p:childTnLst>
-                                    <p:animEffect transition="out" filter="fade">
-                                      <p:cBhvr>
-                                        <p:cTn id="18" dur="500"/>
-                                        <p:tgtEl>
-                                          <p:spTgt spid="39"/>
-                                        </p:tgtEl>
-                                      </p:cBhvr>
-                                    </p:animEffect>
-                                    <p:set>
-                                      <p:cBhvr>
-                                        <p:cTn id="19" dur="1" fill="hold">
-                                          <p:stCondLst>
-                                            <p:cond delay="499"/>
-                                          </p:stCondLst>
-                                        </p:cTn>
-                                        <p:tgtEl>
-                                          <p:spTgt spid="39"/>
-                                        </p:tgtEl>
-                                        <p:attrNameLst>
-                                          <p:attrName>style.visibility</p:attrName>
-                                        </p:attrNameLst>
-                                      </p:cBhvr>
-                                      <p:to>
-                                        <p:strVal val="hidden"/>
-                                      </p:to>
-                                    </p:set>
-                                  </p:childTnLst>
-                                </p:cTn>
-                              </p:par>
-                            </p:childTnLst>
-                          </p:cTn>
-                        </p:par>
-                      </p:childTnLst>
-                    </p:cTn>
-                  </p:par>
-                  <p:par>
-                    <p:cTn id="20" fill="hold">
-                      <p:stCondLst>
-                        <p:cond delay="indefinite"/>
-                      </p:stCondLst>
-                      <p:childTnLst>
-                        <p:par>
-                          <p:cTn id="21" fill="hold">
-                            <p:stCondLst>
-                              <p:cond delay="0"/>
-                            </p:stCondLst>
-                            <p:childTnLst>
-                              <p:par>
-                                <p:cTn id="22" presetID="10" presetClass="entr" presetSubtype="0" fill="hold" nodeType="clickEffect">
+                                <p:cTn id="14" presetID="10" presetClass="entr" presetSubtype="0" fill="hold" nodeType="clickEffect">
                                   <p:stCondLst>
                                     <p:cond delay="0"/>
                                   </p:stCondLst>
                                   <p:childTnLst>
                                     <p:set>
                                       <p:cBhvr>
-                                        <p:cTn id="23" dur="1" fill="hold">
+                                        <p:cTn id="15" dur="1" fill="hold">
                                           <p:stCondLst>
                                             <p:cond delay="0"/>
                                           </p:stCondLst>
@@ -7496,7 +7983,7 @@
                                     </p:set>
                                     <p:animEffect transition="in" filter="fade">
                                       <p:cBhvr>
-                                        <p:cTn id="24" dur="500"/>
+                                        <p:cTn id="16" dur="500"/>
                                         <p:tgtEl>
                                           <p:spTgt spid="42"/>
                                         </p:tgtEl>
@@ -7506,14 +7993,14 @@
                                 </p:cTn>
                               </p:par>
                               <p:par>
-                                <p:cTn id="25" presetID="10" presetClass="entr" presetSubtype="0" fill="hold" nodeType="withEffect">
+                                <p:cTn id="17" presetID="10" presetClass="entr" presetSubtype="0" fill="hold" nodeType="withEffect">
                                   <p:stCondLst>
                                     <p:cond delay="0"/>
                                   </p:stCondLst>
                                   <p:childTnLst>
                                     <p:set>
                                       <p:cBhvr>
-                                        <p:cTn id="26" dur="1" fill="hold">
+                                        <p:cTn id="18" dur="1" fill="hold">
                                           <p:stCondLst>
                                             <p:cond delay="0"/>
                                           </p:stCondLst>
@@ -7531,7 +8018,7 @@
                                     </p:set>
                                     <p:animEffect transition="in" filter="fade">
                                       <p:cBhvr>
-                                        <p:cTn id="27" dur="500"/>
+                                        <p:cTn id="19" dur="500"/>
                                         <p:tgtEl>
                                           <p:spTgt spid="44"/>
                                         </p:tgtEl>
@@ -7544,20 +8031,20 @@
                           </p:cTn>
                         </p:par>
                         <p:par>
-                          <p:cTn id="28" fill="hold">
+                          <p:cTn id="20" fill="hold">
                             <p:stCondLst>
                               <p:cond delay="500"/>
                             </p:stCondLst>
                             <p:childTnLst>
                               <p:par>
-                                <p:cTn id="29" presetID="10" presetClass="entr" presetSubtype="0" fill="hold" grpId="0" nodeType="afterEffect">
+                                <p:cTn id="21" presetID="10" presetClass="entr" presetSubtype="0" fill="hold" grpId="0" nodeType="afterEffect">
                                   <p:stCondLst>
                                     <p:cond delay="0"/>
                                   </p:stCondLst>
                                   <p:childTnLst>
                                     <p:set>
                                       <p:cBhvr>
-                                        <p:cTn id="30" dur="1" fill="hold">
+                                        <p:cTn id="22" dur="1" fill="hold">
                                           <p:stCondLst>
                                             <p:cond delay="0"/>
                                           </p:stCondLst>
@@ -7575,7 +8062,7 @@
                                     </p:set>
                                     <p:animEffect transition="in" filter="fade">
                                       <p:cBhvr>
-                                        <p:cTn id="31" dur="500"/>
+                                        <p:cTn id="23" dur="500"/>
                                         <p:tgtEl>
                                           <p:spTgt spid="48"/>
                                         </p:tgtEl>
@@ -7591,26 +8078,26 @@
                     </p:cTn>
                   </p:par>
                   <p:par>
-                    <p:cTn id="32" fill="hold">
+                    <p:cTn id="24" fill="hold">
                       <p:stCondLst>
                         <p:cond delay="indefinite"/>
                       </p:stCondLst>
                       <p:childTnLst>
                         <p:par>
-                          <p:cTn id="33" fill="hold">
+                          <p:cTn id="25" fill="hold">
                             <p:stCondLst>
                               <p:cond delay="0"/>
                             </p:stCondLst>
                             <p:childTnLst>
                               <p:par>
-                                <p:cTn id="34" presetID="10" presetClass="exit" presetSubtype="0" fill="hold" nodeType="clickEffect">
+                                <p:cTn id="26" presetID="10" presetClass="exit" presetSubtype="0" fill="hold" nodeType="clickEffect">
                                   <p:stCondLst>
                                     <p:cond delay="0"/>
                                   </p:stCondLst>
                                   <p:childTnLst>
                                     <p:animEffect transition="out" filter="fade">
                                       <p:cBhvr>
-                                        <p:cTn id="35" dur="500"/>
+                                        <p:cTn id="27" dur="500"/>
                                         <p:tgtEl>
                                           <p:spTgt spid="42"/>
                                         </p:tgtEl>
@@ -7618,7 +8105,7 @@
                                     </p:animEffect>
                                     <p:set>
                                       <p:cBhvr>
-                                        <p:cTn id="36" dur="1" fill="hold">
+                                        <p:cTn id="28" dur="1" fill="hold">
                                           <p:stCondLst>
                                             <p:cond delay="499"/>
                                           </p:stCondLst>
@@ -7638,14 +8125,14 @@
                                 </p:cTn>
                               </p:par>
                               <p:par>
-                                <p:cTn id="37" presetID="10" presetClass="exit" presetSubtype="0" fill="hold" nodeType="withEffect">
+                                <p:cTn id="29" presetID="10" presetClass="exit" presetSubtype="0" fill="hold" nodeType="withEffect">
                                   <p:stCondLst>
                                     <p:cond delay="0"/>
                                   </p:stCondLst>
                                   <p:childTnLst>
                                     <p:animEffect transition="out" filter="fade">
                                       <p:cBhvr>
-                                        <p:cTn id="38" dur="500"/>
+                                        <p:cTn id="30" dur="500"/>
                                         <p:tgtEl>
                                           <p:spTgt spid="44"/>
                                         </p:tgtEl>
@@ -7653,7 +8140,7 @@
                                     </p:animEffect>
                                     <p:set>
                                       <p:cBhvr>
-                                        <p:cTn id="39" dur="1" fill="hold">
+                                        <p:cTn id="31" dur="1" fill="hold">
                                           <p:stCondLst>
                                             <p:cond delay="499"/>
                                           </p:stCondLst>
@@ -7673,14 +8160,14 @@
                                 </p:cTn>
                               </p:par>
                               <p:par>
-                                <p:cTn id="40" presetID="10" presetClass="exit" presetSubtype="0" fill="hold" grpId="1" nodeType="withEffect">
+                                <p:cTn id="32" presetID="10" presetClass="exit" presetSubtype="0" fill="hold" grpId="1" nodeType="withEffect">
                                   <p:stCondLst>
                                     <p:cond delay="0"/>
                                   </p:stCondLst>
                                   <p:childTnLst>
                                     <p:animEffect transition="out" filter="fade">
                                       <p:cBhvr>
-                                        <p:cTn id="41" dur="500"/>
+                                        <p:cTn id="33" dur="500"/>
                                         <p:tgtEl>
                                           <p:spTgt spid="48"/>
                                         </p:tgtEl>
@@ -7688,7 +8175,7 @@
                                     </p:animEffect>
                                     <p:set>
                                       <p:cBhvr>
-                                        <p:cTn id="42" dur="1" fill="hold">
+                                        <p:cTn id="34" dur="1" fill="hold">
                                           <p:stCondLst>
                                             <p:cond delay="499"/>
                                           </p:stCondLst>
@@ -7736,7 +8223,6 @@
     </p:tnLst>
     <p:bldLst>
       <p:bldP spid="39" grpId="0"/>
-      <p:bldP spid="39" grpId="1"/>
       <p:bldP spid="48" grpId="0"/>
       <p:bldP spid="48" grpId="1"/>
     </p:bldLst>
@@ -8470,13 +8956,13 @@
   <p:clrMapOvr>
     <a:masterClrMapping/>
   </p:clrMapOvr>
-  <mc:AlternateContent xmlns:mc="http://schemas.openxmlformats.org/markup-compatibility/2006">
-    <mc:Choice xmlns:p159="http://schemas.microsoft.com/office/powerpoint/2015/09/main" Requires="p159">
+  <mc:AlternateContent xmlns:mc="http://schemas.openxmlformats.org/markup-compatibility/2006" xmlns:p159="http://schemas.microsoft.com/office/powerpoint/2015/09/main">
+    <mc:Choice Requires="p159">
       <p:transition xmlns:p14="http://schemas.microsoft.com/office/powerpoint/2010/main" spd="slow" p14:dur="2000">
         <p159:morph option="byObject"/>
       </p:transition>
     </mc:Choice>
-    <mc:Fallback>
+    <mc:Fallback xmlns="">
       <p:transition spd="slow">
         <p:fade/>
       </p:transition>
@@ -9121,7 +9607,7 @@
         </p:nvSpPr>
         <p:spPr>
           <a:xfrm>
-            <a:off x="6132958" y="2403455"/>
+            <a:off x="498830" y="2403455"/>
             <a:ext cx="5691702" cy="461665"/>
           </a:xfrm>
           <a:prstGeom prst="rect">
@@ -9192,8 +9678,8 @@
         </p:nvSpPr>
         <p:spPr>
           <a:xfrm>
-            <a:off x="498830" y="4795719"/>
-            <a:ext cx="3067292" cy="461665"/>
+            <a:off x="498829" y="4795719"/>
+            <a:ext cx="4411821" cy="461665"/>
           </a:xfrm>
           <a:prstGeom prst="rect">
             <a:avLst/>
@@ -9207,10 +9693,16 @@
           <a:lstStyle/>
           <a:p>
             <a:r>
+              <a:rPr lang="pt-BR" sz="2400" b="1" dirty="0">
+                <a:latin typeface="Bahnschrift SemiLight" panose="020B0502040204020203" pitchFamily="34" charset="0"/>
+              </a:rPr>
+              <a:t>Security/</a:t>
+            </a:r>
+            <a:r>
               <a:rPr lang="pt-BR" sz="2400" b="1" dirty="0" err="1">
                 <a:latin typeface="Bahnschrift SemiLight" panose="020B0502040204020203" pitchFamily="34" charset="0"/>
               </a:rPr>
-              <a:t>Intrinsic</a:t>
+              <a:t>Accessibility</a:t>
             </a:r>
             <a:r>
               <a:rPr lang="pt-BR" sz="2400" b="1" dirty="0">
@@ -9420,7 +9912,7 @@
         </p:nvSpPr>
         <p:spPr>
           <a:xfrm>
-            <a:off x="10047796" y="2963178"/>
+            <a:off x="628692" y="2963178"/>
             <a:ext cx="1776864" cy="400109"/>
           </a:xfrm>
           <a:prstGeom prst="rect">
@@ -9464,8 +9956,8 @@
         </p:nvSpPr>
         <p:spPr>
           <a:xfrm>
-            <a:off x="7697627" y="2963179"/>
-            <a:ext cx="1776864" cy="707886"/>
+            <a:off x="2960432" y="2963179"/>
+            <a:ext cx="2284093" cy="400110"/>
           </a:xfrm>
           <a:prstGeom prst="rect">
             <a:avLst/>
@@ -9483,7 +9975,7 @@
               <a:buChar char="•"/>
             </a:pPr>
             <a:r>
-              <a:rPr lang="pt-BR" sz="2000">
+              <a:rPr lang="pt-BR" sz="2000" dirty="0" err="1">
                 <a:latin typeface="Bahnschrift SemiLight" panose="020B0502040204020203" pitchFamily="34" charset="0"/>
               </a:rPr>
               <a:t>Completeness</a:t>
@@ -9530,7 +10022,7 @@
               <a:rPr lang="pt-BR" sz="2000" dirty="0" err="1">
                 <a:latin typeface="Bahnschrift SemiLight" panose="020B0502040204020203" pitchFamily="34" charset="0"/>
               </a:rPr>
-              <a:t>Reputation</a:t>
+              <a:t>Currency</a:t>
             </a:r>
             <a:endParaRPr lang="pt-BR" sz="2400" dirty="0">
               <a:latin typeface="Bahnschrift SemiLight" panose="020B0502040204020203" pitchFamily="34" charset="0"/>
@@ -9552,8 +10044,8 @@
         </p:nvSpPr>
         <p:spPr>
           <a:xfrm>
-            <a:off x="10047796" y="3461347"/>
-            <a:ext cx="1776864" cy="400109"/>
+            <a:off x="7487212" y="2963177"/>
+            <a:ext cx="4531331" cy="400110"/>
           </a:xfrm>
           <a:prstGeom prst="rect">
             <a:avLst/>
@@ -9574,7 +10066,43 @@
               <a:rPr lang="pt-BR" sz="2000" dirty="0" err="1">
                 <a:latin typeface="Bahnschrift SemiLight" panose="020B0502040204020203" pitchFamily="34" charset="0"/>
               </a:rPr>
-              <a:t>Reputation</a:t>
+              <a:t>Appropriate</a:t>
+            </a:r>
+            <a:r>
+              <a:rPr lang="pt-BR" sz="2000" dirty="0">
+                <a:latin typeface="Bahnschrift SemiLight" panose="020B0502040204020203" pitchFamily="34" charset="0"/>
+              </a:rPr>
+              <a:t> </a:t>
+            </a:r>
+            <a:r>
+              <a:rPr lang="pt-BR" sz="2000" dirty="0" err="1">
+                <a:latin typeface="Bahnschrift SemiLight" panose="020B0502040204020203" pitchFamily="34" charset="0"/>
+              </a:rPr>
+              <a:t>amount</a:t>
+            </a:r>
+            <a:r>
+              <a:rPr lang="pt-BR" sz="2000" dirty="0">
+                <a:latin typeface="Bahnschrift SemiLight" panose="020B0502040204020203" pitchFamily="34" charset="0"/>
+              </a:rPr>
+              <a:t> </a:t>
+            </a:r>
+            <a:r>
+              <a:rPr lang="pt-BR" sz="2000" dirty="0" err="1">
+                <a:latin typeface="Bahnschrift SemiLight" panose="020B0502040204020203" pitchFamily="34" charset="0"/>
+              </a:rPr>
+              <a:t>of</a:t>
+            </a:r>
+            <a:r>
+              <a:rPr lang="pt-BR" sz="2000" dirty="0">
+                <a:latin typeface="Bahnschrift SemiLight" panose="020B0502040204020203" pitchFamily="34" charset="0"/>
+              </a:rPr>
+              <a:t> </a:t>
+            </a:r>
+            <a:r>
+              <a:rPr lang="pt-BR" sz="2000" dirty="0" err="1">
+                <a:latin typeface="Bahnschrift SemiLight" panose="020B0502040204020203" pitchFamily="34" charset="0"/>
+              </a:rPr>
+              <a:t>information</a:t>
             </a:r>
             <a:endParaRPr lang="pt-BR" sz="2400" dirty="0">
               <a:latin typeface="Bahnschrift SemiLight" panose="020B0502040204020203" pitchFamily="34" charset="0"/>
@@ -9596,8 +10124,8 @@
         </p:nvSpPr>
         <p:spPr>
           <a:xfrm>
-            <a:off x="7697627" y="3461348"/>
-            <a:ext cx="1776864" cy="400109"/>
+            <a:off x="7394046" y="3465618"/>
+            <a:ext cx="2328772" cy="400110"/>
           </a:xfrm>
           <a:prstGeom prst="rect">
             <a:avLst/>
@@ -9618,7 +10146,7 @@
               <a:rPr lang="pt-BR" sz="2000" dirty="0" err="1">
                 <a:latin typeface="Bahnschrift SemiLight" panose="020B0502040204020203" pitchFamily="34" charset="0"/>
               </a:rPr>
-              <a:t>Reputation</a:t>
+              <a:t>Interpretability</a:t>
             </a:r>
             <a:endParaRPr lang="pt-BR" sz="2400" dirty="0">
               <a:latin typeface="Bahnschrift SemiLight" panose="020B0502040204020203" pitchFamily="34" charset="0"/>
@@ -9640,8 +10168,8 @@
         </p:nvSpPr>
         <p:spPr>
           <a:xfrm>
-            <a:off x="5329030" y="3461346"/>
-            <a:ext cx="1776864" cy="400109"/>
+            <a:off x="3857426" y="3456073"/>
+            <a:ext cx="3798928" cy="400110"/>
           </a:xfrm>
           <a:prstGeom prst="rect">
             <a:avLst/>
@@ -9662,7 +10190,19 @@
               <a:rPr lang="pt-BR" sz="2000" dirty="0" err="1">
                 <a:latin typeface="Bahnschrift SemiLight" panose="020B0502040204020203" pitchFamily="34" charset="0"/>
               </a:rPr>
-              <a:t>Reputation</a:t>
+              <a:t>Consistent</a:t>
+            </a:r>
+            <a:r>
+              <a:rPr lang="pt-BR" sz="2000" dirty="0">
+                <a:latin typeface="Bahnschrift SemiLight" panose="020B0502040204020203" pitchFamily="34" charset="0"/>
+              </a:rPr>
+              <a:t> </a:t>
+            </a:r>
+            <a:r>
+              <a:rPr lang="pt-BR" sz="2000" dirty="0" err="1">
+                <a:latin typeface="Bahnschrift SemiLight" panose="020B0502040204020203" pitchFamily="34" charset="0"/>
+              </a:rPr>
+              <a:t>representation</a:t>
             </a:r>
             <a:endParaRPr lang="pt-BR" sz="2400" dirty="0">
               <a:latin typeface="Bahnschrift SemiLight" panose="020B0502040204020203" pitchFamily="34" charset="0"/>
@@ -9684,8 +10224,8 @@
         </p:nvSpPr>
         <p:spPr>
           <a:xfrm>
-            <a:off x="2978861" y="2963177"/>
-            <a:ext cx="1776864" cy="400109"/>
+            <a:off x="9561994" y="3446586"/>
+            <a:ext cx="2646188" cy="400110"/>
           </a:xfrm>
           <a:prstGeom prst="rect">
             <a:avLst/>
@@ -9706,7 +10246,7 @@
               <a:rPr lang="pt-BR" sz="2000" dirty="0" err="1">
                 <a:latin typeface="Bahnschrift SemiLight" panose="020B0502040204020203" pitchFamily="34" charset="0"/>
               </a:rPr>
-              <a:t>Reputation</a:t>
+              <a:t>Understandability</a:t>
             </a:r>
             <a:endParaRPr lang="pt-BR" sz="2400" dirty="0">
               <a:latin typeface="Bahnschrift SemiLight" panose="020B0502040204020203" pitchFamily="34" charset="0"/>
@@ -9728,8 +10268,8 @@
         </p:nvSpPr>
         <p:spPr>
           <a:xfrm>
-            <a:off x="2978861" y="3461346"/>
-            <a:ext cx="1776864" cy="400109"/>
+            <a:off x="628691" y="3959513"/>
+            <a:ext cx="2974389" cy="400110"/>
           </a:xfrm>
           <a:prstGeom prst="rect">
             <a:avLst/>
@@ -9750,7 +10290,31 @@
               <a:rPr lang="pt-BR" sz="2000" dirty="0" err="1">
                 <a:latin typeface="Bahnschrift SemiLight" panose="020B0502040204020203" pitchFamily="34" charset="0"/>
               </a:rPr>
-              <a:t>Reputation</a:t>
+              <a:t>Ease</a:t>
+            </a:r>
+            <a:r>
+              <a:rPr lang="pt-BR" sz="2000" dirty="0">
+                <a:latin typeface="Bahnschrift SemiLight" panose="020B0502040204020203" pitchFamily="34" charset="0"/>
+              </a:rPr>
+              <a:t> </a:t>
+            </a:r>
+            <a:r>
+              <a:rPr lang="pt-BR" sz="2000" dirty="0" err="1">
+                <a:latin typeface="Bahnschrift SemiLight" panose="020B0502040204020203" pitchFamily="34" charset="0"/>
+              </a:rPr>
+              <a:t>of</a:t>
+            </a:r>
+            <a:r>
+              <a:rPr lang="pt-BR" sz="2000" dirty="0">
+                <a:latin typeface="Bahnschrift SemiLight" panose="020B0502040204020203" pitchFamily="34" charset="0"/>
+              </a:rPr>
+              <a:t> </a:t>
+            </a:r>
+            <a:r>
+              <a:rPr lang="pt-BR" sz="2000" dirty="0" err="1">
+                <a:latin typeface="Bahnschrift SemiLight" panose="020B0502040204020203" pitchFamily="34" charset="0"/>
+              </a:rPr>
+              <a:t>manipulation</a:t>
             </a:r>
             <a:endParaRPr lang="pt-BR" sz="2400" dirty="0">
               <a:latin typeface="Bahnschrift SemiLight" panose="020B0502040204020203" pitchFamily="34" charset="0"/>
@@ -9772,8 +10336,8 @@
         </p:nvSpPr>
         <p:spPr>
           <a:xfrm>
-            <a:off x="628692" y="2950183"/>
-            <a:ext cx="1776864" cy="400109"/>
+            <a:off x="628692" y="3461346"/>
+            <a:ext cx="3397876" cy="400110"/>
           </a:xfrm>
           <a:prstGeom prst="rect">
             <a:avLst/>
@@ -9794,7 +10358,131 @@
               <a:rPr lang="pt-BR" sz="2000" dirty="0" err="1">
                 <a:latin typeface="Bahnschrift SemiLight" panose="020B0502040204020203" pitchFamily="34" charset="0"/>
               </a:rPr>
-              <a:t>Reputation</a:t>
+              <a:t>Concise</a:t>
+            </a:r>
+            <a:r>
+              <a:rPr lang="pt-BR" sz="2000" dirty="0">
+                <a:latin typeface="Bahnschrift SemiLight" panose="020B0502040204020203" pitchFamily="34" charset="0"/>
+              </a:rPr>
+              <a:t> </a:t>
+            </a:r>
+            <a:r>
+              <a:rPr lang="pt-BR" sz="2000" dirty="0" err="1">
+                <a:latin typeface="Bahnschrift SemiLight" panose="020B0502040204020203" pitchFamily="34" charset="0"/>
+              </a:rPr>
+              <a:t>representation</a:t>
+            </a:r>
+            <a:endParaRPr lang="pt-BR" sz="2400" dirty="0">
+              <a:latin typeface="Bahnschrift SemiLight" panose="020B0502040204020203" pitchFamily="34" charset="0"/>
+            </a:endParaRPr>
+          </a:p>
+        </p:txBody>
+      </p:sp>
+      <p:sp>
+        <p:nvSpPr>
+          <p:cNvPr id="2" name="CaixaDeTexto 1">
+            <a:extLst>
+              <a:ext uri="{FF2B5EF4-FFF2-40B4-BE49-F238E27FC236}">
+                <a16:creationId xmlns:a16="http://schemas.microsoft.com/office/drawing/2014/main" id="{22C49594-B8A9-37D4-DD94-E1713ACFEE25}"/>
+              </a:ext>
+            </a:extLst>
+          </p:cNvPr>
+          <p:cNvSpPr txBox="1"/>
+          <p:nvPr/>
+        </p:nvSpPr>
+        <p:spPr>
+          <a:xfrm>
+            <a:off x="628690" y="5246477"/>
+            <a:ext cx="3228735" cy="400110"/>
+          </a:xfrm>
+          <a:prstGeom prst="rect">
+            <a:avLst/>
+          </a:prstGeom>
+          <a:noFill/>
+        </p:spPr>
+        <p:txBody>
+          <a:bodyPr wrap="square" rtlCol="0">
+            <a:spAutoFit/>
+          </a:bodyPr>
+          <a:lstStyle/>
+          <a:p>
+            <a:pPr marL="342900" indent="-342900">
+              <a:buFont typeface="Arial" panose="020B0604020202020204" pitchFamily="34" charset="0"/>
+              <a:buChar char="•"/>
+            </a:pPr>
+            <a:r>
+              <a:rPr lang="pt-BR" sz="2000" dirty="0" err="1">
+                <a:latin typeface="Bahnschrift SemiLight" panose="020B0502040204020203" pitchFamily="34" charset="0"/>
+              </a:rPr>
+              <a:t>Availability</a:t>
+            </a:r>
+            <a:r>
+              <a:rPr lang="pt-BR" sz="2000" dirty="0">
+                <a:latin typeface="Bahnschrift SemiLight" panose="020B0502040204020203" pitchFamily="34" charset="0"/>
+              </a:rPr>
+              <a:t> / </a:t>
+            </a:r>
+            <a:r>
+              <a:rPr lang="pt-BR" sz="2000" dirty="0" err="1">
+                <a:latin typeface="Bahnschrift SemiLight" panose="020B0502040204020203" pitchFamily="34" charset="0"/>
+              </a:rPr>
+              <a:t>timeliness</a:t>
+            </a:r>
+            <a:endParaRPr lang="pt-BR" sz="2400" dirty="0">
+              <a:latin typeface="Bahnschrift SemiLight" panose="020B0502040204020203" pitchFamily="34" charset="0"/>
+            </a:endParaRPr>
+          </a:p>
+        </p:txBody>
+      </p:sp>
+      <p:sp>
+        <p:nvSpPr>
+          <p:cNvPr id="13" name="CaixaDeTexto 12">
+            <a:extLst>
+              <a:ext uri="{FF2B5EF4-FFF2-40B4-BE49-F238E27FC236}">
+                <a16:creationId xmlns:a16="http://schemas.microsoft.com/office/drawing/2014/main" id="{8F4A8B47-28D7-EC1B-AC57-E4417AA72074}"/>
+              </a:ext>
+            </a:extLst>
+          </p:cNvPr>
+          <p:cNvSpPr txBox="1"/>
+          <p:nvPr/>
+        </p:nvSpPr>
+        <p:spPr>
+          <a:xfrm>
+            <a:off x="628692" y="5743944"/>
+            <a:ext cx="2659940" cy="400110"/>
+          </a:xfrm>
+          <a:prstGeom prst="rect">
+            <a:avLst/>
+          </a:prstGeom>
+          <a:noFill/>
+        </p:spPr>
+        <p:txBody>
+          <a:bodyPr wrap="square" rtlCol="0">
+            <a:spAutoFit/>
+          </a:bodyPr>
+          <a:lstStyle/>
+          <a:p>
+            <a:pPr marL="342900" indent="-342900">
+              <a:buFont typeface="Arial" panose="020B0604020202020204" pitchFamily="34" charset="0"/>
+              <a:buChar char="•"/>
+            </a:pPr>
+            <a:r>
+              <a:rPr lang="pt-BR" sz="2000" dirty="0" err="1">
+                <a:latin typeface="Bahnschrift SemiLight" panose="020B0502040204020203" pitchFamily="34" charset="0"/>
+              </a:rPr>
+              <a:t>Restricted</a:t>
+            </a:r>
+            <a:r>
+              <a:rPr lang="pt-BR" sz="2000" dirty="0">
+                <a:latin typeface="Bahnschrift SemiLight" panose="020B0502040204020203" pitchFamily="34" charset="0"/>
+              </a:rPr>
+              <a:t> </a:t>
+            </a:r>
+            <a:r>
+              <a:rPr lang="pt-BR" sz="2000" dirty="0" err="1">
+                <a:latin typeface="Bahnschrift SemiLight" panose="020B0502040204020203" pitchFamily="34" charset="0"/>
+              </a:rPr>
+              <a:t>access</a:t>
             </a:r>
             <a:endParaRPr lang="pt-BR" sz="2400" dirty="0">
               <a:latin typeface="Bahnschrift SemiLight" panose="020B0502040204020203" pitchFamily="34" charset="0"/>
@@ -9812,13 +10500,13 @@
   <p:clrMapOvr>
     <a:masterClrMapping/>
   </p:clrMapOvr>
-  <mc:AlternateContent xmlns:mc="http://schemas.openxmlformats.org/markup-compatibility/2006">
-    <mc:Choice xmlns:p159="http://schemas.microsoft.com/office/powerpoint/2015/09/main" Requires="p159">
+  <mc:AlternateContent xmlns:mc="http://schemas.openxmlformats.org/markup-compatibility/2006" xmlns:p159="http://schemas.microsoft.com/office/powerpoint/2015/09/main">
+    <mc:Choice Requires="p159">
       <p:transition xmlns:p14="http://schemas.microsoft.com/office/powerpoint/2010/main" spd="slow" p14:dur="2000">
         <p159:morph option="byObject"/>
       </p:transition>
     </mc:Choice>
-    <mc:Fallback>
+    <mc:Fallback xmlns="">
       <p:transition spd="slow">
         <p:fade/>
       </p:transition>
@@ -10031,15 +10719,24 @@
                                   </p:childTnLst>
                                 </p:cTn>
                               </p:par>
+                            </p:childTnLst>
+                          </p:cTn>
+                        </p:par>
+                        <p:par>
+                          <p:cTn id="21" fill="hold">
+                            <p:stCondLst>
+                              <p:cond delay="1250"/>
+                            </p:stCondLst>
+                            <p:childTnLst>
                               <p:par>
-                                <p:cTn id="21" presetID="10" presetClass="entr" presetSubtype="0" fill="hold" grpId="0" nodeType="withEffect">
+                                <p:cTn id="22" presetID="10" presetClass="entr" presetSubtype="0" fill="hold" grpId="0" nodeType="afterEffect">
                                   <p:stCondLst>
                                     <p:cond delay="0"/>
                                   </p:stCondLst>
                                   <p:childTnLst>
                                     <p:set>
                                       <p:cBhvr>
-                                        <p:cTn id="22" dur="1" fill="hold">
+                                        <p:cTn id="23" dur="1" fill="hold">
                                           <p:stCondLst>
                                             <p:cond delay="0"/>
                                           </p:stCondLst>
@@ -10057,7 +10754,7 @@
                                     </p:set>
                                     <p:animEffect transition="in" filter="fade">
                                       <p:cBhvr>
-                                        <p:cTn id="23" dur="500"/>
+                                        <p:cTn id="24" dur="500"/>
                                         <p:tgtEl>
                                           <p:spTgt spid="3"/>
                                         </p:tgtEl>
@@ -10066,15 +10763,24 @@
                                   </p:childTnLst>
                                 </p:cTn>
                               </p:par>
+                            </p:childTnLst>
+                          </p:cTn>
+                        </p:par>
+                        <p:par>
+                          <p:cTn id="25" fill="hold">
+                            <p:stCondLst>
+                              <p:cond delay="1750"/>
+                            </p:stCondLst>
+                            <p:childTnLst>
                               <p:par>
-                                <p:cTn id="24" presetID="10" presetClass="entr" presetSubtype="0" fill="hold" grpId="0" nodeType="withEffect">
+                                <p:cTn id="26" presetID="10" presetClass="entr" presetSubtype="0" fill="hold" grpId="0" nodeType="afterEffect">
                                   <p:stCondLst>
                                     <p:cond delay="0"/>
                                   </p:stCondLst>
                                   <p:childTnLst>
                                     <p:set>
                                       <p:cBhvr>
-                                        <p:cTn id="25" dur="1" fill="hold">
+                                        <p:cTn id="27" dur="1" fill="hold">
                                           <p:stCondLst>
                                             <p:cond delay="0"/>
                                           </p:stCondLst>
@@ -10092,7 +10798,7 @@
                                     </p:set>
                                     <p:animEffect transition="in" filter="fade">
                                       <p:cBhvr>
-                                        <p:cTn id="26" dur="500"/>
+                                        <p:cTn id="28" dur="500"/>
                                         <p:tgtEl>
                                           <p:spTgt spid="18"/>
                                         </p:tgtEl>
@@ -10102,14 +10808,14 @@
                                 </p:cTn>
                               </p:par>
                               <p:par>
-                                <p:cTn id="27" presetID="10" presetClass="entr" presetSubtype="0" fill="hold" grpId="0" nodeType="withEffect">
+                                <p:cTn id="29" presetID="10" presetClass="entr" presetSubtype="0" fill="hold" grpId="0" nodeType="withEffect">
                                   <p:stCondLst>
                                     <p:cond delay="0"/>
                                   </p:stCondLst>
                                   <p:childTnLst>
                                     <p:set>
                                       <p:cBhvr>
-                                        <p:cTn id="28" dur="1" fill="hold">
+                                        <p:cTn id="30" dur="1" fill="hold">
                                           <p:stCondLst>
                                             <p:cond delay="0"/>
                                           </p:stCondLst>
@@ -10127,7 +10833,7 @@
                                     </p:set>
                                     <p:animEffect transition="in" filter="fade">
                                       <p:cBhvr>
-                                        <p:cTn id="29" dur="500"/>
+                                        <p:cTn id="31" dur="500"/>
                                         <p:tgtEl>
                                           <p:spTgt spid="23"/>
                                         </p:tgtEl>
@@ -10137,14 +10843,14 @@
                                 </p:cTn>
                               </p:par>
                               <p:par>
-                                <p:cTn id="30" presetID="10" presetClass="entr" presetSubtype="0" fill="hold" grpId="0" nodeType="withEffect">
+                                <p:cTn id="32" presetID="10" presetClass="entr" presetSubtype="0" fill="hold" grpId="0" nodeType="withEffect">
                                   <p:stCondLst>
                                     <p:cond delay="0"/>
                                   </p:stCondLst>
                                   <p:childTnLst>
                                     <p:set>
                                       <p:cBhvr>
-                                        <p:cTn id="31" dur="1" fill="hold">
+                                        <p:cTn id="33" dur="1" fill="hold">
                                           <p:stCondLst>
                                             <p:cond delay="0"/>
                                           </p:stCondLst>
@@ -10162,7 +10868,7 @@
                                     </p:set>
                                     <p:animEffect transition="in" filter="fade">
                                       <p:cBhvr>
-                                        <p:cTn id="32" dur="500"/>
+                                        <p:cTn id="34" dur="500"/>
                                         <p:tgtEl>
                                           <p:spTgt spid="24"/>
                                         </p:tgtEl>
@@ -10172,14 +10878,14 @@
                                 </p:cTn>
                               </p:par>
                               <p:par>
-                                <p:cTn id="33" presetID="10" presetClass="entr" presetSubtype="0" fill="hold" grpId="0" nodeType="withEffect">
+                                <p:cTn id="35" presetID="10" presetClass="entr" presetSubtype="0" fill="hold" grpId="0" nodeType="withEffect">
                                   <p:stCondLst>
                                     <p:cond delay="0"/>
                                   </p:stCondLst>
                                   <p:childTnLst>
                                     <p:set>
                                       <p:cBhvr>
-                                        <p:cTn id="34" dur="1" fill="hold">
+                                        <p:cTn id="36" dur="1" fill="hold">
                                           <p:stCondLst>
                                             <p:cond delay="0"/>
                                           </p:stCondLst>
@@ -10197,7 +10903,7 @@
                                     </p:set>
                                     <p:animEffect transition="in" filter="fade">
                                       <p:cBhvr>
-                                        <p:cTn id="35" dur="500"/>
+                                        <p:cTn id="37" dur="500"/>
                                         <p:tgtEl>
                                           <p:spTgt spid="25"/>
                                         </p:tgtEl>
@@ -10207,14 +10913,14 @@
                                 </p:cTn>
                               </p:par>
                               <p:par>
-                                <p:cTn id="36" presetID="10" presetClass="entr" presetSubtype="0" fill="hold" grpId="0" nodeType="withEffect">
+                                <p:cTn id="38" presetID="10" presetClass="entr" presetSubtype="0" fill="hold" grpId="0" nodeType="withEffect">
                                   <p:stCondLst>
                                     <p:cond delay="0"/>
                                   </p:stCondLst>
                                   <p:childTnLst>
                                     <p:set>
                                       <p:cBhvr>
-                                        <p:cTn id="37" dur="1" fill="hold">
+                                        <p:cTn id="39" dur="1" fill="hold">
                                           <p:stCondLst>
                                             <p:cond delay="0"/>
                                           </p:stCondLst>
@@ -10232,7 +10938,7 @@
                                     </p:set>
                                     <p:animEffect transition="in" filter="fade">
                                       <p:cBhvr>
-                                        <p:cTn id="38" dur="500"/>
+                                        <p:cTn id="40" dur="500"/>
                                         <p:tgtEl>
                                           <p:spTgt spid="26"/>
                                         </p:tgtEl>
@@ -10242,14 +10948,14 @@
                                 </p:cTn>
                               </p:par>
                               <p:par>
-                                <p:cTn id="39" presetID="10" presetClass="entr" presetSubtype="0" fill="hold" grpId="0" nodeType="withEffect">
+                                <p:cTn id="41" presetID="10" presetClass="entr" presetSubtype="0" fill="hold" grpId="0" nodeType="withEffect">
                                   <p:stCondLst>
                                     <p:cond delay="0"/>
                                   </p:stCondLst>
                                   <p:childTnLst>
                                     <p:set>
                                       <p:cBhvr>
-                                        <p:cTn id="40" dur="1" fill="hold">
+                                        <p:cTn id="42" dur="1" fill="hold">
                                           <p:stCondLst>
                                             <p:cond delay="0"/>
                                           </p:stCondLst>
@@ -10267,7 +10973,7 @@
                                     </p:set>
                                     <p:animEffect transition="in" filter="fade">
                                       <p:cBhvr>
-                                        <p:cTn id="41" dur="500"/>
+                                        <p:cTn id="43" dur="500"/>
                                         <p:tgtEl>
                                           <p:spTgt spid="27"/>
                                         </p:tgtEl>
@@ -10277,14 +10983,14 @@
                                 </p:cTn>
                               </p:par>
                               <p:par>
-                                <p:cTn id="42" presetID="10" presetClass="entr" presetSubtype="0" fill="hold" grpId="0" nodeType="withEffect">
+                                <p:cTn id="44" presetID="10" presetClass="entr" presetSubtype="0" fill="hold" grpId="0" nodeType="withEffect">
                                   <p:stCondLst>
                                     <p:cond delay="0"/>
                                   </p:stCondLst>
                                   <p:childTnLst>
                                     <p:set>
                                       <p:cBhvr>
-                                        <p:cTn id="43" dur="1" fill="hold">
+                                        <p:cTn id="45" dur="1" fill="hold">
                                           <p:stCondLst>
                                             <p:cond delay="0"/>
                                           </p:stCondLst>
@@ -10302,7 +11008,7 @@
                                     </p:set>
                                     <p:animEffect transition="in" filter="fade">
                                       <p:cBhvr>
-                                        <p:cTn id="44" dur="500"/>
+                                        <p:cTn id="46" dur="500"/>
                                         <p:tgtEl>
                                           <p:spTgt spid="31"/>
                                         </p:tgtEl>
@@ -10312,14 +11018,14 @@
                                 </p:cTn>
                               </p:par>
                               <p:par>
-                                <p:cTn id="45" presetID="10" presetClass="entr" presetSubtype="0" fill="hold" grpId="0" nodeType="withEffect">
+                                <p:cTn id="47" presetID="10" presetClass="entr" presetSubtype="0" fill="hold" grpId="0" nodeType="withEffect">
                                   <p:stCondLst>
                                     <p:cond delay="0"/>
                                   </p:stCondLst>
                                   <p:childTnLst>
                                     <p:set>
                                       <p:cBhvr>
-                                        <p:cTn id="46" dur="1" fill="hold">
+                                        <p:cTn id="48" dur="1" fill="hold">
                                           <p:stCondLst>
                                             <p:cond delay="0"/>
                                           </p:stCondLst>
@@ -10337,7 +11043,7 @@
                                     </p:set>
                                     <p:animEffect transition="in" filter="fade">
                                       <p:cBhvr>
-                                        <p:cTn id="47" dur="500"/>
+                                        <p:cTn id="49" dur="500"/>
                                         <p:tgtEl>
                                           <p:spTgt spid="32"/>
                                         </p:tgtEl>
@@ -10347,14 +11053,14 @@
                                 </p:cTn>
                               </p:par>
                               <p:par>
-                                <p:cTn id="48" presetID="10" presetClass="entr" presetSubtype="0" fill="hold" grpId="0" nodeType="withEffect">
+                                <p:cTn id="50" presetID="10" presetClass="entr" presetSubtype="0" fill="hold" grpId="0" nodeType="withEffect">
                                   <p:stCondLst>
                                     <p:cond delay="0"/>
                                   </p:stCondLst>
                                   <p:childTnLst>
                                     <p:set>
                                       <p:cBhvr>
-                                        <p:cTn id="49" dur="1" fill="hold">
+                                        <p:cTn id="51" dur="1" fill="hold">
                                           <p:stCondLst>
                                             <p:cond delay="0"/>
                                           </p:stCondLst>
@@ -10372,9 +11078,132 @@
                                     </p:set>
                                     <p:animEffect transition="in" filter="fade">
                                       <p:cBhvr>
-                                        <p:cTn id="50" dur="500"/>
+                                        <p:cTn id="52" dur="500"/>
                                         <p:tgtEl>
                                           <p:spTgt spid="33"/>
+                                        </p:tgtEl>
+                                      </p:cBhvr>
+                                    </p:animEffect>
+                                  </p:childTnLst>
+                                </p:cTn>
+                              </p:par>
+                            </p:childTnLst>
+                          </p:cTn>
+                        </p:par>
+                        <p:par>
+                          <p:cTn id="53" fill="hold">
+                            <p:stCondLst>
+                              <p:cond delay="2250"/>
+                            </p:stCondLst>
+                            <p:childTnLst>
+                              <p:par>
+                                <p:cTn id="54" presetID="10" presetClass="entr" presetSubtype="0" fill="hold" grpId="0" nodeType="afterEffect">
+                                  <p:stCondLst>
+                                    <p:cond delay="0"/>
+                                  </p:stCondLst>
+                                  <p:childTnLst>
+                                    <p:set>
+                                      <p:cBhvr>
+                                        <p:cTn id="55" dur="1" fill="hold">
+                                          <p:stCondLst>
+                                            <p:cond delay="0"/>
+                                          </p:stCondLst>
+                                        </p:cTn>
+                                        <p:tgtEl>
+                                          <p:spTgt spid="6"/>
+                                        </p:tgtEl>
+                                        <p:attrNameLst>
+                                          <p:attrName>style.visibility</p:attrName>
+                                        </p:attrNameLst>
+                                      </p:cBhvr>
+                                      <p:to>
+                                        <p:strVal val="visible"/>
+                                      </p:to>
+                                    </p:set>
+                                    <p:animEffect transition="in" filter="fade">
+                                      <p:cBhvr>
+                                        <p:cTn id="56" dur="500"/>
+                                        <p:tgtEl>
+                                          <p:spTgt spid="6"/>
+                                        </p:tgtEl>
+                                      </p:cBhvr>
+                                    </p:animEffect>
+                                  </p:childTnLst>
+                                </p:cTn>
+                              </p:par>
+                            </p:childTnLst>
+                          </p:cTn>
+                        </p:par>
+                        <p:par>
+                          <p:cTn id="57" fill="hold">
+                            <p:stCondLst>
+                              <p:cond delay="2750"/>
+                            </p:stCondLst>
+                            <p:childTnLst>
+                              <p:par>
+                                <p:cTn id="58" presetID="10" presetClass="entr" presetSubtype="0" fill="hold" grpId="0" nodeType="afterEffect">
+                                  <p:stCondLst>
+                                    <p:cond delay="0"/>
+                                  </p:stCondLst>
+                                  <p:childTnLst>
+                                    <p:set>
+                                      <p:cBhvr>
+                                        <p:cTn id="59" dur="1" fill="hold">
+                                          <p:stCondLst>
+                                            <p:cond delay="0"/>
+                                          </p:stCondLst>
+                                        </p:cTn>
+                                        <p:tgtEl>
+                                          <p:spTgt spid="2"/>
+                                        </p:tgtEl>
+                                        <p:attrNameLst>
+                                          <p:attrName>style.visibility</p:attrName>
+                                        </p:attrNameLst>
+                                      </p:cBhvr>
+                                      <p:to>
+                                        <p:strVal val="visible"/>
+                                      </p:to>
+                                    </p:set>
+                                    <p:animEffect transition="in" filter="fade">
+                                      <p:cBhvr>
+                                        <p:cTn id="60" dur="500"/>
+                                        <p:tgtEl>
+                                          <p:spTgt spid="2"/>
+                                        </p:tgtEl>
+                                      </p:cBhvr>
+                                    </p:animEffect>
+                                  </p:childTnLst>
+                                </p:cTn>
+                              </p:par>
+                              <p:par>
+                                <p:cTn id="61" presetID="10" presetClass="entr" presetSubtype="0" fill="hold" grpId="0" nodeType="withEffect">
+                                  <p:stCondLst>
+                                    <p:cond delay="0"/>
+                                  </p:stCondLst>
+                                  <p:childTnLst>
+                                    <p:set>
+                                      <p:cBhvr>
+                                        <p:cTn id="62" dur="1" fill="hold">
+                                          <p:stCondLst>
+                                            <p:cond delay="0"/>
+                                          </p:stCondLst>
+                                        </p:cTn>
+                                        <p:tgtEl>
+                                          <p:spTgt spid="13"/>
+                                        </p:tgtEl>
+                                        <p:attrNameLst>
+                                          <p:attrName>style.visibility</p:attrName>
+                                        </p:attrNameLst>
+                                      </p:cBhvr>
+                                      <p:to>
+                                        <p:strVal val="visible"/>
+                                      </p:to>
+                                    </p:set>
+                                    <p:animEffect transition="in" filter="fade">
+                                      <p:cBhvr>
+                                        <p:cTn id="63" dur="500"/>
+                                        <p:tgtEl>
+                                          <p:spTgt spid="13"/>
                                         </p:tgtEl>
                                       </p:cBhvr>
                                     </p:animEffect>
@@ -10411,6 +11240,7 @@
     <p:bldLst>
       <p:bldP spid="9" grpId="0"/>
       <p:bldP spid="3" grpId="0"/>
+      <p:bldP spid="6" grpId="0"/>
       <p:bldP spid="7" grpId="0"/>
       <p:bldP spid="8" grpId="0"/>
       <p:bldP spid="11" grpId="0"/>
@@ -10424,6 +11254,3229 @@
       <p:bldP spid="31" grpId="0"/>
       <p:bldP spid="32" grpId="0"/>
       <p:bldP spid="33" grpId="0"/>
+      <p:bldP spid="2" grpId="0"/>
+      <p:bldP spid="13" grpId="0"/>
+    </p:bldLst>
+  </p:timing>
+</p:sld>
+</file>
+
+<file path=ppt/slides/slide6.xml><?xml version="1.0" encoding="utf-8"?>
+<p:sld xmlns:a="http://schemas.openxmlformats.org/drawingml/2006/main" xmlns:r="http://schemas.openxmlformats.org/officeDocument/2006/relationships" xmlns:p="http://schemas.openxmlformats.org/presentationml/2006/main">
+  <p:cSld>
+    <p:spTree>
+      <p:nvGrpSpPr>
+        <p:cNvPr id="1" name=""/>
+        <p:cNvGrpSpPr/>
+        <p:nvPr/>
+      </p:nvGrpSpPr>
+      <p:grpSpPr>
+        <a:xfrm>
+          <a:off x="0" y="0"/>
+          <a:ext cx="0" cy="0"/>
+          <a:chOff x="0" y="0"/>
+          <a:chExt cx="0" cy="0"/>
+        </a:xfrm>
+      </p:grpSpPr>
+      <p:sp>
+        <p:nvSpPr>
+          <p:cNvPr id="4" name="Rectangle 3">
+            <a:extLst>
+              <a:ext uri="{FF2B5EF4-FFF2-40B4-BE49-F238E27FC236}">
+                <a16:creationId xmlns:a16="http://schemas.microsoft.com/office/drawing/2014/main" id="{2A13B32D-2450-280F-ECCA-79D7D39A949A}"/>
+              </a:ext>
+            </a:extLst>
+          </p:cNvPr>
+          <p:cNvSpPr/>
+          <p:nvPr/>
+        </p:nvSpPr>
+        <p:spPr>
+          <a:xfrm>
+            <a:off x="36958" y="-23193"/>
+            <a:ext cx="12192000" cy="6858000"/>
+          </a:xfrm>
+          <a:prstGeom prst="rect">
+            <a:avLst/>
+          </a:prstGeom>
+          <a:solidFill>
+            <a:srgbClr val="F7F9F9"/>
+          </a:solidFill>
+          <a:ln>
+            <a:noFill/>
+          </a:ln>
+        </p:spPr>
+        <p:style>
+          <a:lnRef idx="2">
+            <a:schemeClr val="accent1">
+              <a:shade val="15000"/>
+            </a:schemeClr>
+          </a:lnRef>
+          <a:fillRef idx="1">
+            <a:schemeClr val="accent1"/>
+          </a:fillRef>
+          <a:effectRef idx="0">
+            <a:schemeClr val="accent1"/>
+          </a:effectRef>
+          <a:fontRef idx="minor">
+            <a:schemeClr val="lt1"/>
+          </a:fontRef>
+        </p:style>
+        <p:txBody>
+          <a:bodyPr rtlCol="0" anchor="ctr"/>
+          <a:lstStyle/>
+          <a:p>
+            <a:pPr algn="ctr"/>
+            <a:endParaRPr lang="pt-BR" dirty="0"/>
+          </a:p>
+        </p:txBody>
+      </p:sp>
+      <p:sp>
+        <p:nvSpPr>
+          <p:cNvPr id="5" name="CaixaDeTexto 4">
+            <a:extLst>
+              <a:ext uri="{FF2B5EF4-FFF2-40B4-BE49-F238E27FC236}">
+                <a16:creationId xmlns:a16="http://schemas.microsoft.com/office/drawing/2014/main" id="{FF06475B-1A89-1C94-85D2-38037C9F81CB}"/>
+              </a:ext>
+            </a:extLst>
+          </p:cNvPr>
+          <p:cNvSpPr txBox="1"/>
+          <p:nvPr/>
+        </p:nvSpPr>
+        <p:spPr>
+          <a:xfrm>
+            <a:off x="112297" y="182706"/>
+            <a:ext cx="2293259" cy="584775"/>
+          </a:xfrm>
+          <a:prstGeom prst="rect">
+            <a:avLst/>
+          </a:prstGeom>
+          <a:noFill/>
+        </p:spPr>
+        <p:txBody>
+          <a:bodyPr wrap="square" rtlCol="0">
+            <a:spAutoFit/>
+          </a:bodyPr>
+          <a:lstStyle/>
+          <a:p>
+            <a:r>
+              <a:rPr lang="pt-BR" sz="3200" dirty="0">
+                <a:latin typeface="Bahnschrift SemiLight" panose="020B0502040204020203" pitchFamily="34" charset="0"/>
+              </a:rPr>
+              <a:t>Life </a:t>
+            </a:r>
+            <a:r>
+              <a:rPr lang="pt-BR" sz="3200" dirty="0" err="1">
+                <a:latin typeface="Bahnschrift SemiLight" panose="020B0502040204020203" pitchFamily="34" charset="0"/>
+              </a:rPr>
+              <a:t>Cycle</a:t>
+            </a:r>
+            <a:endParaRPr lang="pt-BR" sz="3200" dirty="0">
+              <a:latin typeface="Bahnschrift SemiLight" panose="020B0502040204020203" pitchFamily="34" charset="0"/>
+            </a:endParaRPr>
+          </a:p>
+        </p:txBody>
+      </p:sp>
+      <p:cxnSp>
+        <p:nvCxnSpPr>
+          <p:cNvPr id="10" name="Conector reto 9">
+            <a:extLst>
+              <a:ext uri="{FF2B5EF4-FFF2-40B4-BE49-F238E27FC236}">
+                <a16:creationId xmlns:a16="http://schemas.microsoft.com/office/drawing/2014/main" id="{21DD7C9B-C914-CCC5-6FB0-230AAF618ABB}"/>
+              </a:ext>
+            </a:extLst>
+          </p:cNvPr>
+          <p:cNvCxnSpPr>
+            <a:cxnSpLocks/>
+          </p:cNvCxnSpPr>
+          <p:nvPr/>
+        </p:nvCxnSpPr>
+        <p:spPr>
+          <a:xfrm>
+            <a:off x="-1" y="799565"/>
+            <a:ext cx="2229854" cy="0"/>
+          </a:xfrm>
+          <a:prstGeom prst="line">
+            <a:avLst/>
+          </a:prstGeom>
+          <a:ln/>
+        </p:spPr>
+        <p:style>
+          <a:lnRef idx="2">
+            <a:schemeClr val="dk1"/>
+          </a:lnRef>
+          <a:fillRef idx="0">
+            <a:schemeClr val="dk1"/>
+          </a:fillRef>
+          <a:effectRef idx="1">
+            <a:schemeClr val="dk1"/>
+          </a:effectRef>
+          <a:fontRef idx="minor">
+            <a:schemeClr val="tx1"/>
+          </a:fontRef>
+        </p:style>
+      </p:cxnSp>
+      <p:sp>
+        <p:nvSpPr>
+          <p:cNvPr id="3" name="CaixaDeTexto 2">
+            <a:extLst>
+              <a:ext uri="{FF2B5EF4-FFF2-40B4-BE49-F238E27FC236}">
+                <a16:creationId xmlns:a16="http://schemas.microsoft.com/office/drawing/2014/main" id="{8C2985FB-B815-0553-C483-2D866C349FC9}"/>
+              </a:ext>
+            </a:extLst>
+          </p:cNvPr>
+          <p:cNvSpPr txBox="1"/>
+          <p:nvPr/>
+        </p:nvSpPr>
+        <p:spPr>
+          <a:xfrm>
+            <a:off x="2996571" y="3198168"/>
+            <a:ext cx="1114927" cy="461664"/>
+          </a:xfrm>
+          <a:prstGeom prst="rect">
+            <a:avLst/>
+          </a:prstGeom>
+          <a:noFill/>
+        </p:spPr>
+        <p:txBody>
+          <a:bodyPr wrap="square" rtlCol="0">
+            <a:spAutoFit/>
+          </a:bodyPr>
+          <a:lstStyle/>
+          <a:p>
+            <a:r>
+              <a:rPr lang="pt-BR" sz="2400" b="1" dirty="0" err="1">
+                <a:latin typeface="Bahnschrift SemiLight" panose="020B0502040204020203" pitchFamily="34" charset="0"/>
+              </a:rPr>
+              <a:t>Plan</a:t>
+            </a:r>
+            <a:endParaRPr lang="pt-BR" sz="2400" b="1" dirty="0">
+              <a:latin typeface="Bahnschrift SemiLight" panose="020B0502040204020203" pitchFamily="34" charset="0"/>
+            </a:endParaRPr>
+          </a:p>
+        </p:txBody>
+      </p:sp>
+      <p:sp>
+        <p:nvSpPr>
+          <p:cNvPr id="15" name="CaixaDeTexto 14">
+            <a:extLst>
+              <a:ext uri="{FF2B5EF4-FFF2-40B4-BE49-F238E27FC236}">
+                <a16:creationId xmlns:a16="http://schemas.microsoft.com/office/drawing/2014/main" id="{88E6DF51-393B-6BBE-5120-8B73DD6FA029}"/>
+              </a:ext>
+            </a:extLst>
+          </p:cNvPr>
+          <p:cNvSpPr txBox="1"/>
+          <p:nvPr/>
+        </p:nvSpPr>
+        <p:spPr>
+          <a:xfrm>
+            <a:off x="5317954" y="1934562"/>
+            <a:ext cx="1138991" cy="461665"/>
+          </a:xfrm>
+          <a:prstGeom prst="rect">
+            <a:avLst/>
+          </a:prstGeom>
+          <a:noFill/>
+        </p:spPr>
+        <p:txBody>
+          <a:bodyPr wrap="square" rtlCol="0">
+            <a:spAutoFit/>
+          </a:bodyPr>
+          <a:lstStyle/>
+          <a:p>
+            <a:r>
+              <a:rPr lang="pt-BR" sz="2400" b="1" dirty="0">
+                <a:latin typeface="Bahnschrift SemiLight" panose="020B0502040204020203" pitchFamily="34" charset="0"/>
+              </a:rPr>
+              <a:t>Design</a:t>
+            </a:r>
+          </a:p>
+        </p:txBody>
+      </p:sp>
+      <p:sp>
+        <p:nvSpPr>
+          <p:cNvPr id="16" name="CaixaDeTexto 15">
+            <a:extLst>
+              <a:ext uri="{FF2B5EF4-FFF2-40B4-BE49-F238E27FC236}">
+                <a16:creationId xmlns:a16="http://schemas.microsoft.com/office/drawing/2014/main" id="{3DBAE062-B76A-3E37-618D-C2432BFD0D08}"/>
+              </a:ext>
+            </a:extLst>
+          </p:cNvPr>
+          <p:cNvSpPr txBox="1"/>
+          <p:nvPr/>
+        </p:nvSpPr>
+        <p:spPr>
+          <a:xfrm>
+            <a:off x="7477197" y="3174974"/>
+            <a:ext cx="2302042" cy="461665"/>
+          </a:xfrm>
+          <a:prstGeom prst="rect">
+            <a:avLst/>
+          </a:prstGeom>
+          <a:noFill/>
+        </p:spPr>
+        <p:txBody>
+          <a:bodyPr wrap="square" rtlCol="0">
+            <a:spAutoFit/>
+          </a:bodyPr>
+          <a:lstStyle/>
+          <a:p>
+            <a:r>
+              <a:rPr lang="pt-BR" sz="2400" b="1" dirty="0">
+                <a:latin typeface="Bahnschrift SemiLight" panose="020B0502040204020203" pitchFamily="34" charset="0"/>
+              </a:rPr>
+              <a:t>Build / </a:t>
+            </a:r>
+            <a:r>
+              <a:rPr lang="pt-BR" sz="2400" b="1" dirty="0" err="1">
+                <a:latin typeface="Bahnschrift SemiLight" panose="020B0502040204020203" pitchFamily="34" charset="0"/>
+              </a:rPr>
+              <a:t>Acquire</a:t>
+            </a:r>
+            <a:endParaRPr lang="pt-BR" sz="2400" b="1" dirty="0">
+              <a:latin typeface="Bahnschrift SemiLight" panose="020B0502040204020203" pitchFamily="34" charset="0"/>
+            </a:endParaRPr>
+          </a:p>
+        </p:txBody>
+      </p:sp>
+      <p:sp>
+        <p:nvSpPr>
+          <p:cNvPr id="17" name="CaixaDeTexto 16">
+            <a:extLst>
+              <a:ext uri="{FF2B5EF4-FFF2-40B4-BE49-F238E27FC236}">
+                <a16:creationId xmlns:a16="http://schemas.microsoft.com/office/drawing/2014/main" id="{AFCE39A8-D0B2-BC5E-93B1-A1E89DA9C858}"/>
+              </a:ext>
+            </a:extLst>
+          </p:cNvPr>
+          <p:cNvSpPr txBox="1"/>
+          <p:nvPr/>
+        </p:nvSpPr>
+        <p:spPr>
+          <a:xfrm>
+            <a:off x="4836691" y="4815648"/>
+            <a:ext cx="2101519" cy="461665"/>
+          </a:xfrm>
+          <a:prstGeom prst="rect">
+            <a:avLst/>
+          </a:prstGeom>
+          <a:noFill/>
+        </p:spPr>
+        <p:txBody>
+          <a:bodyPr wrap="square" rtlCol="0">
+            <a:spAutoFit/>
+          </a:bodyPr>
+          <a:lstStyle/>
+          <a:p>
+            <a:r>
+              <a:rPr lang="pt-BR" sz="2400" b="1" dirty="0">
+                <a:latin typeface="Bahnschrift SemiLight" panose="020B0502040204020203" pitchFamily="34" charset="0"/>
+              </a:rPr>
+              <a:t>Use / </a:t>
+            </a:r>
+            <a:r>
+              <a:rPr lang="pt-BR" sz="2400" b="1" dirty="0" err="1">
+                <a:latin typeface="Bahnschrift SemiLight" panose="020B0502040204020203" pitchFamily="34" charset="0"/>
+              </a:rPr>
+              <a:t>Operate</a:t>
+            </a:r>
+            <a:endParaRPr lang="pt-BR" sz="2400" b="1" dirty="0">
+              <a:latin typeface="Bahnschrift SemiLight" panose="020B0502040204020203" pitchFamily="34" charset="0"/>
+            </a:endParaRPr>
+          </a:p>
+        </p:txBody>
+      </p:sp>
+      <p:sp>
+        <p:nvSpPr>
+          <p:cNvPr id="19" name="Arco 18">
+            <a:extLst>
+              <a:ext uri="{FF2B5EF4-FFF2-40B4-BE49-F238E27FC236}">
+                <a16:creationId xmlns:a16="http://schemas.microsoft.com/office/drawing/2014/main" id="{D614026C-C223-0A28-8CF7-06DA07BC8AC1}"/>
+              </a:ext>
+            </a:extLst>
+          </p:cNvPr>
+          <p:cNvSpPr/>
+          <p:nvPr/>
+        </p:nvSpPr>
+        <p:spPr>
+          <a:xfrm>
+            <a:off x="4874362" y="2098606"/>
+            <a:ext cx="3705726" cy="1860885"/>
+          </a:xfrm>
+          <a:prstGeom prst="arc">
+            <a:avLst/>
+          </a:prstGeom>
+        </p:spPr>
+        <p:style>
+          <a:lnRef idx="2">
+            <a:schemeClr val="accent1"/>
+          </a:lnRef>
+          <a:fillRef idx="0">
+            <a:schemeClr val="accent1"/>
+          </a:fillRef>
+          <a:effectRef idx="1">
+            <a:schemeClr val="accent1"/>
+          </a:effectRef>
+          <a:fontRef idx="minor">
+            <a:schemeClr val="tx1"/>
+          </a:fontRef>
+        </p:style>
+        <p:txBody>
+          <a:bodyPr rtlCol="0" anchor="ctr"/>
+          <a:lstStyle/>
+          <a:p>
+            <a:pPr algn="ctr"/>
+            <a:endParaRPr lang="pt-BR"/>
+          </a:p>
+        </p:txBody>
+      </p:sp>
+      <p:sp>
+        <p:nvSpPr>
+          <p:cNvPr id="20" name="Arco 19">
+            <a:extLst>
+              <a:ext uri="{FF2B5EF4-FFF2-40B4-BE49-F238E27FC236}">
+                <a16:creationId xmlns:a16="http://schemas.microsoft.com/office/drawing/2014/main" id="{B0E25463-7856-6A96-882C-8FFE6D1D75EB}"/>
+              </a:ext>
+            </a:extLst>
+          </p:cNvPr>
+          <p:cNvSpPr/>
+          <p:nvPr/>
+        </p:nvSpPr>
+        <p:spPr>
+          <a:xfrm rot="6611204">
+            <a:off x="5977413" y="2498558"/>
+            <a:ext cx="3705726" cy="1860885"/>
+          </a:xfrm>
+          <a:prstGeom prst="arc">
+            <a:avLst/>
+          </a:prstGeom>
+        </p:spPr>
+        <p:style>
+          <a:lnRef idx="2">
+            <a:schemeClr val="accent1"/>
+          </a:lnRef>
+          <a:fillRef idx="0">
+            <a:schemeClr val="accent1"/>
+          </a:fillRef>
+          <a:effectRef idx="1">
+            <a:schemeClr val="accent1"/>
+          </a:effectRef>
+          <a:fontRef idx="minor">
+            <a:schemeClr val="tx1"/>
+          </a:fontRef>
+        </p:style>
+        <p:txBody>
+          <a:bodyPr rtlCol="0" anchor="ctr"/>
+          <a:lstStyle/>
+          <a:p>
+            <a:pPr algn="ctr"/>
+            <a:endParaRPr lang="pt-BR"/>
+          </a:p>
+        </p:txBody>
+      </p:sp>
+      <p:sp>
+        <p:nvSpPr>
+          <p:cNvPr id="21" name="Arco 20">
+            <a:extLst>
+              <a:ext uri="{FF2B5EF4-FFF2-40B4-BE49-F238E27FC236}">
+                <a16:creationId xmlns:a16="http://schemas.microsoft.com/office/drawing/2014/main" id="{74719D5C-E944-BFBC-8489-AAC28527D6CB}"/>
+              </a:ext>
+            </a:extLst>
+          </p:cNvPr>
+          <p:cNvSpPr/>
+          <p:nvPr/>
+        </p:nvSpPr>
+        <p:spPr>
+          <a:xfrm rot="11024552">
+            <a:off x="3134891" y="3193092"/>
+            <a:ext cx="3705726" cy="1860885"/>
+          </a:xfrm>
+          <a:prstGeom prst="arc">
+            <a:avLst>
+              <a:gd name="adj1" fmla="val 16619719"/>
+              <a:gd name="adj2" fmla="val 504969"/>
+            </a:avLst>
+          </a:prstGeom>
+        </p:spPr>
+        <p:style>
+          <a:lnRef idx="2">
+            <a:schemeClr val="accent1"/>
+          </a:lnRef>
+          <a:fillRef idx="0">
+            <a:schemeClr val="accent1"/>
+          </a:fillRef>
+          <a:effectRef idx="1">
+            <a:schemeClr val="accent1"/>
+          </a:effectRef>
+          <a:fontRef idx="minor">
+            <a:schemeClr val="tx1"/>
+          </a:fontRef>
+        </p:style>
+        <p:txBody>
+          <a:bodyPr rtlCol="0" anchor="ctr"/>
+          <a:lstStyle/>
+          <a:p>
+            <a:pPr algn="ctr"/>
+            <a:endParaRPr lang="pt-BR"/>
+          </a:p>
+        </p:txBody>
+      </p:sp>
+      <p:sp>
+        <p:nvSpPr>
+          <p:cNvPr id="28" name="Arco 27">
+            <a:extLst>
+              <a:ext uri="{FF2B5EF4-FFF2-40B4-BE49-F238E27FC236}">
+                <a16:creationId xmlns:a16="http://schemas.microsoft.com/office/drawing/2014/main" id="{A417A956-8207-2229-14C2-99876B397CED}"/>
+              </a:ext>
+            </a:extLst>
+          </p:cNvPr>
+          <p:cNvSpPr/>
+          <p:nvPr/>
+        </p:nvSpPr>
+        <p:spPr>
+          <a:xfrm rot="18499795">
+            <a:off x="2220964" y="2776495"/>
+            <a:ext cx="3705726" cy="1860885"/>
+          </a:xfrm>
+          <a:prstGeom prst="arc">
+            <a:avLst>
+              <a:gd name="adj1" fmla="val 16619719"/>
+              <a:gd name="adj2" fmla="val 21353609"/>
+            </a:avLst>
+          </a:prstGeom>
+        </p:spPr>
+        <p:style>
+          <a:lnRef idx="2">
+            <a:schemeClr val="accent1"/>
+          </a:lnRef>
+          <a:fillRef idx="0">
+            <a:schemeClr val="accent1"/>
+          </a:fillRef>
+          <a:effectRef idx="1">
+            <a:schemeClr val="accent1"/>
+          </a:effectRef>
+          <a:fontRef idx="minor">
+            <a:schemeClr val="tx1"/>
+          </a:fontRef>
+        </p:style>
+        <p:txBody>
+          <a:bodyPr rtlCol="0" anchor="ctr"/>
+          <a:lstStyle/>
+          <a:p>
+            <a:pPr algn="ctr"/>
+            <a:endParaRPr lang="pt-BR" dirty="0"/>
+          </a:p>
+        </p:txBody>
+      </p:sp>
+      <p:sp>
+        <p:nvSpPr>
+          <p:cNvPr id="29" name="Triângulo isósceles 28">
+            <a:extLst>
+              <a:ext uri="{FF2B5EF4-FFF2-40B4-BE49-F238E27FC236}">
+                <a16:creationId xmlns:a16="http://schemas.microsoft.com/office/drawing/2014/main" id="{A0A37EE8-9B2C-5291-DF50-C9E91227A74E}"/>
+              </a:ext>
+            </a:extLst>
+          </p:cNvPr>
+          <p:cNvSpPr/>
+          <p:nvPr/>
+        </p:nvSpPr>
+        <p:spPr>
+          <a:xfrm rot="9900000">
+            <a:off x="8525511" y="3029048"/>
+            <a:ext cx="168141" cy="169120"/>
+          </a:xfrm>
+          <a:prstGeom prst="triangle">
+            <a:avLst/>
+          </a:prstGeom>
+        </p:spPr>
+        <p:style>
+          <a:lnRef idx="2">
+            <a:schemeClr val="accent1">
+              <a:shade val="15000"/>
+            </a:schemeClr>
+          </a:lnRef>
+          <a:fillRef idx="1">
+            <a:schemeClr val="accent1"/>
+          </a:fillRef>
+          <a:effectRef idx="0">
+            <a:schemeClr val="accent1"/>
+          </a:effectRef>
+          <a:fontRef idx="minor">
+            <a:schemeClr val="lt1"/>
+          </a:fontRef>
+        </p:style>
+        <p:txBody>
+          <a:bodyPr rtlCol="0" anchor="ctr"/>
+          <a:lstStyle/>
+          <a:p>
+            <a:pPr algn="ctr"/>
+            <a:endParaRPr lang="pt-BR"/>
+          </a:p>
+        </p:txBody>
+      </p:sp>
+      <p:sp>
+        <p:nvSpPr>
+          <p:cNvPr id="30" name="Triângulo isósceles 29">
+            <a:extLst>
+              <a:ext uri="{FF2B5EF4-FFF2-40B4-BE49-F238E27FC236}">
+                <a16:creationId xmlns:a16="http://schemas.microsoft.com/office/drawing/2014/main" id="{8FD45A83-4A1C-CE06-0248-C793E4C03A7F}"/>
+              </a:ext>
+            </a:extLst>
+          </p:cNvPr>
+          <p:cNvSpPr/>
+          <p:nvPr/>
+        </p:nvSpPr>
+        <p:spPr>
+          <a:xfrm rot="16462971">
+            <a:off x="7031472" y="5052207"/>
+            <a:ext cx="168141" cy="169120"/>
+          </a:xfrm>
+          <a:prstGeom prst="triangle">
+            <a:avLst/>
+          </a:prstGeom>
+        </p:spPr>
+        <p:style>
+          <a:lnRef idx="2">
+            <a:schemeClr val="accent1">
+              <a:shade val="15000"/>
+            </a:schemeClr>
+          </a:lnRef>
+          <a:fillRef idx="1">
+            <a:schemeClr val="accent1"/>
+          </a:fillRef>
+          <a:effectRef idx="0">
+            <a:schemeClr val="accent1"/>
+          </a:effectRef>
+          <a:fontRef idx="minor">
+            <a:schemeClr val="lt1"/>
+          </a:fontRef>
+        </p:style>
+        <p:txBody>
+          <a:bodyPr rtlCol="0" anchor="ctr"/>
+          <a:lstStyle/>
+          <a:p>
+            <a:pPr algn="ctr"/>
+            <a:endParaRPr lang="pt-BR"/>
+          </a:p>
+        </p:txBody>
+      </p:sp>
+      <p:sp>
+        <p:nvSpPr>
+          <p:cNvPr id="34" name="Triângulo isósceles 33">
+            <a:extLst>
+              <a:ext uri="{FF2B5EF4-FFF2-40B4-BE49-F238E27FC236}">
+                <a16:creationId xmlns:a16="http://schemas.microsoft.com/office/drawing/2014/main" id="{EF9E1DD3-DB51-0664-257E-8F217402CF01}"/>
+              </a:ext>
+            </a:extLst>
+          </p:cNvPr>
+          <p:cNvSpPr/>
+          <p:nvPr/>
+        </p:nvSpPr>
+        <p:spPr>
+          <a:xfrm rot="1323635">
+            <a:off x="3181201" y="3656546"/>
+            <a:ext cx="168141" cy="169120"/>
+          </a:xfrm>
+          <a:prstGeom prst="triangle">
+            <a:avLst/>
+          </a:prstGeom>
+        </p:spPr>
+        <p:style>
+          <a:lnRef idx="2">
+            <a:schemeClr val="accent1">
+              <a:shade val="15000"/>
+            </a:schemeClr>
+          </a:lnRef>
+          <a:fillRef idx="1">
+            <a:schemeClr val="accent1"/>
+          </a:fillRef>
+          <a:effectRef idx="0">
+            <a:schemeClr val="accent1"/>
+          </a:effectRef>
+          <a:fontRef idx="minor">
+            <a:schemeClr val="lt1"/>
+          </a:fontRef>
+        </p:style>
+        <p:txBody>
+          <a:bodyPr rtlCol="0" anchor="ctr"/>
+          <a:lstStyle/>
+          <a:p>
+            <a:pPr algn="ctr"/>
+            <a:endParaRPr lang="pt-BR"/>
+          </a:p>
+        </p:txBody>
+      </p:sp>
+      <p:sp>
+        <p:nvSpPr>
+          <p:cNvPr id="35" name="Triângulo isósceles 34">
+            <a:extLst>
+              <a:ext uri="{FF2B5EF4-FFF2-40B4-BE49-F238E27FC236}">
+                <a16:creationId xmlns:a16="http://schemas.microsoft.com/office/drawing/2014/main" id="{288565E6-739D-0DCA-9330-7C29DFF8432E}"/>
+              </a:ext>
+            </a:extLst>
+          </p:cNvPr>
+          <p:cNvSpPr/>
+          <p:nvPr/>
+        </p:nvSpPr>
+        <p:spPr>
+          <a:xfrm rot="5400000">
+            <a:off x="5101297" y="2088740"/>
+            <a:ext cx="168141" cy="169120"/>
+          </a:xfrm>
+          <a:prstGeom prst="triangle">
+            <a:avLst/>
+          </a:prstGeom>
+        </p:spPr>
+        <p:style>
+          <a:lnRef idx="2">
+            <a:schemeClr val="accent1">
+              <a:shade val="15000"/>
+            </a:schemeClr>
+          </a:lnRef>
+          <a:fillRef idx="1">
+            <a:schemeClr val="accent1"/>
+          </a:fillRef>
+          <a:effectRef idx="0">
+            <a:schemeClr val="accent1"/>
+          </a:effectRef>
+          <a:fontRef idx="minor">
+            <a:schemeClr val="lt1"/>
+          </a:fontRef>
+        </p:style>
+        <p:txBody>
+          <a:bodyPr rtlCol="0" anchor="ctr"/>
+          <a:lstStyle/>
+          <a:p>
+            <a:pPr algn="ctr"/>
+            <a:endParaRPr lang="pt-BR"/>
+          </a:p>
+        </p:txBody>
+      </p:sp>
+    </p:spTree>
+    <p:extLst>
+      <p:ext uri="{BB962C8B-B14F-4D97-AF65-F5344CB8AC3E}">
+        <p14:creationId xmlns:p14="http://schemas.microsoft.com/office/powerpoint/2010/main" val="866426765"/>
+      </p:ext>
+    </p:extLst>
+  </p:cSld>
+  <p:clrMapOvr>
+    <a:masterClrMapping/>
+  </p:clrMapOvr>
+  <mc:AlternateContent xmlns:mc="http://schemas.openxmlformats.org/markup-compatibility/2006" xmlns:p159="http://schemas.microsoft.com/office/powerpoint/2015/09/main">
+    <mc:Choice Requires="p159">
+      <p:transition xmlns:p14="http://schemas.microsoft.com/office/powerpoint/2010/main" spd="slow" p14:dur="2000">
+        <p159:morph option="byObject"/>
+      </p:transition>
+    </mc:Choice>
+    <mc:Fallback xmlns="">
+      <p:transition spd="slow">
+        <p:fade/>
+      </p:transition>
+    </mc:Fallback>
+  </mc:AlternateContent>
+  <p:timing>
+    <p:tnLst>
+      <p:par>
+        <p:cTn id="1" dur="indefinite" restart="never" nodeType="tmRoot">
+          <p:childTnLst>
+            <p:seq concurrent="1" nextAc="seek">
+              <p:cTn id="2" dur="indefinite" nodeType="mainSeq">
+                <p:childTnLst>
+                  <p:par>
+                    <p:cTn id="3" fill="hold">
+                      <p:stCondLst>
+                        <p:cond delay="indefinite"/>
+                        <p:cond evt="onBegin" delay="0">
+                          <p:tn val="2"/>
+                        </p:cond>
+                      </p:stCondLst>
+                      <p:childTnLst>
+                        <p:par>
+                          <p:cTn id="4" fill="hold">
+                            <p:stCondLst>
+                              <p:cond delay="0"/>
+                            </p:stCondLst>
+                            <p:childTnLst>
+                              <p:par>
+                                <p:cTn id="5" presetID="10" presetClass="entr" presetSubtype="0" fill="hold" grpId="0" nodeType="afterEffect">
+                                  <p:stCondLst>
+                                    <p:cond delay="0"/>
+                                  </p:stCondLst>
+                                  <p:childTnLst>
+                                    <p:set>
+                                      <p:cBhvr>
+                                        <p:cTn id="6" dur="1" fill="hold">
+                                          <p:stCondLst>
+                                            <p:cond delay="0"/>
+                                          </p:stCondLst>
+                                        </p:cTn>
+                                        <p:tgtEl>
+                                          <p:spTgt spid="3"/>
+                                        </p:tgtEl>
+                                        <p:attrNameLst>
+                                          <p:attrName>style.visibility</p:attrName>
+                                        </p:attrNameLst>
+                                      </p:cBhvr>
+                                      <p:to>
+                                        <p:strVal val="visible"/>
+                                      </p:to>
+                                    </p:set>
+                                    <p:animEffect transition="in" filter="fade">
+                                      <p:cBhvr>
+                                        <p:cTn id="7" dur="500"/>
+                                        <p:tgtEl>
+                                          <p:spTgt spid="3"/>
+                                        </p:tgtEl>
+                                      </p:cBhvr>
+                                    </p:animEffect>
+                                  </p:childTnLst>
+                                </p:cTn>
+                              </p:par>
+                            </p:childTnLst>
+                          </p:cTn>
+                        </p:par>
+                        <p:par>
+                          <p:cTn id="8" fill="hold">
+                            <p:stCondLst>
+                              <p:cond delay="500"/>
+                            </p:stCondLst>
+                            <p:childTnLst>
+                              <p:par>
+                                <p:cTn id="9" presetID="10" presetClass="entr" presetSubtype="0" fill="hold" grpId="0" nodeType="afterEffect">
+                                  <p:stCondLst>
+                                    <p:cond delay="0"/>
+                                  </p:stCondLst>
+                                  <p:childTnLst>
+                                    <p:set>
+                                      <p:cBhvr>
+                                        <p:cTn id="10" dur="1" fill="hold">
+                                          <p:stCondLst>
+                                            <p:cond delay="0"/>
+                                          </p:stCondLst>
+                                        </p:cTn>
+                                        <p:tgtEl>
+                                          <p:spTgt spid="15"/>
+                                        </p:tgtEl>
+                                        <p:attrNameLst>
+                                          <p:attrName>style.visibility</p:attrName>
+                                        </p:attrNameLst>
+                                      </p:cBhvr>
+                                      <p:to>
+                                        <p:strVal val="visible"/>
+                                      </p:to>
+                                    </p:set>
+                                    <p:animEffect transition="in" filter="fade">
+                                      <p:cBhvr>
+                                        <p:cTn id="11" dur="500"/>
+                                        <p:tgtEl>
+                                          <p:spTgt spid="15"/>
+                                        </p:tgtEl>
+                                      </p:cBhvr>
+                                    </p:animEffect>
+                                  </p:childTnLst>
+                                </p:cTn>
+                              </p:par>
+                            </p:childTnLst>
+                          </p:cTn>
+                        </p:par>
+                        <p:par>
+                          <p:cTn id="12" fill="hold">
+                            <p:stCondLst>
+                              <p:cond delay="1000"/>
+                            </p:stCondLst>
+                            <p:childTnLst>
+                              <p:par>
+                                <p:cTn id="13" presetID="10" presetClass="entr" presetSubtype="0" fill="hold" grpId="0" nodeType="afterEffect">
+                                  <p:stCondLst>
+                                    <p:cond delay="0"/>
+                                  </p:stCondLst>
+                                  <p:childTnLst>
+                                    <p:set>
+                                      <p:cBhvr>
+                                        <p:cTn id="14" dur="1" fill="hold">
+                                          <p:stCondLst>
+                                            <p:cond delay="0"/>
+                                          </p:stCondLst>
+                                        </p:cTn>
+                                        <p:tgtEl>
+                                          <p:spTgt spid="16"/>
+                                        </p:tgtEl>
+                                        <p:attrNameLst>
+                                          <p:attrName>style.visibility</p:attrName>
+                                        </p:attrNameLst>
+                                      </p:cBhvr>
+                                      <p:to>
+                                        <p:strVal val="visible"/>
+                                      </p:to>
+                                    </p:set>
+                                    <p:animEffect transition="in" filter="fade">
+                                      <p:cBhvr>
+                                        <p:cTn id="15" dur="500"/>
+                                        <p:tgtEl>
+                                          <p:spTgt spid="16"/>
+                                        </p:tgtEl>
+                                      </p:cBhvr>
+                                    </p:animEffect>
+                                  </p:childTnLst>
+                                </p:cTn>
+                              </p:par>
+                            </p:childTnLst>
+                          </p:cTn>
+                        </p:par>
+                        <p:par>
+                          <p:cTn id="16" fill="hold">
+                            <p:stCondLst>
+                              <p:cond delay="1500"/>
+                            </p:stCondLst>
+                            <p:childTnLst>
+                              <p:par>
+                                <p:cTn id="17" presetID="10" presetClass="entr" presetSubtype="0" fill="hold" grpId="0" nodeType="afterEffect">
+                                  <p:stCondLst>
+                                    <p:cond delay="0"/>
+                                  </p:stCondLst>
+                                  <p:childTnLst>
+                                    <p:set>
+                                      <p:cBhvr>
+                                        <p:cTn id="18" dur="1" fill="hold">
+                                          <p:stCondLst>
+                                            <p:cond delay="0"/>
+                                          </p:stCondLst>
+                                        </p:cTn>
+                                        <p:tgtEl>
+                                          <p:spTgt spid="17"/>
+                                        </p:tgtEl>
+                                        <p:attrNameLst>
+                                          <p:attrName>style.visibility</p:attrName>
+                                        </p:attrNameLst>
+                                      </p:cBhvr>
+                                      <p:to>
+                                        <p:strVal val="visible"/>
+                                      </p:to>
+                                    </p:set>
+                                    <p:animEffect transition="in" filter="fade">
+                                      <p:cBhvr>
+                                        <p:cTn id="19" dur="500"/>
+                                        <p:tgtEl>
+                                          <p:spTgt spid="17"/>
+                                        </p:tgtEl>
+                                      </p:cBhvr>
+                                    </p:animEffect>
+                                  </p:childTnLst>
+                                </p:cTn>
+                              </p:par>
+                            </p:childTnLst>
+                          </p:cTn>
+                        </p:par>
+                      </p:childTnLst>
+                    </p:cTn>
+                  </p:par>
+                </p:childTnLst>
+              </p:cTn>
+              <p:prevCondLst>
+                <p:cond evt="onPrev" delay="0">
+                  <p:tgtEl>
+                    <p:sldTgt/>
+                  </p:tgtEl>
+                </p:cond>
+              </p:prevCondLst>
+              <p:nextCondLst>
+                <p:cond evt="onNext" delay="0">
+                  <p:tgtEl>
+                    <p:sldTgt/>
+                  </p:tgtEl>
+                </p:cond>
+              </p:nextCondLst>
+            </p:seq>
+          </p:childTnLst>
+        </p:cTn>
+      </p:par>
+    </p:tnLst>
+    <p:bldLst>
+      <p:bldP spid="3" grpId="0"/>
+      <p:bldP spid="15" grpId="0"/>
+      <p:bldP spid="16" grpId="0"/>
+      <p:bldP spid="17" grpId="0"/>
+    </p:bldLst>
+  </p:timing>
+</p:sld>
+</file>
+
+<file path=ppt/slides/slide7.xml><?xml version="1.0" encoding="utf-8"?>
+<p:sld xmlns:a="http://schemas.openxmlformats.org/drawingml/2006/main" xmlns:r="http://schemas.openxmlformats.org/officeDocument/2006/relationships" xmlns:p="http://schemas.openxmlformats.org/presentationml/2006/main">
+  <p:cSld>
+    <p:spTree>
+      <p:nvGrpSpPr>
+        <p:cNvPr id="1" name=""/>
+        <p:cNvGrpSpPr/>
+        <p:nvPr/>
+      </p:nvGrpSpPr>
+      <p:grpSpPr>
+        <a:xfrm>
+          <a:off x="0" y="0"/>
+          <a:ext cx="0" cy="0"/>
+          <a:chOff x="0" y="0"/>
+          <a:chExt cx="0" cy="0"/>
+        </a:xfrm>
+      </p:grpSpPr>
+      <p:sp>
+        <p:nvSpPr>
+          <p:cNvPr id="4" name="Rectangle 3">
+            <a:extLst>
+              <a:ext uri="{FF2B5EF4-FFF2-40B4-BE49-F238E27FC236}">
+                <a16:creationId xmlns:a16="http://schemas.microsoft.com/office/drawing/2014/main" id="{2A13B32D-2450-280F-ECCA-79D7D39A949A}"/>
+              </a:ext>
+            </a:extLst>
+          </p:cNvPr>
+          <p:cNvSpPr/>
+          <p:nvPr/>
+        </p:nvSpPr>
+        <p:spPr>
+          <a:xfrm>
+            <a:off x="0" y="0"/>
+            <a:ext cx="12192000" cy="6858000"/>
+          </a:xfrm>
+          <a:prstGeom prst="rect">
+            <a:avLst/>
+          </a:prstGeom>
+          <a:solidFill>
+            <a:srgbClr val="F7F9F9"/>
+          </a:solidFill>
+          <a:ln>
+            <a:noFill/>
+          </a:ln>
+        </p:spPr>
+        <p:style>
+          <a:lnRef idx="2">
+            <a:schemeClr val="accent1">
+              <a:shade val="15000"/>
+            </a:schemeClr>
+          </a:lnRef>
+          <a:fillRef idx="1">
+            <a:schemeClr val="accent1"/>
+          </a:fillRef>
+          <a:effectRef idx="0">
+            <a:schemeClr val="accent1"/>
+          </a:effectRef>
+          <a:fontRef idx="minor">
+            <a:schemeClr val="lt1"/>
+          </a:fontRef>
+        </p:style>
+        <p:txBody>
+          <a:bodyPr rtlCol="0" anchor="ctr"/>
+          <a:lstStyle/>
+          <a:p>
+            <a:pPr algn="ctr"/>
+            <a:endParaRPr lang="pt-BR" dirty="0"/>
+          </a:p>
+        </p:txBody>
+      </p:sp>
+      <p:sp>
+        <p:nvSpPr>
+          <p:cNvPr id="5" name="CaixaDeTexto 4">
+            <a:extLst>
+              <a:ext uri="{FF2B5EF4-FFF2-40B4-BE49-F238E27FC236}">
+                <a16:creationId xmlns:a16="http://schemas.microsoft.com/office/drawing/2014/main" id="{FF06475B-1A89-1C94-85D2-38037C9F81CB}"/>
+              </a:ext>
+            </a:extLst>
+          </p:cNvPr>
+          <p:cNvSpPr txBox="1"/>
+          <p:nvPr/>
+        </p:nvSpPr>
+        <p:spPr>
+          <a:xfrm>
+            <a:off x="112297" y="182706"/>
+            <a:ext cx="2884274" cy="584775"/>
+          </a:xfrm>
+          <a:prstGeom prst="rect">
+            <a:avLst/>
+          </a:prstGeom>
+          <a:noFill/>
+        </p:spPr>
+        <p:txBody>
+          <a:bodyPr wrap="square" rtlCol="0">
+            <a:spAutoFit/>
+          </a:bodyPr>
+          <a:lstStyle/>
+          <a:p>
+            <a:r>
+              <a:rPr lang="pt-BR" sz="3200" dirty="0" err="1">
+                <a:latin typeface="Bahnschrift SemiLight" panose="020B0502040204020203" pitchFamily="34" charset="0"/>
+              </a:rPr>
+              <a:t>Good</a:t>
+            </a:r>
+            <a:r>
+              <a:rPr lang="pt-BR" sz="3200" dirty="0">
+                <a:latin typeface="Bahnschrift SemiLight" panose="020B0502040204020203" pitchFamily="34" charset="0"/>
+              </a:rPr>
+              <a:t> </a:t>
+            </a:r>
+            <a:r>
+              <a:rPr lang="pt-BR" sz="3200" dirty="0" err="1">
+                <a:latin typeface="Bahnschrift SemiLight" panose="020B0502040204020203" pitchFamily="34" charset="0"/>
+              </a:rPr>
+              <a:t>Pratice</a:t>
+            </a:r>
+            <a:endParaRPr lang="pt-BR" sz="3200" dirty="0">
+              <a:latin typeface="Bahnschrift SemiLight" panose="020B0502040204020203" pitchFamily="34" charset="0"/>
+            </a:endParaRPr>
+          </a:p>
+        </p:txBody>
+      </p:sp>
+      <p:cxnSp>
+        <p:nvCxnSpPr>
+          <p:cNvPr id="10" name="Conector reto 9">
+            <a:extLst>
+              <a:ext uri="{FF2B5EF4-FFF2-40B4-BE49-F238E27FC236}">
+                <a16:creationId xmlns:a16="http://schemas.microsoft.com/office/drawing/2014/main" id="{21DD7C9B-C914-CCC5-6FB0-230AAF618ABB}"/>
+              </a:ext>
+            </a:extLst>
+          </p:cNvPr>
+          <p:cNvCxnSpPr>
+            <a:cxnSpLocks/>
+          </p:cNvCxnSpPr>
+          <p:nvPr/>
+        </p:nvCxnSpPr>
+        <p:spPr>
+          <a:xfrm>
+            <a:off x="-1" y="799565"/>
+            <a:ext cx="2807369" cy="0"/>
+          </a:xfrm>
+          <a:prstGeom prst="line">
+            <a:avLst/>
+          </a:prstGeom>
+          <a:ln/>
+        </p:spPr>
+        <p:style>
+          <a:lnRef idx="2">
+            <a:schemeClr val="dk1"/>
+          </a:lnRef>
+          <a:fillRef idx="0">
+            <a:schemeClr val="dk1"/>
+          </a:fillRef>
+          <a:effectRef idx="1">
+            <a:schemeClr val="dk1"/>
+          </a:effectRef>
+          <a:fontRef idx="minor">
+            <a:schemeClr val="tx1"/>
+          </a:fontRef>
+        </p:style>
+      </p:cxnSp>
+      <p:sp>
+        <p:nvSpPr>
+          <p:cNvPr id="7" name="CaixaDeTexto 6">
+            <a:extLst>
+              <a:ext uri="{FF2B5EF4-FFF2-40B4-BE49-F238E27FC236}">
+                <a16:creationId xmlns:a16="http://schemas.microsoft.com/office/drawing/2014/main" id="{E67BB321-5712-F912-F610-9FA5859D8FCA}"/>
+              </a:ext>
+            </a:extLst>
+          </p:cNvPr>
+          <p:cNvSpPr txBox="1"/>
+          <p:nvPr/>
+        </p:nvSpPr>
+        <p:spPr>
+          <a:xfrm>
+            <a:off x="3986463" y="1155032"/>
+            <a:ext cx="4219074" cy="461665"/>
+          </a:xfrm>
+          <a:prstGeom prst="rect">
+            <a:avLst/>
+          </a:prstGeom>
+          <a:noFill/>
+        </p:spPr>
+        <p:txBody>
+          <a:bodyPr wrap="square" rtlCol="0">
+            <a:spAutoFit/>
+          </a:bodyPr>
+          <a:lstStyle/>
+          <a:p>
+            <a:r>
+              <a:rPr lang="pt-BR" sz="2400" b="1" dirty="0">
+                <a:latin typeface="Bahnschrift SemiLight" panose="020B0502040204020203" pitchFamily="34" charset="0"/>
+              </a:rPr>
+              <a:t>Define </a:t>
+            </a:r>
+            <a:r>
+              <a:rPr lang="pt-BR" sz="2400" b="1" dirty="0" err="1">
+                <a:latin typeface="Bahnschrift SemiLight" panose="020B0502040204020203" pitchFamily="34" charset="0"/>
+              </a:rPr>
+              <a:t>Information</a:t>
+            </a:r>
+            <a:r>
+              <a:rPr lang="pt-BR" sz="2400" b="1" dirty="0">
+                <a:latin typeface="Bahnschrift SemiLight" panose="020B0502040204020203" pitchFamily="34" charset="0"/>
+              </a:rPr>
+              <a:t> </a:t>
+            </a:r>
+            <a:r>
+              <a:rPr lang="pt-BR" sz="2400" b="1" dirty="0" err="1">
+                <a:latin typeface="Bahnschrift SemiLight" panose="020B0502040204020203" pitchFamily="34" charset="0"/>
+              </a:rPr>
+              <a:t>Attributes</a:t>
+            </a:r>
+            <a:endParaRPr lang="pt-BR" sz="2400" b="1" dirty="0">
+              <a:latin typeface="Bahnschrift SemiLight" panose="020B0502040204020203" pitchFamily="34" charset="0"/>
+            </a:endParaRPr>
+          </a:p>
+        </p:txBody>
+      </p:sp>
+      <p:sp>
+        <p:nvSpPr>
+          <p:cNvPr id="8" name="CaixaDeTexto 7">
+            <a:extLst>
+              <a:ext uri="{FF2B5EF4-FFF2-40B4-BE49-F238E27FC236}">
+                <a16:creationId xmlns:a16="http://schemas.microsoft.com/office/drawing/2014/main" id="{D48F3A4A-27D5-72BC-AFEC-F2A6A02C6DF7}"/>
+              </a:ext>
+            </a:extLst>
+          </p:cNvPr>
+          <p:cNvSpPr txBox="1"/>
+          <p:nvPr/>
+        </p:nvSpPr>
+        <p:spPr>
+          <a:xfrm>
+            <a:off x="2946085" y="1775456"/>
+            <a:ext cx="6299829" cy="4893647"/>
+          </a:xfrm>
+          <a:prstGeom prst="rect">
+            <a:avLst/>
+          </a:prstGeom>
+          <a:noFill/>
+        </p:spPr>
+        <p:txBody>
+          <a:bodyPr wrap="square" numCol="2" rtlCol="0">
+            <a:spAutoFit/>
+          </a:bodyPr>
+          <a:lstStyle/>
+          <a:p>
+            <a:pPr marL="342900" indent="-342900">
+              <a:buFont typeface="Arial" panose="020B0604020202020204" pitchFamily="34" charset="0"/>
+              <a:buChar char="•"/>
+            </a:pPr>
+            <a:r>
+              <a:rPr lang="pt-BR" sz="2400" dirty="0" err="1">
+                <a:latin typeface="Bahnschrift SemiLight" panose="020B0502040204020203" pitchFamily="34" charset="0"/>
+              </a:rPr>
+              <a:t>Physical</a:t>
+            </a:r>
+            <a:r>
+              <a:rPr lang="pt-BR" sz="2400" dirty="0">
+                <a:latin typeface="Bahnschrift SemiLight" panose="020B0502040204020203" pitchFamily="34" charset="0"/>
+              </a:rPr>
+              <a:t> – Carrier, Media</a:t>
+            </a:r>
+          </a:p>
+          <a:p>
+            <a:pPr marL="342900" indent="-342900">
+              <a:buFont typeface="Arial" panose="020B0604020202020204" pitchFamily="34" charset="0"/>
+              <a:buChar char="•"/>
+            </a:pPr>
+            <a:endParaRPr lang="pt-BR" sz="2400" dirty="0">
+              <a:latin typeface="Bahnschrift SemiLight" panose="020B0502040204020203" pitchFamily="34" charset="0"/>
+            </a:endParaRPr>
+          </a:p>
+          <a:p>
+            <a:pPr marL="342900" indent="-342900">
+              <a:buFont typeface="Arial" panose="020B0604020202020204" pitchFamily="34" charset="0"/>
+              <a:buChar char="•"/>
+            </a:pPr>
+            <a:r>
+              <a:rPr lang="pt-BR" sz="2400" dirty="0" err="1">
+                <a:latin typeface="Bahnschrift SemiLight" panose="020B0502040204020203" pitchFamily="34" charset="0"/>
+              </a:rPr>
+              <a:t>Empirical</a:t>
+            </a:r>
+            <a:r>
+              <a:rPr lang="pt-BR" sz="2400" dirty="0">
+                <a:latin typeface="Bahnschrift SemiLight" panose="020B0502040204020203" pitchFamily="34" charset="0"/>
+              </a:rPr>
+              <a:t> – </a:t>
+            </a:r>
+            <a:r>
+              <a:rPr lang="pt-BR" sz="2400" dirty="0" err="1">
+                <a:latin typeface="Bahnschrift SemiLight" panose="020B0502040204020203" pitchFamily="34" charset="0"/>
+              </a:rPr>
+              <a:t>User</a:t>
+            </a:r>
+            <a:r>
+              <a:rPr lang="pt-BR" sz="2400" dirty="0">
+                <a:latin typeface="Bahnschrift SemiLight" panose="020B0502040204020203" pitchFamily="34" charset="0"/>
+              </a:rPr>
+              <a:t> Interface</a:t>
+            </a:r>
+          </a:p>
+          <a:p>
+            <a:pPr marL="342900" indent="-342900">
+              <a:buFont typeface="Arial" panose="020B0604020202020204" pitchFamily="34" charset="0"/>
+              <a:buChar char="•"/>
+            </a:pPr>
+            <a:endParaRPr lang="pt-BR" sz="2400" dirty="0">
+              <a:latin typeface="Bahnschrift SemiLight" panose="020B0502040204020203" pitchFamily="34" charset="0"/>
+            </a:endParaRPr>
+          </a:p>
+          <a:p>
+            <a:pPr marL="342900" indent="-342900">
+              <a:buFont typeface="Arial" panose="020B0604020202020204" pitchFamily="34" charset="0"/>
+              <a:buChar char="•"/>
+            </a:pPr>
+            <a:r>
+              <a:rPr lang="pt-BR" sz="2400" dirty="0" err="1">
+                <a:latin typeface="Bahnschrift SemiLight" panose="020B0502040204020203" pitchFamily="34" charset="0"/>
+              </a:rPr>
+              <a:t>Syntatic</a:t>
+            </a:r>
+            <a:r>
+              <a:rPr lang="pt-BR" sz="2400" dirty="0">
+                <a:latin typeface="Bahnschrift SemiLight" panose="020B0502040204020203" pitchFamily="34" charset="0"/>
+              </a:rPr>
+              <a:t> – </a:t>
+            </a:r>
+            <a:r>
+              <a:rPr lang="pt-BR" sz="2400" dirty="0" err="1">
+                <a:latin typeface="Bahnschrift SemiLight" panose="020B0502040204020203" pitchFamily="34" charset="0"/>
+              </a:rPr>
+              <a:t>Language</a:t>
+            </a:r>
+            <a:r>
+              <a:rPr lang="pt-BR" sz="2400" dirty="0">
+                <a:latin typeface="Bahnschrift SemiLight" panose="020B0502040204020203" pitchFamily="34" charset="0"/>
+              </a:rPr>
+              <a:t>, Format</a:t>
+            </a:r>
+          </a:p>
+          <a:p>
+            <a:pPr marL="342900" indent="-342900">
+              <a:buFont typeface="Arial" panose="020B0604020202020204" pitchFamily="34" charset="0"/>
+              <a:buChar char="•"/>
+            </a:pPr>
+            <a:endParaRPr lang="pt-BR" sz="2400" dirty="0">
+              <a:latin typeface="Bahnschrift SemiLight" panose="020B0502040204020203" pitchFamily="34" charset="0"/>
+            </a:endParaRPr>
+          </a:p>
+          <a:p>
+            <a:pPr marL="342900" indent="-342900">
+              <a:buFont typeface="Arial" panose="020B0604020202020204" pitchFamily="34" charset="0"/>
+              <a:buChar char="•"/>
+            </a:pPr>
+            <a:r>
+              <a:rPr lang="pt-BR" sz="2400" dirty="0" err="1">
+                <a:latin typeface="Bahnschrift SemiLight" panose="020B0502040204020203" pitchFamily="34" charset="0"/>
+              </a:rPr>
+              <a:t>Semantic</a:t>
+            </a:r>
+            <a:r>
+              <a:rPr lang="pt-BR" sz="2400" dirty="0">
+                <a:latin typeface="Bahnschrift SemiLight" panose="020B0502040204020203" pitchFamily="34" charset="0"/>
+              </a:rPr>
+              <a:t> (</a:t>
+            </a:r>
+            <a:r>
+              <a:rPr lang="pt-BR" sz="2400" dirty="0" err="1">
+                <a:latin typeface="Bahnschrift SemiLight" panose="020B0502040204020203" pitchFamily="34" charset="0"/>
+              </a:rPr>
+              <a:t>Meaning</a:t>
+            </a:r>
+            <a:r>
+              <a:rPr lang="pt-BR" sz="2400" dirty="0">
+                <a:latin typeface="Bahnschrift SemiLight" panose="020B0502040204020203" pitchFamily="34" charset="0"/>
+              </a:rPr>
+              <a:t>) - </a:t>
+            </a:r>
+            <a:r>
+              <a:rPr lang="pt-BR" sz="2400" dirty="0" err="1">
+                <a:latin typeface="Bahnschrift SemiLight" panose="020B0502040204020203" pitchFamily="34" charset="0"/>
+              </a:rPr>
+              <a:t>Type</a:t>
+            </a:r>
+            <a:r>
+              <a:rPr lang="pt-BR" sz="2400" dirty="0">
+                <a:latin typeface="Bahnschrift SemiLight" panose="020B0502040204020203" pitchFamily="34" charset="0"/>
+              </a:rPr>
+              <a:t>, </a:t>
+            </a:r>
+            <a:r>
+              <a:rPr lang="pt-BR" sz="2400" dirty="0" err="1">
+                <a:latin typeface="Bahnschrift SemiLight" panose="020B0502040204020203" pitchFamily="34" charset="0"/>
+              </a:rPr>
+              <a:t>Currency</a:t>
+            </a:r>
+            <a:r>
+              <a:rPr lang="pt-BR" sz="2400" dirty="0">
+                <a:latin typeface="Bahnschrift SemiLight" panose="020B0502040204020203" pitchFamily="34" charset="0"/>
+              </a:rPr>
+              <a:t>, </a:t>
+            </a:r>
+            <a:r>
+              <a:rPr lang="pt-BR" sz="2400" dirty="0" err="1">
+                <a:latin typeface="Bahnschrift SemiLight" panose="020B0502040204020203" pitchFamily="34" charset="0"/>
+              </a:rPr>
+              <a:t>Level</a:t>
+            </a:r>
+            <a:endParaRPr lang="pt-BR" sz="2400" dirty="0">
+              <a:latin typeface="Bahnschrift SemiLight" panose="020B0502040204020203" pitchFamily="34" charset="0"/>
+            </a:endParaRPr>
+          </a:p>
+          <a:p>
+            <a:pPr marL="342900" indent="-342900">
+              <a:buFont typeface="Arial" panose="020B0604020202020204" pitchFamily="34" charset="0"/>
+              <a:buChar char="•"/>
+            </a:pPr>
+            <a:endParaRPr lang="pt-BR" sz="2400" dirty="0">
+              <a:latin typeface="Bahnschrift SemiLight" panose="020B0502040204020203" pitchFamily="34" charset="0"/>
+            </a:endParaRPr>
+          </a:p>
+          <a:p>
+            <a:pPr marL="342900" indent="-342900">
+              <a:buFont typeface="Arial" panose="020B0604020202020204" pitchFamily="34" charset="0"/>
+              <a:buChar char="•"/>
+            </a:pPr>
+            <a:r>
+              <a:rPr lang="pt-BR" sz="2400" dirty="0" err="1">
+                <a:latin typeface="Bahnschrift SemiLight" panose="020B0502040204020203" pitchFamily="34" charset="0"/>
+              </a:rPr>
+              <a:t>Pragmatic</a:t>
+            </a:r>
+            <a:r>
+              <a:rPr lang="pt-BR" sz="2400" dirty="0">
+                <a:latin typeface="Bahnschrift SemiLight" panose="020B0502040204020203" pitchFamily="34" charset="0"/>
+              </a:rPr>
+              <a:t> (Use) - </a:t>
+            </a:r>
+            <a:r>
+              <a:rPr lang="pt-BR" sz="2400" dirty="0" err="1">
+                <a:latin typeface="Bahnschrift SemiLight" panose="020B0502040204020203" pitchFamily="34" charset="0"/>
+              </a:rPr>
+              <a:t>Retention</a:t>
+            </a:r>
+            <a:r>
+              <a:rPr lang="pt-BR" sz="2400" dirty="0">
+                <a:latin typeface="Bahnschrift SemiLight" panose="020B0502040204020203" pitchFamily="34" charset="0"/>
+              </a:rPr>
+              <a:t>, Status, </a:t>
+            </a:r>
+            <a:r>
+              <a:rPr lang="pt-BR" sz="2400" dirty="0" err="1">
+                <a:latin typeface="Bahnschrift SemiLight" panose="020B0502040204020203" pitchFamily="34" charset="0"/>
+              </a:rPr>
+              <a:t>Contingency</a:t>
+            </a:r>
+            <a:r>
+              <a:rPr lang="pt-BR" sz="2400" dirty="0">
+                <a:latin typeface="Bahnschrift SemiLight" panose="020B0502040204020203" pitchFamily="34" charset="0"/>
+              </a:rPr>
+              <a:t>, </a:t>
+            </a:r>
+            <a:r>
+              <a:rPr lang="pt-BR" sz="2400" dirty="0" err="1">
+                <a:latin typeface="Bahnschrift SemiLight" panose="020B0502040204020203" pitchFamily="34" charset="0"/>
+              </a:rPr>
+              <a:t>Novelty</a:t>
+            </a:r>
+            <a:endParaRPr lang="pt-BR" sz="2400" dirty="0">
+              <a:latin typeface="Bahnschrift SemiLight" panose="020B0502040204020203" pitchFamily="34" charset="0"/>
+            </a:endParaRPr>
+          </a:p>
+          <a:p>
+            <a:pPr marL="342900" indent="-342900">
+              <a:buFont typeface="Arial" panose="020B0604020202020204" pitchFamily="34" charset="0"/>
+              <a:buChar char="•"/>
+            </a:pPr>
+            <a:endParaRPr lang="pt-BR" sz="2400" dirty="0">
+              <a:latin typeface="Bahnschrift SemiLight" panose="020B0502040204020203" pitchFamily="34" charset="0"/>
+            </a:endParaRPr>
+          </a:p>
+          <a:p>
+            <a:pPr marL="342900" indent="-342900">
+              <a:buFont typeface="Arial" panose="020B0604020202020204" pitchFamily="34" charset="0"/>
+              <a:buChar char="•"/>
+            </a:pPr>
+            <a:r>
+              <a:rPr lang="pt-BR" sz="2400" dirty="0">
+                <a:latin typeface="Bahnschrift SemiLight" panose="020B0502040204020203" pitchFamily="34" charset="0"/>
+              </a:rPr>
+              <a:t>Social - </a:t>
+            </a:r>
+            <a:r>
+              <a:rPr lang="pt-BR" sz="2400" dirty="0" err="1">
+                <a:latin typeface="Bahnschrift SemiLight" panose="020B0502040204020203" pitchFamily="34" charset="0"/>
+              </a:rPr>
+              <a:t>Context</a:t>
+            </a:r>
+            <a:endParaRPr lang="pt-BR" sz="2400" dirty="0">
+              <a:latin typeface="Bahnschrift SemiLight" panose="020B0502040204020203" pitchFamily="34" charset="0"/>
+            </a:endParaRPr>
+          </a:p>
+        </p:txBody>
+      </p:sp>
+    </p:spTree>
+    <p:extLst>
+      <p:ext uri="{BB962C8B-B14F-4D97-AF65-F5344CB8AC3E}">
+        <p14:creationId xmlns:p14="http://schemas.microsoft.com/office/powerpoint/2010/main" val="1821881281"/>
+      </p:ext>
+    </p:extLst>
+  </p:cSld>
+  <p:clrMapOvr>
+    <a:masterClrMapping/>
+  </p:clrMapOvr>
+  <mc:AlternateContent xmlns:mc="http://schemas.openxmlformats.org/markup-compatibility/2006" xmlns:p159="http://schemas.microsoft.com/office/powerpoint/2015/09/main">
+    <mc:Choice Requires="p159">
+      <p:transition xmlns:p14="http://schemas.microsoft.com/office/powerpoint/2010/main" spd="slow" p14:dur="2000">
+        <p159:morph option="byObject"/>
+      </p:transition>
+    </mc:Choice>
+    <mc:Fallback xmlns="">
+      <p:transition spd="slow">
+        <p:fade/>
+      </p:transition>
+    </mc:Fallback>
+  </mc:AlternateContent>
+  <p:timing>
+    <p:tnLst>
+      <p:par>
+        <p:cTn id="1" dur="indefinite" restart="never" nodeType="tmRoot">
+          <p:childTnLst>
+            <p:seq concurrent="1" nextAc="seek">
+              <p:cTn id="2" dur="indefinite" nodeType="mainSeq">
+                <p:childTnLst>
+                  <p:par>
+                    <p:cTn id="3" fill="hold">
+                      <p:stCondLst>
+                        <p:cond delay="indefinite"/>
+                        <p:cond evt="onBegin" delay="0">
+                          <p:tn val="2"/>
+                        </p:cond>
+                      </p:stCondLst>
+                      <p:childTnLst>
+                        <p:par>
+                          <p:cTn id="4" fill="hold">
+                            <p:stCondLst>
+                              <p:cond delay="0"/>
+                            </p:stCondLst>
+                            <p:childTnLst>
+                              <p:par>
+                                <p:cTn id="5" presetID="10" presetClass="entr" presetSubtype="0" fill="hold" grpId="0" nodeType="withEffect">
+                                  <p:stCondLst>
+                                    <p:cond delay="250"/>
+                                  </p:stCondLst>
+                                  <p:childTnLst>
+                                    <p:set>
+                                      <p:cBhvr>
+                                        <p:cTn id="6" dur="1" fill="hold">
+                                          <p:stCondLst>
+                                            <p:cond delay="0"/>
+                                          </p:stCondLst>
+                                        </p:cTn>
+                                        <p:tgtEl>
+                                          <p:spTgt spid="7"/>
+                                        </p:tgtEl>
+                                        <p:attrNameLst>
+                                          <p:attrName>style.visibility</p:attrName>
+                                        </p:attrNameLst>
+                                      </p:cBhvr>
+                                      <p:to>
+                                        <p:strVal val="visible"/>
+                                      </p:to>
+                                    </p:set>
+                                    <p:animEffect transition="in" filter="fade">
+                                      <p:cBhvr>
+                                        <p:cTn id="7" dur="500"/>
+                                        <p:tgtEl>
+                                          <p:spTgt spid="7"/>
+                                        </p:tgtEl>
+                                      </p:cBhvr>
+                                    </p:animEffect>
+                                  </p:childTnLst>
+                                </p:cTn>
+                              </p:par>
+                            </p:childTnLst>
+                          </p:cTn>
+                        </p:par>
+                        <p:par>
+                          <p:cTn id="8" fill="hold">
+                            <p:stCondLst>
+                              <p:cond delay="750"/>
+                            </p:stCondLst>
+                            <p:childTnLst>
+                              <p:par>
+                                <p:cTn id="9" presetID="10" presetClass="entr" presetSubtype="0" fill="hold" grpId="0" nodeType="afterEffect">
+                                  <p:stCondLst>
+                                    <p:cond delay="0"/>
+                                  </p:stCondLst>
+                                  <p:childTnLst>
+                                    <p:set>
+                                      <p:cBhvr>
+                                        <p:cTn id="10" dur="1" fill="hold">
+                                          <p:stCondLst>
+                                            <p:cond delay="0"/>
+                                          </p:stCondLst>
+                                        </p:cTn>
+                                        <p:tgtEl>
+                                          <p:spTgt spid="8"/>
+                                        </p:tgtEl>
+                                        <p:attrNameLst>
+                                          <p:attrName>style.visibility</p:attrName>
+                                        </p:attrNameLst>
+                                      </p:cBhvr>
+                                      <p:to>
+                                        <p:strVal val="visible"/>
+                                      </p:to>
+                                    </p:set>
+                                    <p:animEffect transition="in" filter="fade">
+                                      <p:cBhvr>
+                                        <p:cTn id="11" dur="500"/>
+                                        <p:tgtEl>
+                                          <p:spTgt spid="8"/>
+                                        </p:tgtEl>
+                                      </p:cBhvr>
+                                    </p:animEffect>
+                                  </p:childTnLst>
+                                </p:cTn>
+                              </p:par>
+                            </p:childTnLst>
+                          </p:cTn>
+                        </p:par>
+                      </p:childTnLst>
+                    </p:cTn>
+                  </p:par>
+                </p:childTnLst>
+              </p:cTn>
+              <p:prevCondLst>
+                <p:cond evt="onPrev" delay="0">
+                  <p:tgtEl>
+                    <p:sldTgt/>
+                  </p:tgtEl>
+                </p:cond>
+              </p:prevCondLst>
+              <p:nextCondLst>
+                <p:cond evt="onNext" delay="0">
+                  <p:tgtEl>
+                    <p:sldTgt/>
+                  </p:tgtEl>
+                </p:cond>
+              </p:nextCondLst>
+            </p:seq>
+          </p:childTnLst>
+        </p:cTn>
+      </p:par>
+    </p:tnLst>
+    <p:bldLst>
+      <p:bldP spid="7" grpId="0"/>
+      <p:bldP spid="8" grpId="0"/>
+    </p:bldLst>
+  </p:timing>
+</p:sld>
+</file>
+
+<file path=ppt/slides/slide8.xml><?xml version="1.0" encoding="utf-8"?>
+<p:sld xmlns:a="http://schemas.openxmlformats.org/drawingml/2006/main" xmlns:r="http://schemas.openxmlformats.org/officeDocument/2006/relationships" xmlns:p="http://schemas.openxmlformats.org/presentationml/2006/main">
+  <p:cSld>
+    <p:spTree>
+      <p:nvGrpSpPr>
+        <p:cNvPr id="1" name=""/>
+        <p:cNvGrpSpPr/>
+        <p:nvPr/>
+      </p:nvGrpSpPr>
+      <p:grpSpPr>
+        <a:xfrm>
+          <a:off x="0" y="0"/>
+          <a:ext cx="0" cy="0"/>
+          <a:chOff x="0" y="0"/>
+          <a:chExt cx="0" cy="0"/>
+        </a:xfrm>
+      </p:grpSpPr>
+      <p:sp>
+        <p:nvSpPr>
+          <p:cNvPr id="12" name="Elipse 11">
+            <a:extLst>
+              <a:ext uri="{FF2B5EF4-FFF2-40B4-BE49-F238E27FC236}">
+                <a16:creationId xmlns:a16="http://schemas.microsoft.com/office/drawing/2014/main" id="{9109328D-7374-58E9-EE0D-0389A643FC33}"/>
+              </a:ext>
+            </a:extLst>
+          </p:cNvPr>
+          <p:cNvSpPr/>
+          <p:nvPr/>
+        </p:nvSpPr>
+        <p:spPr>
+          <a:xfrm>
+            <a:off x="-1151601" y="-3324853"/>
+            <a:ext cx="14495202" cy="14495202"/>
+          </a:xfrm>
+          <a:prstGeom prst="ellipse">
+            <a:avLst/>
+          </a:prstGeom>
+          <a:solidFill>
+            <a:srgbClr val="F7F9F9"/>
+          </a:solidFill>
+          <a:ln>
+            <a:noFill/>
+          </a:ln>
+        </p:spPr>
+        <p:style>
+          <a:lnRef idx="2">
+            <a:schemeClr val="accent1">
+              <a:shade val="15000"/>
+            </a:schemeClr>
+          </a:lnRef>
+          <a:fillRef idx="1">
+            <a:schemeClr val="accent1"/>
+          </a:fillRef>
+          <a:effectRef idx="0">
+            <a:schemeClr val="accent1"/>
+          </a:effectRef>
+          <a:fontRef idx="minor">
+            <a:schemeClr val="lt1"/>
+          </a:fontRef>
+        </p:style>
+        <p:txBody>
+          <a:bodyPr rtlCol="0" anchor="ctr"/>
+          <a:lstStyle/>
+          <a:p>
+            <a:pPr algn="ctr"/>
+            <a:endParaRPr lang="pt-BR"/>
+          </a:p>
+        </p:txBody>
+      </p:sp>
+      <p:sp>
+        <p:nvSpPr>
+          <p:cNvPr id="4" name="Rectangle 3">
+            <a:extLst>
+              <a:ext uri="{FF2B5EF4-FFF2-40B4-BE49-F238E27FC236}">
+                <a16:creationId xmlns:a16="http://schemas.microsoft.com/office/drawing/2014/main" id="{2A13B32D-2450-280F-ECCA-79D7D39A949A}"/>
+              </a:ext>
+            </a:extLst>
+          </p:cNvPr>
+          <p:cNvSpPr/>
+          <p:nvPr/>
+        </p:nvSpPr>
+        <p:spPr>
+          <a:xfrm>
+            <a:off x="0" y="0"/>
+            <a:ext cx="12192000" cy="6858000"/>
+          </a:xfrm>
+          <a:prstGeom prst="rect">
+            <a:avLst/>
+          </a:prstGeom>
+          <a:solidFill>
+            <a:srgbClr val="F7F9F9"/>
+          </a:solidFill>
+          <a:ln>
+            <a:noFill/>
+          </a:ln>
+        </p:spPr>
+        <p:style>
+          <a:lnRef idx="2">
+            <a:schemeClr val="accent1">
+              <a:shade val="15000"/>
+            </a:schemeClr>
+          </a:lnRef>
+          <a:fillRef idx="1">
+            <a:schemeClr val="accent1"/>
+          </a:fillRef>
+          <a:effectRef idx="0">
+            <a:schemeClr val="accent1"/>
+          </a:effectRef>
+          <a:fontRef idx="minor">
+            <a:schemeClr val="lt1"/>
+          </a:fontRef>
+        </p:style>
+        <p:txBody>
+          <a:bodyPr rtlCol="0" anchor="ctr"/>
+          <a:lstStyle/>
+          <a:p>
+            <a:pPr algn="ctr"/>
+            <a:endParaRPr lang="pt-BR" dirty="0"/>
+          </a:p>
+        </p:txBody>
+      </p:sp>
+      <p:sp>
+        <p:nvSpPr>
+          <p:cNvPr id="5" name="CaixaDeTexto 4">
+            <a:extLst>
+              <a:ext uri="{FF2B5EF4-FFF2-40B4-BE49-F238E27FC236}">
+                <a16:creationId xmlns:a16="http://schemas.microsoft.com/office/drawing/2014/main" id="{FF06475B-1A89-1C94-85D2-38037C9F81CB}"/>
+              </a:ext>
+            </a:extLst>
+          </p:cNvPr>
+          <p:cNvSpPr txBox="1"/>
+          <p:nvPr/>
+        </p:nvSpPr>
+        <p:spPr>
+          <a:xfrm>
+            <a:off x="112297" y="182706"/>
+            <a:ext cx="2884274" cy="584775"/>
+          </a:xfrm>
+          <a:prstGeom prst="rect">
+            <a:avLst/>
+          </a:prstGeom>
+          <a:noFill/>
+        </p:spPr>
+        <p:txBody>
+          <a:bodyPr wrap="square" rtlCol="0">
+            <a:spAutoFit/>
+          </a:bodyPr>
+          <a:lstStyle/>
+          <a:p>
+            <a:r>
+              <a:rPr lang="pt-BR" sz="3200" dirty="0" err="1">
+                <a:latin typeface="Bahnschrift SemiLight" panose="020B0502040204020203" pitchFamily="34" charset="0"/>
+              </a:rPr>
+              <a:t>Example</a:t>
+            </a:r>
+            <a:endParaRPr lang="pt-BR" sz="3200" dirty="0">
+              <a:latin typeface="Bahnschrift SemiLight" panose="020B0502040204020203" pitchFamily="34" charset="0"/>
+            </a:endParaRPr>
+          </a:p>
+        </p:txBody>
+      </p:sp>
+      <p:cxnSp>
+        <p:nvCxnSpPr>
+          <p:cNvPr id="10" name="Conector reto 9">
+            <a:extLst>
+              <a:ext uri="{FF2B5EF4-FFF2-40B4-BE49-F238E27FC236}">
+                <a16:creationId xmlns:a16="http://schemas.microsoft.com/office/drawing/2014/main" id="{21DD7C9B-C914-CCC5-6FB0-230AAF618ABB}"/>
+              </a:ext>
+            </a:extLst>
+          </p:cNvPr>
+          <p:cNvCxnSpPr>
+            <a:cxnSpLocks/>
+          </p:cNvCxnSpPr>
+          <p:nvPr/>
+        </p:nvCxnSpPr>
+        <p:spPr>
+          <a:xfrm>
+            <a:off x="-1" y="799565"/>
+            <a:ext cx="1977888" cy="0"/>
+          </a:xfrm>
+          <a:prstGeom prst="line">
+            <a:avLst/>
+          </a:prstGeom>
+          <a:ln/>
+        </p:spPr>
+        <p:style>
+          <a:lnRef idx="2">
+            <a:schemeClr val="dk1"/>
+          </a:lnRef>
+          <a:fillRef idx="0">
+            <a:schemeClr val="dk1"/>
+          </a:fillRef>
+          <a:effectRef idx="1">
+            <a:schemeClr val="dk1"/>
+          </a:effectRef>
+          <a:fontRef idx="minor">
+            <a:schemeClr val="tx1"/>
+          </a:fontRef>
+        </p:style>
+      </p:cxnSp>
+      <p:sp>
+        <p:nvSpPr>
+          <p:cNvPr id="2" name="CaixaDeTexto 1">
+            <a:extLst>
+              <a:ext uri="{FF2B5EF4-FFF2-40B4-BE49-F238E27FC236}">
+                <a16:creationId xmlns:a16="http://schemas.microsoft.com/office/drawing/2014/main" id="{AB1C9E28-2C58-3F74-6EF2-4A4AA380A251}"/>
+              </a:ext>
+            </a:extLst>
+          </p:cNvPr>
+          <p:cNvSpPr txBox="1"/>
+          <p:nvPr/>
+        </p:nvSpPr>
+        <p:spPr>
+          <a:xfrm>
+            <a:off x="320842" y="1058779"/>
+            <a:ext cx="5406190" cy="461665"/>
+          </a:xfrm>
+          <a:prstGeom prst="rect">
+            <a:avLst/>
+          </a:prstGeom>
+          <a:noFill/>
+        </p:spPr>
+        <p:txBody>
+          <a:bodyPr wrap="square" rtlCol="0">
+            <a:spAutoFit/>
+          </a:bodyPr>
+          <a:lstStyle/>
+          <a:p>
+            <a:r>
+              <a:rPr lang="pt-BR" sz="2400" b="1" dirty="0" err="1">
+                <a:latin typeface="Bahnschrift SemiLight" panose="020B0502040204020203" pitchFamily="34" charset="0"/>
+              </a:rPr>
+              <a:t>Decision</a:t>
+            </a:r>
+            <a:r>
+              <a:rPr lang="pt-BR" sz="2400" b="1" dirty="0">
+                <a:latin typeface="Bahnschrift SemiLight" panose="020B0502040204020203" pitchFamily="34" charset="0"/>
+              </a:rPr>
+              <a:t> </a:t>
+            </a:r>
+            <a:r>
+              <a:rPr lang="pt-BR" sz="2400" b="1" dirty="0" err="1">
+                <a:latin typeface="Bahnschrift SemiLight" panose="020B0502040204020203" pitchFamily="34" charset="0"/>
+              </a:rPr>
+              <a:t>Support</a:t>
+            </a:r>
+            <a:r>
+              <a:rPr lang="pt-BR" sz="2400" b="1" dirty="0">
+                <a:latin typeface="Bahnschrift SemiLight" panose="020B0502040204020203" pitchFamily="34" charset="0"/>
+              </a:rPr>
+              <a:t> System in a Hospital</a:t>
+            </a:r>
+          </a:p>
+        </p:txBody>
+      </p:sp>
+      <p:sp>
+        <p:nvSpPr>
+          <p:cNvPr id="3" name="CaixaDeTexto 2">
+            <a:extLst>
+              <a:ext uri="{FF2B5EF4-FFF2-40B4-BE49-F238E27FC236}">
+                <a16:creationId xmlns:a16="http://schemas.microsoft.com/office/drawing/2014/main" id="{94A23EE9-F065-1A09-BED7-620217FEEB89}"/>
+              </a:ext>
+            </a:extLst>
+          </p:cNvPr>
+          <p:cNvSpPr txBox="1"/>
+          <p:nvPr/>
+        </p:nvSpPr>
+        <p:spPr>
+          <a:xfrm>
+            <a:off x="657723" y="1957819"/>
+            <a:ext cx="10363201" cy="400110"/>
+          </a:xfrm>
+          <a:prstGeom prst="rect">
+            <a:avLst/>
+          </a:prstGeom>
+          <a:noFill/>
+        </p:spPr>
+        <p:txBody>
+          <a:bodyPr wrap="square" rtlCol="0">
+            <a:spAutoFit/>
+          </a:bodyPr>
+          <a:lstStyle/>
+          <a:p>
+            <a:r>
+              <a:rPr lang="pt-BR" sz="2000" b="1" dirty="0" err="1">
+                <a:latin typeface="Bahnschrift SemiLight" panose="020B0502040204020203" pitchFamily="34" charset="0"/>
+              </a:rPr>
+              <a:t>Context</a:t>
+            </a:r>
+            <a:r>
+              <a:rPr lang="pt-BR" sz="2000" dirty="0">
+                <a:latin typeface="Bahnschrift SemiLight" panose="020B0502040204020203" pitchFamily="34" charset="0"/>
+              </a:rPr>
+              <a:t>: </a:t>
+            </a:r>
+            <a:r>
+              <a:rPr lang="pt-BR" sz="2000" dirty="0" err="1">
+                <a:latin typeface="Bahnschrift SemiLight" panose="020B0502040204020203" pitchFamily="34" charset="0"/>
+              </a:rPr>
+              <a:t>doctors</a:t>
+            </a:r>
+            <a:r>
+              <a:rPr lang="pt-BR" sz="2000" dirty="0">
+                <a:latin typeface="Bahnschrift SemiLight" panose="020B0502040204020203" pitchFamily="34" charset="0"/>
+              </a:rPr>
+              <a:t> are </a:t>
+            </a:r>
+            <a:r>
+              <a:rPr lang="pt-BR" sz="2000" dirty="0" err="1">
+                <a:latin typeface="Bahnschrift SemiLight" panose="020B0502040204020203" pitchFamily="34" charset="0"/>
+              </a:rPr>
+              <a:t>using</a:t>
+            </a:r>
+            <a:r>
+              <a:rPr lang="pt-BR" sz="2000" dirty="0">
+                <a:latin typeface="Bahnschrift SemiLight" panose="020B0502040204020203" pitchFamily="34" charset="0"/>
+              </a:rPr>
+              <a:t> a DSS </a:t>
+            </a:r>
+            <a:r>
+              <a:rPr lang="pt-BR" sz="2000" dirty="0" err="1">
+                <a:latin typeface="Bahnschrift SemiLight" panose="020B0502040204020203" pitchFamily="34" charset="0"/>
+              </a:rPr>
+              <a:t>to</a:t>
+            </a:r>
+            <a:r>
+              <a:rPr lang="pt-BR" sz="2000" dirty="0">
+                <a:latin typeface="Bahnschrift SemiLight" panose="020B0502040204020203" pitchFamily="34" charset="0"/>
+              </a:rPr>
+              <a:t> </a:t>
+            </a:r>
+            <a:r>
+              <a:rPr lang="pt-BR" sz="2000" dirty="0" err="1">
+                <a:latin typeface="Bahnschrift SemiLight" panose="020B0502040204020203" pitchFamily="34" charset="0"/>
+              </a:rPr>
+              <a:t>select</a:t>
+            </a:r>
+            <a:r>
+              <a:rPr lang="pt-BR" sz="2000" dirty="0">
+                <a:latin typeface="Bahnschrift SemiLight" panose="020B0502040204020203" pitchFamily="34" charset="0"/>
+              </a:rPr>
+              <a:t> </a:t>
+            </a:r>
+            <a:r>
+              <a:rPr lang="pt-BR" sz="2000" dirty="0" err="1">
+                <a:latin typeface="Bahnschrift SemiLight" panose="020B0502040204020203" pitchFamily="34" charset="0"/>
+              </a:rPr>
+              <a:t>the</a:t>
+            </a:r>
+            <a:r>
+              <a:rPr lang="pt-BR" sz="2000" dirty="0">
+                <a:latin typeface="Bahnschrift SemiLight" panose="020B0502040204020203" pitchFamily="34" charset="0"/>
+              </a:rPr>
+              <a:t> </a:t>
+            </a:r>
+            <a:r>
+              <a:rPr lang="pt-BR" sz="2000" dirty="0" err="1">
+                <a:latin typeface="Bahnschrift SemiLight" panose="020B0502040204020203" pitchFamily="34" charset="0"/>
+              </a:rPr>
+              <a:t>most</a:t>
+            </a:r>
+            <a:r>
+              <a:rPr lang="pt-BR" sz="2000" dirty="0">
+                <a:latin typeface="Bahnschrift SemiLight" panose="020B0502040204020203" pitchFamily="34" charset="0"/>
+              </a:rPr>
+              <a:t> </a:t>
+            </a:r>
+            <a:r>
+              <a:rPr lang="pt-BR" sz="2000" dirty="0" err="1">
+                <a:latin typeface="Bahnschrift SemiLight" panose="020B0502040204020203" pitchFamily="34" charset="0"/>
+              </a:rPr>
+              <a:t>effective</a:t>
+            </a:r>
+            <a:r>
+              <a:rPr lang="pt-BR" sz="2000" dirty="0">
+                <a:latin typeface="Bahnschrift SemiLight" panose="020B0502040204020203" pitchFamily="34" charset="0"/>
+              </a:rPr>
+              <a:t> </a:t>
+            </a:r>
+            <a:r>
+              <a:rPr lang="pt-BR" sz="2000" dirty="0" err="1">
+                <a:latin typeface="Bahnschrift SemiLight" panose="020B0502040204020203" pitchFamily="34" charset="0"/>
+              </a:rPr>
+              <a:t>treatment</a:t>
+            </a:r>
+            <a:r>
+              <a:rPr lang="pt-BR" sz="2000" dirty="0">
+                <a:latin typeface="Bahnschrift SemiLight" panose="020B0502040204020203" pitchFamily="34" charset="0"/>
+              </a:rPr>
+              <a:t> for </a:t>
+            </a:r>
+            <a:r>
+              <a:rPr lang="pt-BR" sz="2000" dirty="0" err="1">
+                <a:latin typeface="Bahnschrift SemiLight" panose="020B0502040204020203" pitchFamily="34" charset="0"/>
+              </a:rPr>
+              <a:t>their</a:t>
+            </a:r>
+            <a:r>
+              <a:rPr lang="pt-BR" sz="2000" dirty="0">
+                <a:latin typeface="Bahnschrift SemiLight" panose="020B0502040204020203" pitchFamily="34" charset="0"/>
+              </a:rPr>
+              <a:t> </a:t>
+            </a:r>
+            <a:r>
+              <a:rPr lang="pt-BR" sz="2000" dirty="0" err="1">
+                <a:latin typeface="Bahnschrift SemiLight" panose="020B0502040204020203" pitchFamily="34" charset="0"/>
+              </a:rPr>
+              <a:t>patients</a:t>
+            </a:r>
+            <a:r>
+              <a:rPr lang="pt-BR" sz="2000" dirty="0">
+                <a:latin typeface="Bahnschrift SemiLight" panose="020B0502040204020203" pitchFamily="34" charset="0"/>
+              </a:rPr>
+              <a:t>.</a:t>
+            </a:r>
+          </a:p>
+        </p:txBody>
+      </p:sp>
+      <p:sp>
+        <p:nvSpPr>
+          <p:cNvPr id="6" name="CaixaDeTexto 5">
+            <a:extLst>
+              <a:ext uri="{FF2B5EF4-FFF2-40B4-BE49-F238E27FC236}">
+                <a16:creationId xmlns:a16="http://schemas.microsoft.com/office/drawing/2014/main" id="{26129EE7-AC97-4D2B-B9BF-4034DC808024}"/>
+              </a:ext>
+            </a:extLst>
+          </p:cNvPr>
+          <p:cNvSpPr txBox="1"/>
+          <p:nvPr/>
+        </p:nvSpPr>
+        <p:spPr>
+          <a:xfrm>
+            <a:off x="657724" y="2374430"/>
+            <a:ext cx="10363201" cy="707886"/>
+          </a:xfrm>
+          <a:prstGeom prst="rect">
+            <a:avLst/>
+          </a:prstGeom>
+          <a:noFill/>
+        </p:spPr>
+        <p:txBody>
+          <a:bodyPr wrap="square" rtlCol="0">
+            <a:spAutoFit/>
+          </a:bodyPr>
+          <a:lstStyle/>
+          <a:p>
+            <a:r>
+              <a:rPr lang="pt-BR" sz="2000" b="1" dirty="0" err="1">
+                <a:latin typeface="Bahnschrift SemiLight" panose="020B0502040204020203" pitchFamily="34" charset="0"/>
+              </a:rPr>
+              <a:t>Enabler</a:t>
+            </a:r>
+            <a:r>
+              <a:rPr lang="pt-BR" sz="2000" dirty="0">
+                <a:latin typeface="Bahnschrift SemiLight" panose="020B0502040204020203" pitchFamily="34" charset="0"/>
+              </a:rPr>
+              <a:t>: medical </a:t>
+            </a:r>
+            <a:r>
+              <a:rPr lang="pt-BR" sz="2000" dirty="0" err="1">
+                <a:latin typeface="Bahnschrift SemiLight" panose="020B0502040204020203" pitchFamily="34" charset="0"/>
+              </a:rPr>
+              <a:t>history</a:t>
+            </a:r>
+            <a:r>
+              <a:rPr lang="pt-BR" sz="2000" dirty="0">
+                <a:latin typeface="Bahnschrift SemiLight" panose="020B0502040204020203" pitchFamily="34" charset="0"/>
+              </a:rPr>
+              <a:t>, </a:t>
+            </a:r>
+            <a:r>
+              <a:rPr lang="pt-BR" sz="2000" dirty="0" err="1">
+                <a:latin typeface="Bahnschrift SemiLight" panose="020B0502040204020203" pitchFamily="34" charset="0"/>
+              </a:rPr>
+              <a:t>laboratory</a:t>
+            </a:r>
+            <a:r>
+              <a:rPr lang="pt-BR" sz="2000" dirty="0">
+                <a:latin typeface="Bahnschrift SemiLight" panose="020B0502040204020203" pitchFamily="34" charset="0"/>
+              </a:rPr>
+              <a:t> </a:t>
+            </a:r>
+            <a:r>
+              <a:rPr lang="pt-BR" sz="2000" dirty="0" err="1">
+                <a:latin typeface="Bahnschrift SemiLight" panose="020B0502040204020203" pitchFamily="34" charset="0"/>
+              </a:rPr>
+              <a:t>exams</a:t>
+            </a:r>
+            <a:r>
+              <a:rPr lang="pt-BR" sz="2000" dirty="0">
+                <a:latin typeface="Bahnschrift SemiLight" panose="020B0502040204020203" pitchFamily="34" charset="0"/>
+              </a:rPr>
+              <a:t> </a:t>
+            </a:r>
+            <a:r>
+              <a:rPr lang="pt-BR" sz="2000" dirty="0" err="1">
+                <a:latin typeface="Bahnschrift SemiLight" panose="020B0502040204020203" pitchFamily="34" charset="0"/>
+              </a:rPr>
+              <a:t>results</a:t>
+            </a:r>
+            <a:r>
+              <a:rPr lang="pt-BR" sz="2000" dirty="0">
+                <a:latin typeface="Bahnschrift SemiLight" panose="020B0502040204020203" pitchFamily="34" charset="0"/>
+              </a:rPr>
+              <a:t>, </a:t>
+            </a:r>
+            <a:r>
+              <a:rPr lang="pt-BR" sz="2000" dirty="0" err="1">
+                <a:latin typeface="Bahnschrift SemiLight" panose="020B0502040204020203" pitchFamily="34" charset="0"/>
+              </a:rPr>
+              <a:t>known</a:t>
+            </a:r>
+            <a:r>
+              <a:rPr lang="pt-BR" sz="2000" dirty="0">
+                <a:latin typeface="Bahnschrift SemiLight" panose="020B0502040204020203" pitchFamily="34" charset="0"/>
+              </a:rPr>
+              <a:t> </a:t>
+            </a:r>
+            <a:r>
+              <a:rPr lang="pt-BR" sz="2000" dirty="0" err="1">
+                <a:latin typeface="Bahnschrift SemiLight" panose="020B0502040204020203" pitchFamily="34" charset="0"/>
+              </a:rPr>
+              <a:t>allergies</a:t>
+            </a:r>
+            <a:r>
+              <a:rPr lang="pt-BR" sz="2000" dirty="0">
+                <a:latin typeface="Bahnschrift SemiLight" panose="020B0502040204020203" pitchFamily="34" charset="0"/>
+              </a:rPr>
+              <a:t>, </a:t>
+            </a:r>
+            <a:r>
+              <a:rPr lang="pt-BR" sz="2000" dirty="0" err="1">
+                <a:latin typeface="Bahnschrift SemiLight" panose="020B0502040204020203" pitchFamily="34" charset="0"/>
+              </a:rPr>
+              <a:t>interaction</a:t>
+            </a:r>
+            <a:r>
+              <a:rPr lang="pt-BR" sz="2000" dirty="0">
+                <a:latin typeface="Bahnschrift SemiLight" panose="020B0502040204020203" pitchFamily="34" charset="0"/>
+              </a:rPr>
+              <a:t> </a:t>
+            </a:r>
+            <a:r>
+              <a:rPr lang="pt-BR" sz="2000" dirty="0" err="1">
+                <a:latin typeface="Bahnschrift SemiLight" panose="020B0502040204020203" pitchFamily="34" charset="0"/>
+              </a:rPr>
+              <a:t>with</a:t>
+            </a:r>
+            <a:r>
+              <a:rPr lang="pt-BR" sz="2000" dirty="0">
+                <a:latin typeface="Bahnschrift SemiLight" panose="020B0502040204020203" pitchFamily="34" charset="0"/>
+              </a:rPr>
+              <a:t> some medicines.</a:t>
+            </a:r>
+          </a:p>
+        </p:txBody>
+      </p:sp>
+      <p:sp>
+        <p:nvSpPr>
+          <p:cNvPr id="9" name="CaixaDeTexto 8">
+            <a:extLst>
+              <a:ext uri="{FF2B5EF4-FFF2-40B4-BE49-F238E27FC236}">
+                <a16:creationId xmlns:a16="http://schemas.microsoft.com/office/drawing/2014/main" id="{DB8814A0-F13C-926D-7AD5-A398440F6626}"/>
+              </a:ext>
+            </a:extLst>
+          </p:cNvPr>
+          <p:cNvSpPr txBox="1"/>
+          <p:nvPr/>
+        </p:nvSpPr>
+        <p:spPr>
+          <a:xfrm>
+            <a:off x="657725" y="3409982"/>
+            <a:ext cx="10363201" cy="1015663"/>
+          </a:xfrm>
+          <a:prstGeom prst="rect">
+            <a:avLst/>
+          </a:prstGeom>
+          <a:noFill/>
+        </p:spPr>
+        <p:txBody>
+          <a:bodyPr wrap="square" rtlCol="0">
+            <a:spAutoFit/>
+          </a:bodyPr>
+          <a:lstStyle/>
+          <a:p>
+            <a:r>
+              <a:rPr lang="pt-BR" sz="2000" b="1" dirty="0">
+                <a:latin typeface="Bahnschrift SemiLight" panose="020B0502040204020203" pitchFamily="34" charset="0"/>
+              </a:rPr>
+              <a:t>For </a:t>
+            </a:r>
+            <a:r>
+              <a:rPr lang="pt-BR" sz="2000" b="1" dirty="0" err="1">
+                <a:latin typeface="Bahnschrift SemiLight" panose="020B0502040204020203" pitchFamily="34" charset="0"/>
+              </a:rPr>
+              <a:t>professionals</a:t>
+            </a:r>
+            <a:r>
+              <a:rPr lang="pt-BR" sz="2000" b="1" dirty="0">
+                <a:latin typeface="Bahnschrift SemiLight" panose="020B0502040204020203" pitchFamily="34" charset="0"/>
+              </a:rPr>
+              <a:t> </a:t>
+            </a:r>
+            <a:r>
+              <a:rPr lang="pt-BR" sz="2000" b="1" dirty="0" err="1">
+                <a:latin typeface="Bahnschrift SemiLight" panose="020B0502040204020203" pitchFamily="34" charset="0"/>
+              </a:rPr>
+              <a:t>to</a:t>
+            </a:r>
+            <a:r>
+              <a:rPr lang="pt-BR" sz="2000" b="1" dirty="0">
+                <a:latin typeface="Bahnschrift SemiLight" panose="020B0502040204020203" pitchFamily="34" charset="0"/>
+              </a:rPr>
+              <a:t> </a:t>
+            </a:r>
+            <a:r>
+              <a:rPr lang="pt-BR" sz="2000" b="1" dirty="0" err="1">
+                <a:latin typeface="Bahnschrift SemiLight" panose="020B0502040204020203" pitchFamily="34" charset="0"/>
+              </a:rPr>
+              <a:t>offer</a:t>
+            </a:r>
+            <a:r>
+              <a:rPr lang="pt-BR" sz="2000" b="1" dirty="0">
+                <a:latin typeface="Bahnschrift SemiLight" panose="020B0502040204020203" pitchFamily="34" charset="0"/>
+              </a:rPr>
+              <a:t> </a:t>
+            </a:r>
+            <a:r>
+              <a:rPr lang="pt-BR" sz="2000" b="1" dirty="0" err="1">
+                <a:latin typeface="Bahnschrift SemiLight" panose="020B0502040204020203" pitchFamily="34" charset="0"/>
+              </a:rPr>
+              <a:t>the</a:t>
+            </a:r>
+            <a:r>
+              <a:rPr lang="pt-BR" sz="2000" b="1" dirty="0">
+                <a:latin typeface="Bahnschrift SemiLight" panose="020B0502040204020203" pitchFamily="34" charset="0"/>
+              </a:rPr>
+              <a:t> </a:t>
+            </a:r>
+            <a:r>
+              <a:rPr lang="pt-BR" sz="2000" b="1" dirty="0" err="1">
+                <a:latin typeface="Bahnschrift SemiLight" panose="020B0502040204020203" pitchFamily="34" charset="0"/>
+              </a:rPr>
+              <a:t>best</a:t>
+            </a:r>
+            <a:r>
+              <a:rPr lang="pt-BR" sz="2000" b="1" dirty="0">
+                <a:latin typeface="Bahnschrift SemiLight" panose="020B0502040204020203" pitchFamily="34" charset="0"/>
+              </a:rPr>
+              <a:t> </a:t>
+            </a:r>
+            <a:r>
+              <a:rPr lang="pt-BR" sz="2000" b="1" dirty="0" err="1">
+                <a:latin typeface="Bahnschrift SemiLight" panose="020B0502040204020203" pitchFamily="34" charset="0"/>
+              </a:rPr>
+              <a:t>treatment</a:t>
+            </a:r>
+            <a:r>
+              <a:rPr lang="pt-BR" sz="2000" b="1" dirty="0">
+                <a:latin typeface="Bahnschrift SemiLight" panose="020B0502040204020203" pitchFamily="34" charset="0"/>
+              </a:rPr>
+              <a:t> for </a:t>
+            </a:r>
+            <a:r>
+              <a:rPr lang="pt-BR" sz="2000" b="1" dirty="0" err="1">
+                <a:latin typeface="Bahnschrift SemiLight" panose="020B0502040204020203" pitchFamily="34" charset="0"/>
+              </a:rPr>
+              <a:t>each</a:t>
+            </a:r>
+            <a:r>
+              <a:rPr lang="pt-BR" sz="2000" b="1" dirty="0">
+                <a:latin typeface="Bahnschrift SemiLight" panose="020B0502040204020203" pitchFamily="34" charset="0"/>
+              </a:rPr>
+              <a:t> </a:t>
+            </a:r>
+            <a:r>
+              <a:rPr lang="pt-BR" sz="2000" b="1" dirty="0" err="1">
+                <a:latin typeface="Bahnschrift SemiLight" panose="020B0502040204020203" pitchFamily="34" charset="0"/>
+              </a:rPr>
+              <a:t>patient</a:t>
+            </a:r>
+            <a:r>
+              <a:rPr lang="pt-BR" sz="2000" b="1" dirty="0">
+                <a:latin typeface="Bahnschrift SemiLight" panose="020B0502040204020203" pitchFamily="34" charset="0"/>
+              </a:rPr>
+              <a:t> </a:t>
+            </a:r>
+            <a:r>
+              <a:rPr lang="pt-BR" sz="2000" b="1" dirty="0" err="1">
+                <a:latin typeface="Bahnschrift SemiLight" panose="020B0502040204020203" pitchFamily="34" charset="0"/>
+              </a:rPr>
+              <a:t>on</a:t>
+            </a:r>
+            <a:r>
+              <a:rPr lang="pt-BR" sz="2000" b="1" dirty="0">
+                <a:latin typeface="Bahnschrift SemiLight" panose="020B0502040204020203" pitchFamily="34" charset="0"/>
+              </a:rPr>
+              <a:t> a fast </a:t>
+            </a:r>
+            <a:r>
+              <a:rPr lang="pt-BR" sz="2000" b="1" dirty="0" err="1">
+                <a:latin typeface="Bahnschrift SemiLight" panose="020B0502040204020203" pitchFamily="34" charset="0"/>
+              </a:rPr>
+              <a:t>and</a:t>
+            </a:r>
+            <a:r>
+              <a:rPr lang="pt-BR" sz="2000" b="1" dirty="0">
+                <a:latin typeface="Bahnschrift SemiLight" panose="020B0502040204020203" pitchFamily="34" charset="0"/>
+              </a:rPr>
+              <a:t> </a:t>
+            </a:r>
+            <a:r>
+              <a:rPr lang="pt-BR" sz="2000" b="1" dirty="0" err="1">
+                <a:latin typeface="Bahnschrift SemiLight" panose="020B0502040204020203" pitchFamily="34" charset="0"/>
+              </a:rPr>
+              <a:t>efficient</a:t>
+            </a:r>
+            <a:r>
+              <a:rPr lang="pt-BR" sz="2000" b="1" dirty="0">
+                <a:latin typeface="Bahnschrift SemiLight" panose="020B0502040204020203" pitchFamily="34" charset="0"/>
+              </a:rPr>
+              <a:t> </a:t>
+            </a:r>
+            <a:r>
+              <a:rPr lang="pt-BR" sz="2000" b="1" dirty="0" err="1">
+                <a:latin typeface="Bahnschrift SemiLight" panose="020B0502040204020203" pitchFamily="34" charset="0"/>
+              </a:rPr>
+              <a:t>way</a:t>
+            </a:r>
+            <a:r>
+              <a:rPr lang="pt-BR" sz="2000" b="1" dirty="0">
+                <a:latin typeface="Bahnschrift SemiLight" panose="020B0502040204020203" pitchFamily="34" charset="0"/>
+              </a:rPr>
+              <a:t>, </a:t>
+            </a:r>
+            <a:r>
+              <a:rPr lang="pt-BR" sz="2000" b="1" dirty="0" err="1">
+                <a:latin typeface="Bahnschrift SemiLight" panose="020B0502040204020203" pitchFamily="34" charset="0"/>
+              </a:rPr>
+              <a:t>these</a:t>
+            </a:r>
+            <a:r>
+              <a:rPr lang="pt-BR" sz="2000" b="1" dirty="0">
+                <a:latin typeface="Bahnschrift SemiLight" panose="020B0502040204020203" pitchFamily="34" charset="0"/>
+              </a:rPr>
+              <a:t> </a:t>
+            </a:r>
+            <a:r>
+              <a:rPr lang="pt-BR" sz="2000" b="1" dirty="0" err="1">
+                <a:latin typeface="Bahnschrift SemiLight" panose="020B0502040204020203" pitchFamily="34" charset="0"/>
+              </a:rPr>
+              <a:t>informations</a:t>
+            </a:r>
+            <a:r>
+              <a:rPr lang="pt-BR" sz="2000" b="1" dirty="0">
+                <a:latin typeface="Bahnschrift SemiLight" panose="020B0502040204020203" pitchFamily="34" charset="0"/>
+              </a:rPr>
+              <a:t> must </a:t>
+            </a:r>
+            <a:r>
+              <a:rPr lang="pt-BR" sz="2000" b="1" dirty="0" err="1">
+                <a:latin typeface="Bahnschrift SemiLight" panose="020B0502040204020203" pitchFamily="34" charset="0"/>
+              </a:rPr>
+              <a:t>be</a:t>
+            </a:r>
+            <a:r>
+              <a:rPr lang="pt-BR" sz="2000" b="1" dirty="0">
+                <a:latin typeface="Bahnschrift SemiLight" panose="020B0502040204020203" pitchFamily="34" charset="0"/>
+              </a:rPr>
+              <a:t> </a:t>
+            </a:r>
+            <a:r>
+              <a:rPr lang="pt-BR" sz="2000" b="1" dirty="0" err="1">
+                <a:latin typeface="Bahnschrift SemiLight" panose="020B0502040204020203" pitchFamily="34" charset="0"/>
+              </a:rPr>
+              <a:t>accessible</a:t>
+            </a:r>
+            <a:r>
+              <a:rPr lang="pt-BR" sz="2000" b="1" dirty="0">
+                <a:latin typeface="Bahnschrift SemiLight" panose="020B0502040204020203" pitchFamily="34" charset="0"/>
+              </a:rPr>
+              <a:t> </a:t>
+            </a:r>
+            <a:r>
+              <a:rPr lang="pt-BR" sz="2000" b="1" dirty="0" err="1">
+                <a:latin typeface="Bahnschrift SemiLight" panose="020B0502040204020203" pitchFamily="34" charset="0"/>
+              </a:rPr>
+              <a:t>and</a:t>
+            </a:r>
+            <a:r>
+              <a:rPr lang="pt-BR" sz="2000" b="1" dirty="0">
+                <a:latin typeface="Bahnschrift SemiLight" panose="020B0502040204020203" pitchFamily="34" charset="0"/>
+              </a:rPr>
+              <a:t> </a:t>
+            </a:r>
+            <a:r>
+              <a:rPr lang="pt-BR" sz="2000" b="1" dirty="0" err="1">
+                <a:latin typeface="Bahnschrift SemiLight" panose="020B0502040204020203" pitchFamily="34" charset="0"/>
+              </a:rPr>
+              <a:t>organized</a:t>
+            </a:r>
+            <a:r>
+              <a:rPr lang="pt-BR" sz="2000" b="1" dirty="0">
+                <a:latin typeface="Bahnschrift SemiLight" panose="020B0502040204020203" pitchFamily="34" charset="0"/>
+              </a:rPr>
+              <a:t> </a:t>
+            </a:r>
+            <a:r>
+              <a:rPr lang="pt-BR" sz="2000" b="1" dirty="0" err="1">
+                <a:latin typeface="Bahnschrift SemiLight" panose="020B0502040204020203" pitchFamily="34" charset="0"/>
+              </a:rPr>
+              <a:t>and</a:t>
+            </a:r>
+            <a:r>
+              <a:rPr lang="pt-BR" sz="2000" b="1" dirty="0">
+                <a:latin typeface="Bahnschrift SemiLight" panose="020B0502040204020203" pitchFamily="34" charset="0"/>
+              </a:rPr>
+              <a:t> </a:t>
+            </a:r>
+            <a:r>
+              <a:rPr lang="pt-BR" sz="2000" b="1" dirty="0" err="1">
+                <a:latin typeface="Bahnschrift SemiLight" panose="020B0502040204020203" pitchFamily="34" charset="0"/>
+              </a:rPr>
+              <a:t>resulting</a:t>
+            </a:r>
+            <a:r>
+              <a:rPr lang="pt-BR" sz="2000" b="1" dirty="0">
+                <a:latin typeface="Bahnschrift SemiLight" panose="020B0502040204020203" pitchFamily="34" charset="0"/>
+              </a:rPr>
+              <a:t> in a </a:t>
+            </a:r>
+            <a:r>
+              <a:rPr lang="pt-BR" sz="2000" b="1" dirty="0" err="1">
+                <a:latin typeface="Bahnschrift SemiLight" panose="020B0502040204020203" pitchFamily="34" charset="0"/>
+              </a:rPr>
+              <a:t>better</a:t>
+            </a:r>
+            <a:r>
+              <a:rPr lang="pt-BR" sz="2000" b="1" dirty="0">
+                <a:latin typeface="Bahnschrift SemiLight" panose="020B0502040204020203" pitchFamily="34" charset="0"/>
+              </a:rPr>
+              <a:t> </a:t>
+            </a:r>
+            <a:r>
+              <a:rPr lang="pt-BR" sz="2000" b="1" dirty="0" err="1">
+                <a:latin typeface="Bahnschrift SemiLight" panose="020B0502040204020203" pitchFamily="34" charset="0"/>
+              </a:rPr>
+              <a:t>care</a:t>
+            </a:r>
+            <a:r>
+              <a:rPr lang="pt-BR" sz="2000" b="1" dirty="0">
+                <a:latin typeface="Bahnschrift SemiLight" panose="020B0502040204020203" pitchFamily="34" charset="0"/>
+              </a:rPr>
+              <a:t> </a:t>
+            </a:r>
+            <a:r>
+              <a:rPr lang="pt-BR" sz="2000" b="1" dirty="0" err="1">
+                <a:latin typeface="Bahnschrift SemiLight" panose="020B0502040204020203" pitchFamily="34" charset="0"/>
+              </a:rPr>
+              <a:t>quality</a:t>
+            </a:r>
+            <a:r>
+              <a:rPr lang="pt-BR" sz="2000" b="1" dirty="0">
+                <a:latin typeface="Bahnschrift SemiLight" panose="020B0502040204020203" pitchFamily="34" charset="0"/>
+              </a:rPr>
+              <a:t> </a:t>
+            </a:r>
+            <a:r>
+              <a:rPr lang="pt-BR" sz="2000" b="1" dirty="0" err="1">
+                <a:latin typeface="Bahnschrift SemiLight" panose="020B0502040204020203" pitchFamily="34" charset="0"/>
+              </a:rPr>
+              <a:t>and</a:t>
+            </a:r>
+            <a:r>
+              <a:rPr lang="pt-BR" sz="2000" b="1" dirty="0">
+                <a:latin typeface="Bahnschrift SemiLight" panose="020B0502040204020203" pitchFamily="34" charset="0"/>
+              </a:rPr>
+              <a:t> </a:t>
+            </a:r>
+            <a:r>
+              <a:rPr lang="pt-BR" sz="2000" b="1" dirty="0" err="1">
+                <a:latin typeface="Bahnschrift SemiLight" panose="020B0502040204020203" pitchFamily="34" charset="0"/>
+              </a:rPr>
+              <a:t>clinical</a:t>
+            </a:r>
+            <a:r>
+              <a:rPr lang="pt-BR" sz="2000" b="1" dirty="0">
+                <a:latin typeface="Bahnschrift SemiLight" panose="020B0502040204020203" pitchFamily="34" charset="0"/>
+              </a:rPr>
+              <a:t> </a:t>
+            </a:r>
+            <a:r>
+              <a:rPr lang="pt-BR" sz="2000" b="1" dirty="0" err="1">
+                <a:latin typeface="Bahnschrift SemiLight" panose="020B0502040204020203" pitchFamily="34" charset="0"/>
+              </a:rPr>
+              <a:t>results</a:t>
+            </a:r>
+            <a:r>
+              <a:rPr lang="pt-BR" sz="2000" b="1" dirty="0">
+                <a:latin typeface="Bahnschrift SemiLight" panose="020B0502040204020203" pitchFamily="34" charset="0"/>
+              </a:rPr>
+              <a:t>. </a:t>
+            </a:r>
+            <a:endParaRPr lang="pt-BR" sz="2000" dirty="0">
+              <a:latin typeface="Bahnschrift SemiLight" panose="020B0502040204020203" pitchFamily="34" charset="0"/>
+            </a:endParaRPr>
+          </a:p>
+        </p:txBody>
+      </p:sp>
+    </p:spTree>
+    <p:extLst>
+      <p:ext uri="{BB962C8B-B14F-4D97-AF65-F5344CB8AC3E}">
+        <p14:creationId xmlns:p14="http://schemas.microsoft.com/office/powerpoint/2010/main" val="1448053748"/>
+      </p:ext>
+    </p:extLst>
+  </p:cSld>
+  <p:clrMapOvr>
+    <a:masterClrMapping/>
+  </p:clrMapOvr>
+  <mc:AlternateContent xmlns:mc="http://schemas.openxmlformats.org/markup-compatibility/2006" xmlns:p159="http://schemas.microsoft.com/office/powerpoint/2015/09/main">
+    <mc:Choice Requires="p159">
+      <p:transition xmlns:p14="http://schemas.microsoft.com/office/powerpoint/2010/main" spd="slow" p14:dur="2000">
+        <p159:morph option="byObject"/>
+      </p:transition>
+    </mc:Choice>
+    <mc:Fallback xmlns="">
+      <p:transition spd="slow">
+        <p:fade/>
+      </p:transition>
+    </mc:Fallback>
+  </mc:AlternateContent>
+  <p:timing>
+    <p:tnLst>
+      <p:par>
+        <p:cTn id="1" dur="indefinite" restart="never" nodeType="tmRoot">
+          <p:childTnLst>
+            <p:seq concurrent="1" nextAc="seek">
+              <p:cTn id="2" dur="indefinite" nodeType="mainSeq">
+                <p:childTnLst>
+                  <p:par>
+                    <p:cTn id="3" fill="hold">
+                      <p:stCondLst>
+                        <p:cond delay="indefinite"/>
+                      </p:stCondLst>
+                      <p:childTnLst>
+                        <p:par>
+                          <p:cTn id="4" fill="hold">
+                            <p:stCondLst>
+                              <p:cond delay="0"/>
+                            </p:stCondLst>
+                            <p:childTnLst>
+                              <p:par>
+                                <p:cTn id="5" presetID="10" presetClass="entr" presetSubtype="0" fill="hold" grpId="0" nodeType="clickEffect">
+                                  <p:stCondLst>
+                                    <p:cond delay="0"/>
+                                  </p:stCondLst>
+                                  <p:childTnLst>
+                                    <p:set>
+                                      <p:cBhvr>
+                                        <p:cTn id="6" dur="1" fill="hold">
+                                          <p:stCondLst>
+                                            <p:cond delay="0"/>
+                                          </p:stCondLst>
+                                        </p:cTn>
+                                        <p:tgtEl>
+                                          <p:spTgt spid="2"/>
+                                        </p:tgtEl>
+                                        <p:attrNameLst>
+                                          <p:attrName>style.visibility</p:attrName>
+                                        </p:attrNameLst>
+                                      </p:cBhvr>
+                                      <p:to>
+                                        <p:strVal val="visible"/>
+                                      </p:to>
+                                    </p:set>
+                                    <p:animEffect transition="in" filter="fade">
+                                      <p:cBhvr>
+                                        <p:cTn id="7" dur="500"/>
+                                        <p:tgtEl>
+                                          <p:spTgt spid="2"/>
+                                        </p:tgtEl>
+                                      </p:cBhvr>
+                                    </p:animEffect>
+                                  </p:childTnLst>
+                                </p:cTn>
+                              </p:par>
+                            </p:childTnLst>
+                          </p:cTn>
+                        </p:par>
+                      </p:childTnLst>
+                    </p:cTn>
+                  </p:par>
+                  <p:par>
+                    <p:cTn id="8" fill="hold">
+                      <p:stCondLst>
+                        <p:cond delay="indefinite"/>
+                      </p:stCondLst>
+                      <p:childTnLst>
+                        <p:par>
+                          <p:cTn id="9" fill="hold">
+                            <p:stCondLst>
+                              <p:cond delay="0"/>
+                            </p:stCondLst>
+                            <p:childTnLst>
+                              <p:par>
+                                <p:cTn id="10" presetID="10" presetClass="entr" presetSubtype="0" fill="hold" grpId="0" nodeType="clickEffect">
+                                  <p:stCondLst>
+                                    <p:cond delay="0"/>
+                                  </p:stCondLst>
+                                  <p:childTnLst>
+                                    <p:set>
+                                      <p:cBhvr>
+                                        <p:cTn id="11" dur="1" fill="hold">
+                                          <p:stCondLst>
+                                            <p:cond delay="0"/>
+                                          </p:stCondLst>
+                                        </p:cTn>
+                                        <p:tgtEl>
+                                          <p:spTgt spid="3"/>
+                                        </p:tgtEl>
+                                        <p:attrNameLst>
+                                          <p:attrName>style.visibility</p:attrName>
+                                        </p:attrNameLst>
+                                      </p:cBhvr>
+                                      <p:to>
+                                        <p:strVal val="visible"/>
+                                      </p:to>
+                                    </p:set>
+                                    <p:animEffect transition="in" filter="fade">
+                                      <p:cBhvr>
+                                        <p:cTn id="12" dur="500"/>
+                                        <p:tgtEl>
+                                          <p:spTgt spid="3"/>
+                                        </p:tgtEl>
+                                      </p:cBhvr>
+                                    </p:animEffect>
+                                  </p:childTnLst>
+                                </p:cTn>
+                              </p:par>
+                            </p:childTnLst>
+                          </p:cTn>
+                        </p:par>
+                      </p:childTnLst>
+                    </p:cTn>
+                  </p:par>
+                  <p:par>
+                    <p:cTn id="13" fill="hold">
+                      <p:stCondLst>
+                        <p:cond delay="indefinite"/>
+                      </p:stCondLst>
+                      <p:childTnLst>
+                        <p:par>
+                          <p:cTn id="14" fill="hold">
+                            <p:stCondLst>
+                              <p:cond delay="0"/>
+                            </p:stCondLst>
+                            <p:childTnLst>
+                              <p:par>
+                                <p:cTn id="15" presetID="10" presetClass="entr" presetSubtype="0" fill="hold" grpId="0" nodeType="clickEffect">
+                                  <p:stCondLst>
+                                    <p:cond delay="0"/>
+                                  </p:stCondLst>
+                                  <p:childTnLst>
+                                    <p:set>
+                                      <p:cBhvr>
+                                        <p:cTn id="16" dur="1" fill="hold">
+                                          <p:stCondLst>
+                                            <p:cond delay="0"/>
+                                          </p:stCondLst>
+                                        </p:cTn>
+                                        <p:tgtEl>
+                                          <p:spTgt spid="6"/>
+                                        </p:tgtEl>
+                                        <p:attrNameLst>
+                                          <p:attrName>style.visibility</p:attrName>
+                                        </p:attrNameLst>
+                                      </p:cBhvr>
+                                      <p:to>
+                                        <p:strVal val="visible"/>
+                                      </p:to>
+                                    </p:set>
+                                    <p:animEffect transition="in" filter="fade">
+                                      <p:cBhvr>
+                                        <p:cTn id="17" dur="500"/>
+                                        <p:tgtEl>
+                                          <p:spTgt spid="6"/>
+                                        </p:tgtEl>
+                                      </p:cBhvr>
+                                    </p:animEffect>
+                                  </p:childTnLst>
+                                </p:cTn>
+                              </p:par>
+                            </p:childTnLst>
+                          </p:cTn>
+                        </p:par>
+                      </p:childTnLst>
+                    </p:cTn>
+                  </p:par>
+                  <p:par>
+                    <p:cTn id="18" fill="hold">
+                      <p:stCondLst>
+                        <p:cond delay="indefinite"/>
+                      </p:stCondLst>
+                      <p:childTnLst>
+                        <p:par>
+                          <p:cTn id="19" fill="hold">
+                            <p:stCondLst>
+                              <p:cond delay="0"/>
+                            </p:stCondLst>
+                            <p:childTnLst>
+                              <p:par>
+                                <p:cTn id="20" presetID="10" presetClass="entr" presetSubtype="0" fill="hold" grpId="0" nodeType="clickEffect">
+                                  <p:stCondLst>
+                                    <p:cond delay="0"/>
+                                  </p:stCondLst>
+                                  <p:childTnLst>
+                                    <p:set>
+                                      <p:cBhvr>
+                                        <p:cTn id="21" dur="1" fill="hold">
+                                          <p:stCondLst>
+                                            <p:cond delay="0"/>
+                                          </p:stCondLst>
+                                        </p:cTn>
+                                        <p:tgtEl>
+                                          <p:spTgt spid="9"/>
+                                        </p:tgtEl>
+                                        <p:attrNameLst>
+                                          <p:attrName>style.visibility</p:attrName>
+                                        </p:attrNameLst>
+                                      </p:cBhvr>
+                                      <p:to>
+                                        <p:strVal val="visible"/>
+                                      </p:to>
+                                    </p:set>
+                                    <p:animEffect transition="in" filter="fade">
+                                      <p:cBhvr>
+                                        <p:cTn id="22" dur="500"/>
+                                        <p:tgtEl>
+                                          <p:spTgt spid="9"/>
+                                        </p:tgtEl>
+                                      </p:cBhvr>
+                                    </p:animEffect>
+                                  </p:childTnLst>
+                                </p:cTn>
+                              </p:par>
+                            </p:childTnLst>
+                          </p:cTn>
+                        </p:par>
+                      </p:childTnLst>
+                    </p:cTn>
+                  </p:par>
+                </p:childTnLst>
+              </p:cTn>
+              <p:prevCondLst>
+                <p:cond evt="onPrev" delay="0">
+                  <p:tgtEl>
+                    <p:sldTgt/>
+                  </p:tgtEl>
+                </p:cond>
+              </p:prevCondLst>
+              <p:nextCondLst>
+                <p:cond evt="onNext" delay="0">
+                  <p:tgtEl>
+                    <p:sldTgt/>
+                  </p:tgtEl>
+                </p:cond>
+              </p:nextCondLst>
+            </p:seq>
+          </p:childTnLst>
+        </p:cTn>
+      </p:par>
+    </p:tnLst>
+    <p:bldLst>
+      <p:bldP spid="2" grpId="0"/>
+      <p:bldP spid="3" grpId="0"/>
+      <p:bldP spid="6" grpId="0"/>
+      <p:bldP spid="9" grpId="0"/>
+    </p:bldLst>
+  </p:timing>
+</p:sld>
+</file>
+
+<file path=ppt/slides/slide9.xml><?xml version="1.0" encoding="utf-8"?>
+<p:sld xmlns:a="http://schemas.openxmlformats.org/drawingml/2006/main" xmlns:r="http://schemas.openxmlformats.org/officeDocument/2006/relationships" xmlns:p="http://schemas.openxmlformats.org/presentationml/2006/main">
+  <p:cSld>
+    <p:spTree>
+      <p:nvGrpSpPr>
+        <p:cNvPr id="1" name=""/>
+        <p:cNvGrpSpPr/>
+        <p:nvPr/>
+      </p:nvGrpSpPr>
+      <p:grpSpPr>
+        <a:xfrm>
+          <a:off x="0" y="0"/>
+          <a:ext cx="0" cy="0"/>
+          <a:chOff x="0" y="0"/>
+          <a:chExt cx="0" cy="0"/>
+        </a:xfrm>
+      </p:grpSpPr>
+      <p:sp>
+        <p:nvSpPr>
+          <p:cNvPr id="4" name="Rectangle 3">
+            <a:extLst>
+              <a:ext uri="{FF2B5EF4-FFF2-40B4-BE49-F238E27FC236}">
+                <a16:creationId xmlns:a16="http://schemas.microsoft.com/office/drawing/2014/main" id="{2A13B32D-2450-280F-ECCA-79D7D39A949A}"/>
+              </a:ext>
+            </a:extLst>
+          </p:cNvPr>
+          <p:cNvSpPr/>
+          <p:nvPr/>
+        </p:nvSpPr>
+        <p:spPr>
+          <a:xfrm>
+            <a:off x="-1" y="0"/>
+            <a:ext cx="12192000" cy="6858000"/>
+          </a:xfrm>
+          <a:prstGeom prst="rect">
+            <a:avLst/>
+          </a:prstGeom>
+          <a:solidFill>
+            <a:srgbClr val="121517"/>
+          </a:solidFill>
+          <a:ln>
+            <a:noFill/>
+          </a:ln>
+        </p:spPr>
+        <p:style>
+          <a:lnRef idx="2">
+            <a:schemeClr val="accent1">
+              <a:shade val="15000"/>
+            </a:schemeClr>
+          </a:lnRef>
+          <a:fillRef idx="1">
+            <a:schemeClr val="accent1"/>
+          </a:fillRef>
+          <a:effectRef idx="0">
+            <a:schemeClr val="accent1"/>
+          </a:effectRef>
+          <a:fontRef idx="minor">
+            <a:schemeClr val="lt1"/>
+          </a:fontRef>
+        </p:style>
+        <p:txBody>
+          <a:bodyPr rtlCol="0" anchor="ctr"/>
+          <a:lstStyle/>
+          <a:p>
+            <a:pPr algn="ctr"/>
+            <a:endParaRPr lang="pt-BR" dirty="0"/>
+          </a:p>
+        </p:txBody>
+      </p:sp>
+      <p:sp>
+        <p:nvSpPr>
+          <p:cNvPr id="5" name="Title 1">
+            <a:extLst>
+              <a:ext uri="{FF2B5EF4-FFF2-40B4-BE49-F238E27FC236}">
+                <a16:creationId xmlns:a16="http://schemas.microsoft.com/office/drawing/2014/main" id="{87FDC614-472C-7C86-66DF-9E24B6E60B0F}"/>
+              </a:ext>
+            </a:extLst>
+          </p:cNvPr>
+          <p:cNvSpPr txBox="1">
+            <a:spLocks/>
+          </p:cNvSpPr>
+          <p:nvPr/>
+        </p:nvSpPr>
+        <p:spPr>
+          <a:xfrm>
+            <a:off x="1524000" y="2604257"/>
+            <a:ext cx="9144000" cy="1096547"/>
+          </a:xfrm>
+          <a:prstGeom prst="rect">
+            <a:avLst/>
+          </a:prstGeom>
+        </p:spPr>
+        <p:txBody>
+          <a:bodyPr vert="horz" lIns="91440" tIns="45720" rIns="91440" bIns="45720" rtlCol="0" anchor="b">
+            <a:normAutofit/>
+          </a:bodyPr>
+          <a:lstStyle>
+            <a:lvl1pPr algn="ctr" defTabSz="914400" rtl="0" eaLnBrk="1" latinLnBrk="0" hangingPunct="1">
+              <a:lnSpc>
+                <a:spcPct val="90000"/>
+              </a:lnSpc>
+              <a:spcBef>
+                <a:spcPct val="0"/>
+              </a:spcBef>
+              <a:buNone/>
+              <a:defRPr sz="6000" kern="1200">
+                <a:solidFill>
+                  <a:schemeClr val="tx1"/>
+                </a:solidFill>
+                <a:latin typeface="+mj-lt"/>
+                <a:ea typeface="+mj-ea"/>
+                <a:cs typeface="+mj-cs"/>
+              </a:defRPr>
+            </a:lvl1pPr>
+          </a:lstStyle>
+          <a:p>
+            <a:endParaRPr lang="pt-BR" sz="6600" b="1" dirty="0">
+              <a:latin typeface="Bahnschrift SemiLight" panose="020B0502040204020203" pitchFamily="34" charset="0"/>
+            </a:endParaRPr>
+          </a:p>
+        </p:txBody>
+      </p:sp>
+      <p:sp>
+        <p:nvSpPr>
+          <p:cNvPr id="8" name="CaixaDeTexto 7">
+            <a:extLst>
+              <a:ext uri="{FF2B5EF4-FFF2-40B4-BE49-F238E27FC236}">
+                <a16:creationId xmlns:a16="http://schemas.microsoft.com/office/drawing/2014/main" id="{600D0467-01F4-FB32-100C-191C3D348D1C}"/>
+              </a:ext>
+            </a:extLst>
+          </p:cNvPr>
+          <p:cNvSpPr txBox="1"/>
+          <p:nvPr/>
+        </p:nvSpPr>
+        <p:spPr>
+          <a:xfrm>
+            <a:off x="112296" y="-731694"/>
+            <a:ext cx="6978315" cy="584775"/>
+          </a:xfrm>
+          <a:prstGeom prst="rect">
+            <a:avLst/>
+          </a:prstGeom>
+          <a:noFill/>
+        </p:spPr>
+        <p:txBody>
+          <a:bodyPr wrap="square" rtlCol="0">
+            <a:spAutoFit/>
+          </a:bodyPr>
+          <a:lstStyle/>
+          <a:p>
+            <a:r>
+              <a:rPr lang="pt-BR" sz="3200" dirty="0">
+                <a:latin typeface="Bahnschrift SemiLight" panose="020B0502040204020203" pitchFamily="34" charset="0"/>
+              </a:rPr>
+              <a:t>The </a:t>
+            </a:r>
+            <a:r>
+              <a:rPr lang="pt-BR" sz="3200" dirty="0" err="1">
+                <a:latin typeface="Bahnschrift SemiLight" panose="020B0502040204020203" pitchFamily="34" charset="0"/>
+              </a:rPr>
+              <a:t>Information</a:t>
+            </a:r>
+            <a:r>
+              <a:rPr lang="pt-BR" sz="3200" dirty="0">
+                <a:latin typeface="Bahnschrift SemiLight" panose="020B0502040204020203" pitchFamily="34" charset="0"/>
+              </a:rPr>
+              <a:t> </a:t>
+            </a:r>
+            <a:r>
+              <a:rPr lang="pt-BR" sz="3200" dirty="0" err="1">
+                <a:latin typeface="Bahnschrift SemiLight" panose="020B0502040204020203" pitchFamily="34" charset="0"/>
+              </a:rPr>
+              <a:t>Enabler</a:t>
+            </a:r>
+            <a:endParaRPr lang="pt-BR" sz="3200" dirty="0">
+              <a:latin typeface="Bahnschrift SemiLight" panose="020B0502040204020203" pitchFamily="34" charset="0"/>
+            </a:endParaRPr>
+          </a:p>
+        </p:txBody>
+      </p:sp>
+      <p:cxnSp>
+        <p:nvCxnSpPr>
+          <p:cNvPr id="9" name="Conector reto 8">
+            <a:extLst>
+              <a:ext uri="{FF2B5EF4-FFF2-40B4-BE49-F238E27FC236}">
+                <a16:creationId xmlns:a16="http://schemas.microsoft.com/office/drawing/2014/main" id="{91F892C4-EBFF-46E7-BE63-6C5719996F6E}"/>
+              </a:ext>
+            </a:extLst>
+          </p:cNvPr>
+          <p:cNvCxnSpPr>
+            <a:cxnSpLocks/>
+          </p:cNvCxnSpPr>
+          <p:nvPr/>
+        </p:nvCxnSpPr>
+        <p:spPr>
+          <a:xfrm>
+            <a:off x="-1" y="799565"/>
+            <a:ext cx="0" cy="0"/>
+          </a:xfrm>
+          <a:prstGeom prst="line">
+            <a:avLst/>
+          </a:prstGeom>
+          <a:ln/>
+        </p:spPr>
+        <p:style>
+          <a:lnRef idx="2">
+            <a:schemeClr val="dk1"/>
+          </a:lnRef>
+          <a:fillRef idx="0">
+            <a:schemeClr val="dk1"/>
+          </a:fillRef>
+          <a:effectRef idx="1">
+            <a:schemeClr val="dk1"/>
+          </a:effectRef>
+          <a:fontRef idx="minor">
+            <a:schemeClr val="tx1"/>
+          </a:fontRef>
+        </p:style>
+      </p:cxnSp>
+      <p:sp>
+        <p:nvSpPr>
+          <p:cNvPr id="3" name="Elipse 2">
+            <a:extLst>
+              <a:ext uri="{FF2B5EF4-FFF2-40B4-BE49-F238E27FC236}">
+                <a16:creationId xmlns:a16="http://schemas.microsoft.com/office/drawing/2014/main" id="{F8E445DF-1CA8-2F16-DF4B-C8FF7B0E2852}"/>
+              </a:ext>
+            </a:extLst>
+          </p:cNvPr>
+          <p:cNvSpPr/>
+          <p:nvPr/>
+        </p:nvSpPr>
+        <p:spPr>
+          <a:xfrm>
+            <a:off x="-972749" y="3383281"/>
+            <a:ext cx="14137498" cy="45719"/>
+          </a:xfrm>
+          <a:prstGeom prst="ellipse">
+            <a:avLst/>
+          </a:prstGeom>
+          <a:solidFill>
+            <a:srgbClr val="F7F9F9"/>
+          </a:solidFill>
+          <a:ln>
+            <a:noFill/>
+          </a:ln>
+        </p:spPr>
+        <p:style>
+          <a:lnRef idx="2">
+            <a:schemeClr val="accent1">
+              <a:shade val="15000"/>
+            </a:schemeClr>
+          </a:lnRef>
+          <a:fillRef idx="1">
+            <a:schemeClr val="accent1"/>
+          </a:fillRef>
+          <a:effectRef idx="0">
+            <a:schemeClr val="accent1"/>
+          </a:effectRef>
+          <a:fontRef idx="minor">
+            <a:schemeClr val="lt1"/>
+          </a:fontRef>
+        </p:style>
+        <p:txBody>
+          <a:bodyPr rtlCol="0" anchor="ctr"/>
+          <a:lstStyle/>
+          <a:p>
+            <a:pPr algn="ctr"/>
+            <a:endParaRPr lang="pt-BR"/>
+          </a:p>
+        </p:txBody>
+      </p:sp>
+      <p:sp>
+        <p:nvSpPr>
+          <p:cNvPr id="2" name="Rectangle 3">
+            <a:extLst>
+              <a:ext uri="{FF2B5EF4-FFF2-40B4-BE49-F238E27FC236}">
+                <a16:creationId xmlns:a16="http://schemas.microsoft.com/office/drawing/2014/main" id="{8523F217-E656-3D36-EDDD-3999A6BFE581}"/>
+              </a:ext>
+            </a:extLst>
+          </p:cNvPr>
+          <p:cNvSpPr/>
+          <p:nvPr/>
+        </p:nvSpPr>
+        <p:spPr>
+          <a:xfrm>
+            <a:off x="-318055" y="3041019"/>
+            <a:ext cx="12990445" cy="659785"/>
+          </a:xfrm>
+          <a:prstGeom prst="rect">
+            <a:avLst/>
+          </a:prstGeom>
+          <a:solidFill>
+            <a:srgbClr val="121517"/>
+          </a:solidFill>
+          <a:ln>
+            <a:noFill/>
+          </a:ln>
+        </p:spPr>
+        <p:style>
+          <a:lnRef idx="2">
+            <a:schemeClr val="accent1">
+              <a:shade val="15000"/>
+            </a:schemeClr>
+          </a:lnRef>
+          <a:fillRef idx="1">
+            <a:schemeClr val="accent1"/>
+          </a:fillRef>
+          <a:effectRef idx="0">
+            <a:schemeClr val="accent1"/>
+          </a:effectRef>
+          <a:fontRef idx="minor">
+            <a:schemeClr val="lt1"/>
+          </a:fontRef>
+        </p:style>
+        <p:txBody>
+          <a:bodyPr rtlCol="0" anchor="ctr"/>
+          <a:lstStyle/>
+          <a:p>
+            <a:pPr algn="ctr"/>
+            <a:endParaRPr lang="pt-BR" dirty="0"/>
+          </a:p>
+        </p:txBody>
+      </p:sp>
+    </p:spTree>
+    <p:extLst>
+      <p:ext uri="{BB962C8B-B14F-4D97-AF65-F5344CB8AC3E}">
+        <p14:creationId xmlns:p14="http://schemas.microsoft.com/office/powerpoint/2010/main" val="4264924888"/>
+      </p:ext>
+    </p:extLst>
+  </p:cSld>
+  <p:clrMapOvr>
+    <a:masterClrMapping/>
+  </p:clrMapOvr>
+  <mc:AlternateContent xmlns:mc="http://schemas.openxmlformats.org/markup-compatibility/2006" xmlns:p159="http://schemas.microsoft.com/office/powerpoint/2015/09/main">
+    <mc:Choice Requires="p159">
+      <p:transition spd="slow">
+        <p159:morph option="byObject"/>
+      </p:transition>
+    </mc:Choice>
+    <mc:Fallback xmlns="">
+      <p:transition spd="slow">
+        <p:fade/>
+      </p:transition>
+    </mc:Fallback>
+  </mc:AlternateContent>
+  <p:timing>
+    <p:tnLst>
+      <p:par>
+        <p:cTn id="1" dur="indefinite" restart="never" nodeType="tmRoot">
+          <p:childTnLst>
+            <p:seq concurrent="1" nextAc="seek">
+              <p:cTn id="2" dur="indefinite" nodeType="mainSeq">
+                <p:childTnLst>
+                  <p:par>
+                    <p:cTn id="3" fill="hold">
+                      <p:stCondLst>
+                        <p:cond delay="indefinite"/>
+                        <p:cond evt="onBegin" delay="0">
+                          <p:tn val="2"/>
+                        </p:cond>
+                      </p:stCondLst>
+                      <p:childTnLst>
+                        <p:par>
+                          <p:cTn id="4" fill="hold">
+                            <p:stCondLst>
+                              <p:cond delay="0"/>
+                            </p:stCondLst>
+                            <p:childTnLst>
+                              <p:par>
+                                <p:cTn id="5" presetID="10" presetClass="entr" presetSubtype="0" fill="hold" grpId="0" nodeType="withEffect">
+                                  <p:stCondLst>
+                                    <p:cond delay="0"/>
+                                  </p:stCondLst>
+                                  <p:childTnLst>
+                                    <p:set>
+                                      <p:cBhvr>
+                                        <p:cTn id="6" dur="1" fill="hold">
+                                          <p:stCondLst>
+                                            <p:cond delay="0"/>
+                                          </p:stCondLst>
+                                        </p:cTn>
+                                        <p:tgtEl>
+                                          <p:spTgt spid="2"/>
+                                        </p:tgtEl>
+                                        <p:attrNameLst>
+                                          <p:attrName>style.visibility</p:attrName>
+                                        </p:attrNameLst>
+                                      </p:cBhvr>
+                                      <p:to>
+                                        <p:strVal val="visible"/>
+                                      </p:to>
+                                    </p:set>
+                                    <p:animEffect transition="in" filter="fade">
+                                      <p:cBhvr>
+                                        <p:cTn id="7" dur="500"/>
+                                        <p:tgtEl>
+                                          <p:spTgt spid="2"/>
+                                        </p:tgtEl>
+                                      </p:cBhvr>
+                                    </p:animEffect>
+                                  </p:childTnLst>
+                                </p:cTn>
+                              </p:par>
+                            </p:childTnLst>
+                          </p:cTn>
+                        </p:par>
+                      </p:childTnLst>
+                    </p:cTn>
+                  </p:par>
+                </p:childTnLst>
+              </p:cTn>
+              <p:prevCondLst>
+                <p:cond evt="onPrev" delay="0">
+                  <p:tgtEl>
+                    <p:sldTgt/>
+                  </p:tgtEl>
+                </p:cond>
+              </p:prevCondLst>
+              <p:nextCondLst>
+                <p:cond evt="onNext" delay="0">
+                  <p:tgtEl>
+                    <p:sldTgt/>
+                  </p:tgtEl>
+                </p:cond>
+              </p:nextCondLst>
+            </p:seq>
+          </p:childTnLst>
+        </p:cTn>
+      </p:par>
+    </p:tnLst>
+    <p:bldLst>
+      <p:bldP spid="2" grpId="0" animBg="1"/>
     </p:bldLst>
   </p:timing>
 </p:sld>

--- a/3Periodo/InfoTechMngmt/Information Enabler.pptx
+++ b/3Periodo/InfoTechMngmt/Information Enabler.pptx
@@ -7,13 +7,12 @@
   <p:sldIdLst>
     <p:sldId id="256" r:id="rId2"/>
     <p:sldId id="257" r:id="rId3"/>
-    <p:sldId id="258" r:id="rId4"/>
-    <p:sldId id="259" r:id="rId5"/>
-    <p:sldId id="260" r:id="rId6"/>
-    <p:sldId id="261" r:id="rId7"/>
-    <p:sldId id="262" r:id="rId8"/>
-    <p:sldId id="263" r:id="rId9"/>
-    <p:sldId id="264" r:id="rId10"/>
+    <p:sldId id="259" r:id="rId4"/>
+    <p:sldId id="260" r:id="rId5"/>
+    <p:sldId id="261" r:id="rId6"/>
+    <p:sldId id="262" r:id="rId7"/>
+    <p:sldId id="263" r:id="rId8"/>
+    <p:sldId id="264" r:id="rId9"/>
   </p:sldIdLst>
   <p:sldSz cx="12192000" cy="6858000"/>
   <p:notesSz cx="6858000" cy="9144000"/>
@@ -123,7 +122,7 @@
 <file path=ppt/revisionInfo.xml><?xml version="1.0" encoding="utf-8"?>
 <p1510:revInfo xmlns:a="http://schemas.openxmlformats.org/drawingml/2006/main" xmlns:r="http://schemas.openxmlformats.org/officeDocument/2006/relationships" xmlns:p1510="http://schemas.microsoft.com/office/powerpoint/2015/10/main">
   <p1510:revLst>
-    <p1510:client id="{9BBC829C-6B39-4291-844A-0596D290B3E5}" v="775" dt="2024-04-16T01:16:03.314"/>
+    <p1510:client id="{9BBC829C-6B39-4291-844A-0596D290B3E5}" v="879" dt="2024-04-16T19:38:04.440"/>
   </p1510:revLst>
 </p1510:revInfo>
 </file>
@@ -133,7 +132,7 @@
   <pc:docChgLst>
     <pc:chgData name="Ary Farah" userId="b4a11b600c829974" providerId="LiveId" clId="{9BBC829C-6B39-4291-844A-0596D290B3E5}"/>
     <pc:docChg chg="undo custSel addSld delSld modSld sldOrd">
-      <pc:chgData name="Ary Farah" userId="b4a11b600c829974" providerId="LiveId" clId="{9BBC829C-6B39-4291-844A-0596D290B3E5}" dt="2024-04-16T01:16:03.314" v="3473"/>
+      <pc:chgData name="Ary Farah" userId="b4a11b600c829974" providerId="LiveId" clId="{9BBC829C-6B39-4291-844A-0596D290B3E5}" dt="2024-04-16T19:42:58.273" v="3580" actId="47"/>
       <pc:docMkLst>
         <pc:docMk/>
       </pc:docMkLst>
@@ -201,7 +200,7 @@
         </pc:cxnChg>
       </pc:sldChg>
       <pc:sldChg chg="addSp delSp modSp mod modTransition addAnim delAnim modAnim">
-        <pc:chgData name="Ary Farah" userId="b4a11b600c829974" providerId="LiveId" clId="{9BBC829C-6B39-4291-844A-0596D290B3E5}" dt="2024-04-14T18:29:07.351" v="1149"/>
+        <pc:chgData name="Ary Farah" userId="b4a11b600c829974" providerId="LiveId" clId="{9BBC829C-6B39-4291-844A-0596D290B3E5}" dt="2024-04-16T19:38:06.958" v="3579" actId="14100"/>
         <pc:sldMkLst>
           <pc:docMk/>
           <pc:sldMk cId="1061599785" sldId="257"/>
@@ -215,7 +214,7 @@
           </ac:spMkLst>
         </pc:spChg>
         <pc:spChg chg="add mod">
-          <ac:chgData name="Ary Farah" userId="b4a11b600c829974" providerId="LiveId" clId="{9BBC829C-6B39-4291-844A-0596D290B3E5}" dt="2024-04-14T17:30:59.694" v="672" actId="1036"/>
+          <ac:chgData name="Ary Farah" userId="b4a11b600c829974" providerId="LiveId" clId="{9BBC829C-6B39-4291-844A-0596D290B3E5}" dt="2024-04-16T18:56:16.413" v="3561" actId="20577"/>
           <ac:spMkLst>
             <pc:docMk/>
             <pc:sldMk cId="1061599785" sldId="257"/>
@@ -239,7 +238,7 @@
           </ac:spMkLst>
         </pc:spChg>
         <pc:spChg chg="add mod">
-          <ac:chgData name="Ary Farah" userId="b4a11b600c829974" providerId="LiveId" clId="{9BBC829C-6B39-4291-844A-0596D290B3E5}" dt="2024-04-14T17:31:15.139" v="674" actId="1076"/>
+          <ac:chgData name="Ary Farah" userId="b4a11b600c829974" providerId="LiveId" clId="{9BBC829C-6B39-4291-844A-0596D290B3E5}" dt="2024-04-16T19:38:06.958" v="3579" actId="14100"/>
           <ac:spMkLst>
             <pc:docMk/>
             <pc:sldMk cId="1061599785" sldId="257"/>
@@ -310,8 +309,8 @@
           </ac:spMkLst>
         </pc:spChg>
       </pc:sldChg>
-      <pc:sldChg chg="addSp delSp modSp add mod delAnim modAnim">
-        <pc:chgData name="Ary Farah" userId="b4a11b600c829974" providerId="LiveId" clId="{9BBC829C-6B39-4291-844A-0596D290B3E5}" dt="2024-04-15T23:55:44.360" v="1930"/>
+      <pc:sldChg chg="addSp delSp modSp add del mod delAnim modAnim">
+        <pc:chgData name="Ary Farah" userId="b4a11b600c829974" providerId="LiveId" clId="{9BBC829C-6B39-4291-844A-0596D290B3E5}" dt="2024-04-16T19:42:58.273" v="3580" actId="47"/>
         <pc:sldMkLst>
           <pc:docMk/>
           <pc:sldMk cId="1593602782" sldId="258"/>
@@ -1171,7 +1170,7 @@
         </pc:cxnChg>
       </pc:sldChg>
       <pc:sldChg chg="addSp delSp modSp add mod delAnim modAnim">
-        <pc:chgData name="Ary Farah" userId="b4a11b600c829974" providerId="LiveId" clId="{9BBC829C-6B39-4291-844A-0596D290B3E5}" dt="2024-04-16T00:14:50.565" v="2360"/>
+        <pc:chgData name="Ary Farah" userId="b4a11b600c829974" providerId="LiveId" clId="{9BBC829C-6B39-4291-844A-0596D290B3E5}" dt="2024-04-16T18:51:51.765" v="3560"/>
         <pc:sldMkLst>
           <pc:docMk/>
           <pc:sldMk cId="866426765" sldId="261"/>
@@ -2181,7 +2180,7 @@
           <a:p>
             <a:fld id="{65252134-A1E7-45E3-9A09-87C22AC08D50}" type="datetimeFigureOut">
               <a:rPr lang="pt-BR" smtClean="0"/>
-              <a:t>15/04/2024</a:t>
+              <a:t>16/04/2024</a:t>
             </a:fld>
             <a:endParaRPr lang="pt-BR"/>
           </a:p>
@@ -2381,7 +2380,7 @@
           <a:p>
             <a:fld id="{65252134-A1E7-45E3-9A09-87C22AC08D50}" type="datetimeFigureOut">
               <a:rPr lang="pt-BR" smtClean="0"/>
-              <a:t>15/04/2024</a:t>
+              <a:t>16/04/2024</a:t>
             </a:fld>
             <a:endParaRPr lang="pt-BR"/>
           </a:p>
@@ -2591,7 +2590,7 @@
           <a:p>
             <a:fld id="{65252134-A1E7-45E3-9A09-87C22AC08D50}" type="datetimeFigureOut">
               <a:rPr lang="pt-BR" smtClean="0"/>
-              <a:t>15/04/2024</a:t>
+              <a:t>16/04/2024</a:t>
             </a:fld>
             <a:endParaRPr lang="pt-BR"/>
           </a:p>
@@ -2791,7 +2790,7 @@
           <a:p>
             <a:fld id="{65252134-A1E7-45E3-9A09-87C22AC08D50}" type="datetimeFigureOut">
               <a:rPr lang="pt-BR" smtClean="0"/>
-              <a:t>15/04/2024</a:t>
+              <a:t>16/04/2024</a:t>
             </a:fld>
             <a:endParaRPr lang="pt-BR"/>
           </a:p>
@@ -3067,7 +3066,7 @@
           <a:p>
             <a:fld id="{65252134-A1E7-45E3-9A09-87C22AC08D50}" type="datetimeFigureOut">
               <a:rPr lang="pt-BR" smtClean="0"/>
-              <a:t>15/04/2024</a:t>
+              <a:t>16/04/2024</a:t>
             </a:fld>
             <a:endParaRPr lang="pt-BR"/>
           </a:p>
@@ -3335,7 +3334,7 @@
           <a:p>
             <a:fld id="{65252134-A1E7-45E3-9A09-87C22AC08D50}" type="datetimeFigureOut">
               <a:rPr lang="pt-BR" smtClean="0"/>
-              <a:t>15/04/2024</a:t>
+              <a:t>16/04/2024</a:t>
             </a:fld>
             <a:endParaRPr lang="pt-BR"/>
           </a:p>
@@ -3750,7 +3749,7 @@
           <a:p>
             <a:fld id="{65252134-A1E7-45E3-9A09-87C22AC08D50}" type="datetimeFigureOut">
               <a:rPr lang="pt-BR" smtClean="0"/>
-              <a:t>15/04/2024</a:t>
+              <a:t>16/04/2024</a:t>
             </a:fld>
             <a:endParaRPr lang="pt-BR"/>
           </a:p>
@@ -3892,7 +3891,7 @@
           <a:p>
             <a:fld id="{65252134-A1E7-45E3-9A09-87C22AC08D50}" type="datetimeFigureOut">
               <a:rPr lang="pt-BR" smtClean="0"/>
-              <a:t>15/04/2024</a:t>
+              <a:t>16/04/2024</a:t>
             </a:fld>
             <a:endParaRPr lang="pt-BR"/>
           </a:p>
@@ -4005,7 +4004,7 @@
           <a:p>
             <a:fld id="{65252134-A1E7-45E3-9A09-87C22AC08D50}" type="datetimeFigureOut">
               <a:rPr lang="pt-BR" smtClean="0"/>
-              <a:t>15/04/2024</a:t>
+              <a:t>16/04/2024</a:t>
             </a:fld>
             <a:endParaRPr lang="pt-BR"/>
           </a:p>
@@ -4318,7 +4317,7 @@
           <a:p>
             <a:fld id="{65252134-A1E7-45E3-9A09-87C22AC08D50}" type="datetimeFigureOut">
               <a:rPr lang="pt-BR" smtClean="0"/>
-              <a:t>15/04/2024</a:t>
+              <a:t>16/04/2024</a:t>
             </a:fld>
             <a:endParaRPr lang="pt-BR"/>
           </a:p>
@@ -4607,7 +4606,7 @@
           <a:p>
             <a:fld id="{65252134-A1E7-45E3-9A09-87C22AC08D50}" type="datetimeFigureOut">
               <a:rPr lang="pt-BR" smtClean="0"/>
-              <a:t>15/04/2024</a:t>
+              <a:t>16/04/2024</a:t>
             </a:fld>
             <a:endParaRPr lang="pt-BR"/>
           </a:p>
@@ -4850,7 +4849,7 @@
           <a:p>
             <a:fld id="{65252134-A1E7-45E3-9A09-87C22AC08D50}" type="datetimeFigureOut">
               <a:rPr lang="pt-BR" smtClean="0"/>
-              <a:t>15/04/2024</a:t>
+              <a:t>16/04/2024</a:t>
             </a:fld>
             <a:endParaRPr lang="pt-BR"/>
           </a:p>
@@ -6050,9 +6049,12 @@
               </a:rPr>
               <a:t>Enterprises</a:t>
             </a:r>
-            <a:endParaRPr lang="pt-BR" sz="2800" dirty="0">
-              <a:latin typeface="Bahnschrift SemiLight" panose="020B0502040204020203" pitchFamily="34" charset="0"/>
-            </a:endParaRPr>
+            <a:r>
+              <a:rPr lang="pt-BR" sz="2800" dirty="0">
+                <a:latin typeface="Bahnschrift SemiLight" panose="020B0502040204020203" pitchFamily="34" charset="0"/>
+              </a:rPr>
+              <a:t>.</a:t>
+            </a:r>
           </a:p>
         </p:txBody>
       </p:sp>
@@ -6167,8 +6169,8 @@
         </p:nvSpPr>
         <p:spPr>
           <a:xfrm>
-            <a:off x="376989" y="2675042"/>
-            <a:ext cx="1467852" cy="523220"/>
+            <a:off x="376988" y="2675042"/>
+            <a:ext cx="5478379" cy="523220"/>
           </a:xfrm>
           <a:prstGeom prst="rect">
             <a:avLst/>
@@ -6182,10 +6184,28 @@
           <a:lstStyle/>
           <a:p>
             <a:r>
+              <a:rPr lang="pt-BR" sz="2800" dirty="0">
+                <a:latin typeface="Bahnschrift SemiLight" panose="020B0502040204020203" pitchFamily="34" charset="0"/>
+              </a:rPr>
+              <a:t>The </a:t>
+            </a:r>
+            <a:r>
               <a:rPr lang="pt-BR" sz="2800" dirty="0" err="1">
                 <a:latin typeface="Bahnschrift SemiLight" panose="020B0502040204020203" pitchFamily="34" charset="0"/>
               </a:rPr>
-              <a:t>Can</a:t>
+              <a:t>Informtion</a:t>
+            </a:r>
+            <a:r>
+              <a:rPr lang="pt-BR" sz="2800" dirty="0">
+                <a:latin typeface="Bahnschrift SemiLight" panose="020B0502040204020203" pitchFamily="34" charset="0"/>
+              </a:rPr>
+              <a:t> </a:t>
+            </a:r>
+            <a:r>
+              <a:rPr lang="pt-BR" sz="2800" dirty="0" err="1">
+                <a:latin typeface="Bahnschrift SemiLight" panose="020B0502040204020203" pitchFamily="34" charset="0"/>
+              </a:rPr>
+              <a:t>can</a:t>
             </a:r>
             <a:r>
               <a:rPr lang="pt-BR" sz="2800" dirty="0">
@@ -6522,1715 +6542,6 @@
 </file>
 
 <file path=ppt/slides/slide3.xml><?xml version="1.0" encoding="utf-8"?>
-<p:sld xmlns:a="http://schemas.openxmlformats.org/drawingml/2006/main" xmlns:r="http://schemas.openxmlformats.org/officeDocument/2006/relationships" xmlns:p="http://schemas.openxmlformats.org/presentationml/2006/main">
-  <p:cSld>
-    <p:spTree>
-      <p:nvGrpSpPr>
-        <p:cNvPr id="1" name=""/>
-        <p:cNvGrpSpPr/>
-        <p:nvPr/>
-      </p:nvGrpSpPr>
-      <p:grpSpPr>
-        <a:xfrm>
-          <a:off x="0" y="0"/>
-          <a:ext cx="0" cy="0"/>
-          <a:chOff x="0" y="0"/>
-          <a:chExt cx="0" cy="0"/>
-        </a:xfrm>
-      </p:grpSpPr>
-      <p:sp>
-        <p:nvSpPr>
-          <p:cNvPr id="4" name="Rectangle 3">
-            <a:extLst>
-              <a:ext uri="{FF2B5EF4-FFF2-40B4-BE49-F238E27FC236}">
-                <a16:creationId xmlns:a16="http://schemas.microsoft.com/office/drawing/2014/main" id="{2A13B32D-2450-280F-ECCA-79D7D39A949A}"/>
-              </a:ext>
-            </a:extLst>
-          </p:cNvPr>
-          <p:cNvSpPr/>
-          <p:nvPr/>
-        </p:nvSpPr>
-        <p:spPr>
-          <a:xfrm>
-            <a:off x="-1" y="0"/>
-            <a:ext cx="12192000" cy="6858000"/>
-          </a:xfrm>
-          <a:prstGeom prst="rect">
-            <a:avLst/>
-          </a:prstGeom>
-          <a:solidFill>
-            <a:srgbClr val="F7F9F9"/>
-          </a:solidFill>
-          <a:ln>
-            <a:noFill/>
-          </a:ln>
-        </p:spPr>
-        <p:style>
-          <a:lnRef idx="2">
-            <a:schemeClr val="accent1">
-              <a:shade val="15000"/>
-            </a:schemeClr>
-          </a:lnRef>
-          <a:fillRef idx="1">
-            <a:schemeClr val="accent1"/>
-          </a:fillRef>
-          <a:effectRef idx="0">
-            <a:schemeClr val="accent1"/>
-          </a:effectRef>
-          <a:fontRef idx="minor">
-            <a:schemeClr val="lt1"/>
-          </a:fontRef>
-        </p:style>
-        <p:txBody>
-          <a:bodyPr rtlCol="0" anchor="ctr"/>
-          <a:lstStyle/>
-          <a:p>
-            <a:pPr algn="ctr"/>
-            <a:endParaRPr lang="pt-BR" dirty="0"/>
-          </a:p>
-        </p:txBody>
-      </p:sp>
-      <p:sp>
-        <p:nvSpPr>
-          <p:cNvPr id="5" name="CaixaDeTexto 4">
-            <a:extLst>
-              <a:ext uri="{FF2B5EF4-FFF2-40B4-BE49-F238E27FC236}">
-                <a16:creationId xmlns:a16="http://schemas.microsoft.com/office/drawing/2014/main" id="{FF06475B-1A89-1C94-85D2-38037C9F81CB}"/>
-              </a:ext>
-            </a:extLst>
-          </p:cNvPr>
-          <p:cNvSpPr txBox="1"/>
-          <p:nvPr/>
-        </p:nvSpPr>
-        <p:spPr>
-          <a:xfrm>
-            <a:off x="112296" y="182706"/>
-            <a:ext cx="3705725" cy="584775"/>
-          </a:xfrm>
-          <a:prstGeom prst="rect">
-            <a:avLst/>
-          </a:prstGeom>
-          <a:noFill/>
-        </p:spPr>
-        <p:txBody>
-          <a:bodyPr wrap="square" rtlCol="0">
-            <a:spAutoFit/>
-          </a:bodyPr>
-          <a:lstStyle/>
-          <a:p>
-            <a:r>
-              <a:rPr lang="pt-BR" sz="3200" dirty="0" err="1">
-                <a:latin typeface="Bahnschrift SemiLight" panose="020B0502040204020203" pitchFamily="34" charset="0"/>
-              </a:rPr>
-              <a:t>Information</a:t>
-            </a:r>
-            <a:r>
-              <a:rPr lang="pt-BR" sz="3200" dirty="0">
-                <a:latin typeface="Bahnschrift SemiLight" panose="020B0502040204020203" pitchFamily="34" charset="0"/>
-              </a:rPr>
-              <a:t> </a:t>
-            </a:r>
-            <a:r>
-              <a:rPr lang="pt-BR" sz="3200" dirty="0" err="1">
-                <a:latin typeface="Bahnschrift SemiLight" panose="020B0502040204020203" pitchFamily="34" charset="0"/>
-              </a:rPr>
-              <a:t>Cycle</a:t>
-            </a:r>
-            <a:endParaRPr lang="pt-BR" sz="3200" dirty="0">
-              <a:latin typeface="Bahnschrift SemiLight" panose="020B0502040204020203" pitchFamily="34" charset="0"/>
-            </a:endParaRPr>
-          </a:p>
-        </p:txBody>
-      </p:sp>
-      <p:cxnSp>
-        <p:nvCxnSpPr>
-          <p:cNvPr id="7" name="Conector reto 6">
-            <a:extLst>
-              <a:ext uri="{FF2B5EF4-FFF2-40B4-BE49-F238E27FC236}">
-                <a16:creationId xmlns:a16="http://schemas.microsoft.com/office/drawing/2014/main" id="{E6F534CF-52BD-D6D4-83EB-4B3C3A1DA373}"/>
-              </a:ext>
-            </a:extLst>
-          </p:cNvPr>
-          <p:cNvCxnSpPr>
-            <a:cxnSpLocks/>
-          </p:cNvCxnSpPr>
-          <p:nvPr/>
-        </p:nvCxnSpPr>
-        <p:spPr>
-          <a:xfrm>
-            <a:off x="-1" y="799565"/>
-            <a:ext cx="3818022" cy="0"/>
-          </a:xfrm>
-          <a:prstGeom prst="line">
-            <a:avLst/>
-          </a:prstGeom>
-          <a:ln/>
-        </p:spPr>
-        <p:style>
-          <a:lnRef idx="2">
-            <a:schemeClr val="dk1"/>
-          </a:lnRef>
-          <a:fillRef idx="0">
-            <a:schemeClr val="dk1"/>
-          </a:fillRef>
-          <a:effectRef idx="1">
-            <a:schemeClr val="dk1"/>
-          </a:effectRef>
-          <a:fontRef idx="minor">
-            <a:schemeClr val="tx1"/>
-          </a:fontRef>
-        </p:style>
-      </p:cxnSp>
-      <p:sp>
-        <p:nvSpPr>
-          <p:cNvPr id="9" name="Retângulo: Cantos Arredondados 8">
-            <a:extLst>
-              <a:ext uri="{FF2B5EF4-FFF2-40B4-BE49-F238E27FC236}">
-                <a16:creationId xmlns:a16="http://schemas.microsoft.com/office/drawing/2014/main" id="{378A7D7E-075A-1EFB-227D-0D2340437DBE}"/>
-              </a:ext>
-            </a:extLst>
-          </p:cNvPr>
-          <p:cNvSpPr/>
-          <p:nvPr/>
-        </p:nvSpPr>
-        <p:spPr>
-          <a:xfrm>
-            <a:off x="4539204" y="1407694"/>
-            <a:ext cx="3113591" cy="1435768"/>
-          </a:xfrm>
-          <a:prstGeom prst="roundRect">
-            <a:avLst/>
-          </a:prstGeom>
-          <a:solidFill>
-            <a:schemeClr val="bg1">
-              <a:lumMod val="75000"/>
-            </a:schemeClr>
-          </a:solidFill>
-        </p:spPr>
-        <p:style>
-          <a:lnRef idx="2">
-            <a:schemeClr val="accent1">
-              <a:shade val="15000"/>
-            </a:schemeClr>
-          </a:lnRef>
-          <a:fillRef idx="1">
-            <a:schemeClr val="accent1"/>
-          </a:fillRef>
-          <a:effectRef idx="0">
-            <a:schemeClr val="accent1"/>
-          </a:effectRef>
-          <a:fontRef idx="minor">
-            <a:schemeClr val="lt1"/>
-          </a:fontRef>
-        </p:style>
-        <p:txBody>
-          <a:bodyPr rtlCol="0" anchor="ctr"/>
-          <a:lstStyle/>
-          <a:p>
-            <a:pPr algn="ctr"/>
-            <a:r>
-              <a:rPr lang="pt-BR" sz="2000" dirty="0">
-                <a:solidFill>
-                  <a:srgbClr val="121517"/>
-                </a:solidFill>
-                <a:latin typeface="Bahnschrift SemiLight" panose="020B0502040204020203" pitchFamily="34" charset="0"/>
-              </a:rPr>
-              <a:t>Business Processes</a:t>
-            </a:r>
-          </a:p>
-          <a:p>
-            <a:pPr algn="ctr"/>
-            <a:endParaRPr lang="pt-BR" sz="2400" dirty="0">
-              <a:latin typeface="Bahnschrift SemiLight" panose="020B0502040204020203" pitchFamily="34" charset="0"/>
-            </a:endParaRPr>
-          </a:p>
-          <a:p>
-            <a:pPr algn="ctr"/>
-            <a:endParaRPr lang="pt-BR" sz="2400" dirty="0">
-              <a:latin typeface="Bahnschrift SemiLight" panose="020B0502040204020203" pitchFamily="34" charset="0"/>
-            </a:endParaRPr>
-          </a:p>
-        </p:txBody>
-      </p:sp>
-      <p:sp>
-        <p:nvSpPr>
-          <p:cNvPr id="10" name="Retângulo: Cantos Arredondados 9">
-            <a:extLst>
-              <a:ext uri="{FF2B5EF4-FFF2-40B4-BE49-F238E27FC236}">
-                <a16:creationId xmlns:a16="http://schemas.microsoft.com/office/drawing/2014/main" id="{7E1F8C50-C7B4-8575-C64C-74002A798A03}"/>
-              </a:ext>
-            </a:extLst>
-          </p:cNvPr>
-          <p:cNvSpPr/>
-          <p:nvPr/>
-        </p:nvSpPr>
-        <p:spPr>
-          <a:xfrm>
-            <a:off x="5173577" y="2125578"/>
-            <a:ext cx="1844843" cy="513347"/>
-          </a:xfrm>
-          <a:prstGeom prst="roundRect">
-            <a:avLst/>
-          </a:prstGeom>
-          <a:solidFill>
-            <a:schemeClr val="bg1">
-              <a:lumMod val="65000"/>
-            </a:schemeClr>
-          </a:solidFill>
-          <a:ln>
-            <a:noFill/>
-          </a:ln>
-        </p:spPr>
-        <p:style>
-          <a:lnRef idx="2">
-            <a:schemeClr val="accent1">
-              <a:shade val="15000"/>
-            </a:schemeClr>
-          </a:lnRef>
-          <a:fillRef idx="1">
-            <a:schemeClr val="accent1"/>
-          </a:fillRef>
-          <a:effectRef idx="0">
-            <a:schemeClr val="accent1"/>
-          </a:effectRef>
-          <a:fontRef idx="minor">
-            <a:schemeClr val="lt1"/>
-          </a:fontRef>
-        </p:style>
-        <p:txBody>
-          <a:bodyPr rtlCol="0" anchor="ctr"/>
-          <a:lstStyle/>
-          <a:p>
-            <a:pPr algn="ctr"/>
-            <a:r>
-              <a:rPr lang="pt-BR" sz="2000" dirty="0">
-                <a:solidFill>
-                  <a:schemeClr val="tx1"/>
-                </a:solidFill>
-                <a:latin typeface="Bahnschrift SemiLight" panose="020B0502040204020203" pitchFamily="34" charset="0"/>
-              </a:rPr>
-              <a:t>IT Processes</a:t>
-            </a:r>
-          </a:p>
-        </p:txBody>
-      </p:sp>
-      <p:sp>
-        <p:nvSpPr>
-          <p:cNvPr id="11" name="Retângulo: Cantos Arredondados 10">
-            <a:extLst>
-              <a:ext uri="{FF2B5EF4-FFF2-40B4-BE49-F238E27FC236}">
-                <a16:creationId xmlns:a16="http://schemas.microsoft.com/office/drawing/2014/main" id="{D80B7F26-333A-5E82-5B82-39A04307105B}"/>
-              </a:ext>
-            </a:extLst>
-          </p:cNvPr>
-          <p:cNvSpPr/>
-          <p:nvPr/>
-        </p:nvSpPr>
-        <p:spPr>
-          <a:xfrm>
-            <a:off x="2845744" y="3172327"/>
-            <a:ext cx="930443" cy="930443"/>
-          </a:xfrm>
-          <a:prstGeom prst="roundRect">
-            <a:avLst/>
-          </a:prstGeom>
-          <a:solidFill>
-            <a:srgbClr val="E8E8E8"/>
-          </a:solidFill>
-        </p:spPr>
-        <p:style>
-          <a:lnRef idx="2">
-            <a:schemeClr val="accent1">
-              <a:shade val="15000"/>
-            </a:schemeClr>
-          </a:lnRef>
-          <a:fillRef idx="1">
-            <a:schemeClr val="accent1"/>
-          </a:fillRef>
-          <a:effectRef idx="0">
-            <a:schemeClr val="accent1"/>
-          </a:effectRef>
-          <a:fontRef idx="minor">
-            <a:schemeClr val="lt1"/>
-          </a:fontRef>
-        </p:style>
-        <p:txBody>
-          <a:bodyPr rtlCol="0" anchor="ctr"/>
-          <a:lstStyle/>
-          <a:p>
-            <a:pPr algn="ctr"/>
-            <a:r>
-              <a:rPr lang="pt-BR" dirty="0">
-                <a:solidFill>
-                  <a:sysClr val="windowText" lastClr="000000"/>
-                </a:solidFill>
-                <a:latin typeface="Bahnschrift SemiLight" panose="020B0502040204020203" pitchFamily="34" charset="0"/>
-              </a:rPr>
-              <a:t>Data</a:t>
-            </a:r>
-          </a:p>
-        </p:txBody>
-      </p:sp>
-      <p:sp>
-        <p:nvSpPr>
-          <p:cNvPr id="15" name="Retângulo: Cantos Arredondados 14">
-            <a:extLst>
-              <a:ext uri="{FF2B5EF4-FFF2-40B4-BE49-F238E27FC236}">
-                <a16:creationId xmlns:a16="http://schemas.microsoft.com/office/drawing/2014/main" id="{5E6E6CC2-F6CE-FF74-66AD-36FCC192B6C3}"/>
-              </a:ext>
-            </a:extLst>
-          </p:cNvPr>
-          <p:cNvSpPr/>
-          <p:nvPr/>
-        </p:nvSpPr>
-        <p:spPr>
-          <a:xfrm>
-            <a:off x="3929929" y="4728407"/>
-            <a:ext cx="1483894" cy="930443"/>
-          </a:xfrm>
-          <a:prstGeom prst="roundRect">
-            <a:avLst/>
-          </a:prstGeom>
-          <a:solidFill>
-            <a:srgbClr val="E8E8E8"/>
-          </a:solidFill>
-        </p:spPr>
-        <p:style>
-          <a:lnRef idx="2">
-            <a:schemeClr val="accent1">
-              <a:shade val="15000"/>
-            </a:schemeClr>
-          </a:lnRef>
-          <a:fillRef idx="1">
-            <a:schemeClr val="accent1"/>
-          </a:fillRef>
-          <a:effectRef idx="0">
-            <a:schemeClr val="accent1"/>
-          </a:effectRef>
-          <a:fontRef idx="minor">
-            <a:schemeClr val="lt1"/>
-          </a:fontRef>
-        </p:style>
-        <p:txBody>
-          <a:bodyPr rtlCol="0" anchor="ctr"/>
-          <a:lstStyle/>
-          <a:p>
-            <a:pPr algn="ctr"/>
-            <a:r>
-              <a:rPr lang="pt-BR" dirty="0" err="1">
-                <a:solidFill>
-                  <a:sysClr val="windowText" lastClr="000000"/>
-                </a:solidFill>
-                <a:latin typeface="Bahnschrift SemiLight" panose="020B0502040204020203" pitchFamily="34" charset="0"/>
-              </a:rPr>
-              <a:t>Information</a:t>
-            </a:r>
-            <a:endParaRPr lang="pt-BR" dirty="0">
-              <a:solidFill>
-                <a:sysClr val="windowText" lastClr="000000"/>
-              </a:solidFill>
-              <a:latin typeface="Bahnschrift SemiLight" panose="020B0502040204020203" pitchFamily="34" charset="0"/>
-            </a:endParaRPr>
-          </a:p>
-        </p:txBody>
-      </p:sp>
-      <p:sp>
-        <p:nvSpPr>
-          <p:cNvPr id="16" name="Retângulo: Cantos Arredondados 15">
-            <a:extLst>
-              <a:ext uri="{FF2B5EF4-FFF2-40B4-BE49-F238E27FC236}">
-                <a16:creationId xmlns:a16="http://schemas.microsoft.com/office/drawing/2014/main" id="{276E00C2-9AC9-6564-075A-531AC834AC2D}"/>
-              </a:ext>
-            </a:extLst>
-          </p:cNvPr>
-          <p:cNvSpPr/>
-          <p:nvPr/>
-        </p:nvSpPr>
-        <p:spPr>
-          <a:xfrm>
-            <a:off x="6778179" y="4728407"/>
-            <a:ext cx="1483894" cy="930443"/>
-          </a:xfrm>
-          <a:prstGeom prst="roundRect">
-            <a:avLst/>
-          </a:prstGeom>
-          <a:solidFill>
-            <a:srgbClr val="E8E8E8"/>
-          </a:solidFill>
-        </p:spPr>
-        <p:style>
-          <a:lnRef idx="2">
-            <a:schemeClr val="accent1">
-              <a:shade val="15000"/>
-            </a:schemeClr>
-          </a:lnRef>
-          <a:fillRef idx="1">
-            <a:schemeClr val="accent1"/>
-          </a:fillRef>
-          <a:effectRef idx="0">
-            <a:schemeClr val="accent1"/>
-          </a:effectRef>
-          <a:fontRef idx="minor">
-            <a:schemeClr val="lt1"/>
-          </a:fontRef>
-        </p:style>
-        <p:txBody>
-          <a:bodyPr rtlCol="0" anchor="ctr"/>
-          <a:lstStyle/>
-          <a:p>
-            <a:pPr algn="ctr"/>
-            <a:r>
-              <a:rPr lang="pt-BR" dirty="0" err="1">
-                <a:solidFill>
-                  <a:sysClr val="windowText" lastClr="000000"/>
-                </a:solidFill>
-                <a:latin typeface="Bahnschrift SemiLight" panose="020B0502040204020203" pitchFamily="34" charset="0"/>
-              </a:rPr>
-              <a:t>Knowledge</a:t>
-            </a:r>
-            <a:endParaRPr lang="pt-BR" dirty="0">
-              <a:solidFill>
-                <a:sysClr val="windowText" lastClr="000000"/>
-              </a:solidFill>
-              <a:latin typeface="Bahnschrift SemiLight" panose="020B0502040204020203" pitchFamily="34" charset="0"/>
-            </a:endParaRPr>
-          </a:p>
-        </p:txBody>
-      </p:sp>
-      <p:sp>
-        <p:nvSpPr>
-          <p:cNvPr id="17" name="Retângulo: Cantos Arredondados 16">
-            <a:extLst>
-              <a:ext uri="{FF2B5EF4-FFF2-40B4-BE49-F238E27FC236}">
-                <a16:creationId xmlns:a16="http://schemas.microsoft.com/office/drawing/2014/main" id="{05CCEB66-EF1D-A95F-82DB-F13320499452}"/>
-              </a:ext>
-            </a:extLst>
-          </p:cNvPr>
-          <p:cNvSpPr/>
-          <p:nvPr/>
-        </p:nvSpPr>
-        <p:spPr>
-          <a:xfrm>
-            <a:off x="8415815" y="3172327"/>
-            <a:ext cx="930443" cy="930443"/>
-          </a:xfrm>
-          <a:prstGeom prst="roundRect">
-            <a:avLst/>
-          </a:prstGeom>
-          <a:solidFill>
-            <a:schemeClr val="bg2">
-              <a:lumMod val="50000"/>
-            </a:schemeClr>
-          </a:solidFill>
-        </p:spPr>
-        <p:style>
-          <a:lnRef idx="2">
-            <a:schemeClr val="accent1">
-              <a:shade val="15000"/>
-            </a:schemeClr>
-          </a:lnRef>
-          <a:fillRef idx="1">
-            <a:schemeClr val="accent1"/>
-          </a:fillRef>
-          <a:effectRef idx="0">
-            <a:schemeClr val="accent1"/>
-          </a:effectRef>
-          <a:fontRef idx="minor">
-            <a:schemeClr val="lt1"/>
-          </a:fontRef>
-        </p:style>
-        <p:txBody>
-          <a:bodyPr rtlCol="0" anchor="ctr"/>
-          <a:lstStyle/>
-          <a:p>
-            <a:pPr algn="ctr"/>
-            <a:r>
-              <a:rPr lang="pt-BR" dirty="0" err="1">
-                <a:solidFill>
-                  <a:schemeClr val="bg1"/>
-                </a:solidFill>
-                <a:latin typeface="Bahnschrift SemiLight" panose="020B0502040204020203" pitchFamily="34" charset="0"/>
-              </a:rPr>
-              <a:t>Value</a:t>
-            </a:r>
-            <a:endParaRPr lang="pt-BR" dirty="0">
-              <a:solidFill>
-                <a:schemeClr val="bg1"/>
-              </a:solidFill>
-              <a:latin typeface="Bahnschrift SemiLight" panose="020B0502040204020203" pitchFamily="34" charset="0"/>
-            </a:endParaRPr>
-          </a:p>
-        </p:txBody>
-      </p:sp>
-      <p:cxnSp>
-        <p:nvCxnSpPr>
-          <p:cNvPr id="18" name="Conector: Angulado 17">
-            <a:extLst>
-              <a:ext uri="{FF2B5EF4-FFF2-40B4-BE49-F238E27FC236}">
-                <a16:creationId xmlns:a16="http://schemas.microsoft.com/office/drawing/2014/main" id="{CA99B280-2CB6-239E-A2AC-BAB1889289EF}"/>
-              </a:ext>
-            </a:extLst>
-          </p:cNvPr>
-          <p:cNvCxnSpPr>
-            <a:cxnSpLocks/>
-            <a:stCxn id="9" idx="1"/>
-            <a:endCxn id="11" idx="0"/>
-          </p:cNvCxnSpPr>
-          <p:nvPr/>
-        </p:nvCxnSpPr>
-        <p:spPr>
-          <a:xfrm rot="10800000" flipV="1">
-            <a:off x="3310966" y="2125577"/>
-            <a:ext cx="1228238" cy="1046749"/>
-          </a:xfrm>
-          <a:prstGeom prst="bentConnector2">
-            <a:avLst/>
-          </a:prstGeom>
-          <a:ln>
-            <a:solidFill>
-              <a:srgbClr val="121517"/>
-            </a:solidFill>
-            <a:tailEnd type="triangle"/>
-          </a:ln>
-        </p:spPr>
-        <p:style>
-          <a:lnRef idx="2">
-            <a:schemeClr val="dk1"/>
-          </a:lnRef>
-          <a:fillRef idx="0">
-            <a:schemeClr val="dk1"/>
-          </a:fillRef>
-          <a:effectRef idx="1">
-            <a:schemeClr val="dk1"/>
-          </a:effectRef>
-          <a:fontRef idx="minor">
-            <a:schemeClr val="tx1"/>
-          </a:fontRef>
-        </p:style>
-      </p:cxnSp>
-      <p:cxnSp>
-        <p:nvCxnSpPr>
-          <p:cNvPr id="19" name="Conector: Angulado 18">
-            <a:extLst>
-              <a:ext uri="{FF2B5EF4-FFF2-40B4-BE49-F238E27FC236}">
-                <a16:creationId xmlns:a16="http://schemas.microsoft.com/office/drawing/2014/main" id="{29384336-36BB-A02A-D75E-17CCE3C254ED}"/>
-              </a:ext>
-            </a:extLst>
-          </p:cNvPr>
-          <p:cNvCxnSpPr>
-            <a:cxnSpLocks/>
-            <a:stCxn id="11" idx="2"/>
-            <a:endCxn id="15" idx="1"/>
-          </p:cNvCxnSpPr>
-          <p:nvPr/>
-        </p:nvCxnSpPr>
-        <p:spPr>
-          <a:xfrm rot="16200000" flipH="1">
-            <a:off x="3075018" y="4338717"/>
-            <a:ext cx="1090859" cy="618963"/>
-          </a:xfrm>
-          <a:prstGeom prst="bentConnector2">
-            <a:avLst/>
-          </a:prstGeom>
-          <a:ln>
-            <a:solidFill>
-              <a:srgbClr val="121517"/>
-            </a:solidFill>
-            <a:tailEnd type="triangle"/>
-          </a:ln>
-        </p:spPr>
-        <p:style>
-          <a:lnRef idx="2">
-            <a:schemeClr val="dk1"/>
-          </a:lnRef>
-          <a:fillRef idx="0">
-            <a:schemeClr val="dk1"/>
-          </a:fillRef>
-          <a:effectRef idx="1">
-            <a:schemeClr val="dk1"/>
-          </a:effectRef>
-          <a:fontRef idx="minor">
-            <a:schemeClr val="tx1"/>
-          </a:fontRef>
-        </p:style>
-      </p:cxnSp>
-      <p:cxnSp>
-        <p:nvCxnSpPr>
-          <p:cNvPr id="20" name="Conector de Seta Reta 19">
-            <a:extLst>
-              <a:ext uri="{FF2B5EF4-FFF2-40B4-BE49-F238E27FC236}">
-                <a16:creationId xmlns:a16="http://schemas.microsoft.com/office/drawing/2014/main" id="{E751676B-82AD-90DF-C8CA-3A9646AF78D6}"/>
-              </a:ext>
-            </a:extLst>
-          </p:cNvPr>
-          <p:cNvCxnSpPr>
-            <a:stCxn id="15" idx="3"/>
-            <a:endCxn id="16" idx="1"/>
-          </p:cNvCxnSpPr>
-          <p:nvPr/>
-        </p:nvCxnSpPr>
-        <p:spPr>
-          <a:xfrm>
-            <a:off x="5413823" y="5193629"/>
-            <a:ext cx="1364356" cy="0"/>
-          </a:xfrm>
-          <a:prstGeom prst="straightConnector1">
-            <a:avLst/>
-          </a:prstGeom>
-          <a:ln>
-            <a:solidFill>
-              <a:srgbClr val="121517"/>
-            </a:solidFill>
-            <a:tailEnd type="triangle"/>
-          </a:ln>
-        </p:spPr>
-        <p:style>
-          <a:lnRef idx="2">
-            <a:schemeClr val="dk1"/>
-          </a:lnRef>
-          <a:fillRef idx="0">
-            <a:schemeClr val="dk1"/>
-          </a:fillRef>
-          <a:effectRef idx="1">
-            <a:schemeClr val="dk1"/>
-          </a:effectRef>
-          <a:fontRef idx="minor">
-            <a:schemeClr val="tx1"/>
-          </a:fontRef>
-        </p:style>
-      </p:cxnSp>
-      <p:cxnSp>
-        <p:nvCxnSpPr>
-          <p:cNvPr id="21" name="Conector: Angulado 20">
-            <a:extLst>
-              <a:ext uri="{FF2B5EF4-FFF2-40B4-BE49-F238E27FC236}">
-                <a16:creationId xmlns:a16="http://schemas.microsoft.com/office/drawing/2014/main" id="{4DF37EBB-6F47-C029-642D-4554B1BDD3C6}"/>
-              </a:ext>
-            </a:extLst>
-          </p:cNvPr>
-          <p:cNvCxnSpPr>
-            <a:cxnSpLocks/>
-            <a:stCxn id="16" idx="3"/>
-            <a:endCxn id="17" idx="2"/>
-          </p:cNvCxnSpPr>
-          <p:nvPr/>
-        </p:nvCxnSpPr>
-        <p:spPr>
-          <a:xfrm flipV="1">
-            <a:off x="8262073" y="4102770"/>
-            <a:ext cx="618964" cy="1090859"/>
-          </a:xfrm>
-          <a:prstGeom prst="bentConnector2">
-            <a:avLst/>
-          </a:prstGeom>
-          <a:ln>
-            <a:solidFill>
-              <a:srgbClr val="121517"/>
-            </a:solidFill>
-            <a:tailEnd type="triangle"/>
-          </a:ln>
-        </p:spPr>
-        <p:style>
-          <a:lnRef idx="2">
-            <a:schemeClr val="dk1"/>
-          </a:lnRef>
-          <a:fillRef idx="0">
-            <a:schemeClr val="dk1"/>
-          </a:fillRef>
-          <a:effectRef idx="1">
-            <a:schemeClr val="dk1"/>
-          </a:effectRef>
-          <a:fontRef idx="minor">
-            <a:schemeClr val="tx1"/>
-          </a:fontRef>
-        </p:style>
-      </p:cxnSp>
-      <p:cxnSp>
-        <p:nvCxnSpPr>
-          <p:cNvPr id="22" name="Conector: Angulado 21">
-            <a:extLst>
-              <a:ext uri="{FF2B5EF4-FFF2-40B4-BE49-F238E27FC236}">
-                <a16:creationId xmlns:a16="http://schemas.microsoft.com/office/drawing/2014/main" id="{4CA59214-CA95-E673-FE58-9BF4391AD8D0}"/>
-              </a:ext>
-            </a:extLst>
-          </p:cNvPr>
-          <p:cNvCxnSpPr>
-            <a:cxnSpLocks/>
-            <a:stCxn id="17" idx="0"/>
-            <a:endCxn id="9" idx="3"/>
-          </p:cNvCxnSpPr>
-          <p:nvPr/>
-        </p:nvCxnSpPr>
-        <p:spPr>
-          <a:xfrm rot="16200000" flipV="1">
-            <a:off x="7743542" y="2034832"/>
-            <a:ext cx="1046749" cy="1228242"/>
-          </a:xfrm>
-          <a:prstGeom prst="bentConnector2">
-            <a:avLst/>
-          </a:prstGeom>
-          <a:ln>
-            <a:solidFill>
-              <a:srgbClr val="121517"/>
-            </a:solidFill>
-            <a:tailEnd type="triangle"/>
-          </a:ln>
-        </p:spPr>
-        <p:style>
-          <a:lnRef idx="2">
-            <a:schemeClr val="dk1"/>
-          </a:lnRef>
-          <a:fillRef idx="0">
-            <a:schemeClr val="dk1"/>
-          </a:fillRef>
-          <a:effectRef idx="1">
-            <a:schemeClr val="dk1"/>
-          </a:effectRef>
-          <a:fontRef idx="minor">
-            <a:schemeClr val="tx1"/>
-          </a:fontRef>
-        </p:style>
-      </p:cxnSp>
-      <p:sp>
-        <p:nvSpPr>
-          <p:cNvPr id="23" name="CaixaDeTexto 22">
-            <a:extLst>
-              <a:ext uri="{FF2B5EF4-FFF2-40B4-BE49-F238E27FC236}">
-                <a16:creationId xmlns:a16="http://schemas.microsoft.com/office/drawing/2014/main" id="{FED790FE-18A0-EBDE-B276-817BC00EB6EC}"/>
-              </a:ext>
-            </a:extLst>
-          </p:cNvPr>
-          <p:cNvSpPr txBox="1"/>
-          <p:nvPr/>
-        </p:nvSpPr>
-        <p:spPr>
-          <a:xfrm>
-            <a:off x="2197515" y="1708300"/>
-            <a:ext cx="2226892" cy="338554"/>
-          </a:xfrm>
-          <a:prstGeom prst="rect">
-            <a:avLst/>
-          </a:prstGeom>
-          <a:noFill/>
-        </p:spPr>
-        <p:txBody>
-          <a:bodyPr wrap="none" rtlCol="0">
-            <a:spAutoFit/>
-          </a:bodyPr>
-          <a:lstStyle/>
-          <a:p>
-            <a:r>
-              <a:rPr lang="pt-BR" sz="1600" dirty="0" err="1">
-                <a:latin typeface="Bahnschrift SemiLight" panose="020B0502040204020203" pitchFamily="34" charset="0"/>
-              </a:rPr>
-              <a:t>Generate</a:t>
-            </a:r>
-            <a:r>
-              <a:rPr lang="pt-BR" sz="1600" dirty="0">
-                <a:latin typeface="Bahnschrift SemiLight" panose="020B0502040204020203" pitchFamily="34" charset="0"/>
-              </a:rPr>
-              <a:t> </a:t>
-            </a:r>
-            <a:r>
-              <a:rPr lang="pt-BR" sz="1600" dirty="0" err="1">
-                <a:latin typeface="Bahnschrift SemiLight" panose="020B0502040204020203" pitchFamily="34" charset="0"/>
-              </a:rPr>
-              <a:t>and</a:t>
-            </a:r>
-            <a:r>
-              <a:rPr lang="pt-BR" sz="1600" dirty="0">
-                <a:latin typeface="Bahnschrift SemiLight" panose="020B0502040204020203" pitchFamily="34" charset="0"/>
-              </a:rPr>
-              <a:t> </a:t>
-            </a:r>
-            <a:r>
-              <a:rPr lang="pt-BR" sz="1600" dirty="0" err="1">
-                <a:latin typeface="Bahnschrift SemiLight" panose="020B0502040204020203" pitchFamily="34" charset="0"/>
-              </a:rPr>
-              <a:t>Process</a:t>
-            </a:r>
-            <a:endParaRPr lang="pt-BR" sz="1600" dirty="0">
-              <a:latin typeface="Bahnschrift SemiLight" panose="020B0502040204020203" pitchFamily="34" charset="0"/>
-            </a:endParaRPr>
-          </a:p>
-        </p:txBody>
-      </p:sp>
-      <p:sp>
-        <p:nvSpPr>
-          <p:cNvPr id="24" name="CaixaDeTexto 23">
-            <a:extLst>
-              <a:ext uri="{FF2B5EF4-FFF2-40B4-BE49-F238E27FC236}">
-                <a16:creationId xmlns:a16="http://schemas.microsoft.com/office/drawing/2014/main" id="{FEE23D67-1579-F026-DBAA-B3831924AD1B}"/>
-              </a:ext>
-            </a:extLst>
-          </p:cNvPr>
-          <p:cNvSpPr txBox="1"/>
-          <p:nvPr/>
-        </p:nvSpPr>
-        <p:spPr>
-          <a:xfrm>
-            <a:off x="2738528" y="5239814"/>
-            <a:ext cx="1144865" cy="338554"/>
-          </a:xfrm>
-          <a:prstGeom prst="rect">
-            <a:avLst/>
-          </a:prstGeom>
-          <a:noFill/>
-        </p:spPr>
-        <p:txBody>
-          <a:bodyPr wrap="none" rtlCol="0">
-            <a:spAutoFit/>
-          </a:bodyPr>
-          <a:lstStyle/>
-          <a:p>
-            <a:r>
-              <a:rPr lang="pt-BR" sz="1600" dirty="0" err="1">
-                <a:latin typeface="Bahnschrift SemiLight" panose="020B0502040204020203" pitchFamily="34" charset="0"/>
-              </a:rPr>
-              <a:t>Transform</a:t>
-            </a:r>
-            <a:endParaRPr lang="pt-BR" sz="1600" dirty="0">
-              <a:latin typeface="Bahnschrift SemiLight" panose="020B0502040204020203" pitchFamily="34" charset="0"/>
-            </a:endParaRPr>
-          </a:p>
-        </p:txBody>
-      </p:sp>
-      <p:sp>
-        <p:nvSpPr>
-          <p:cNvPr id="25" name="CaixaDeTexto 24">
-            <a:extLst>
-              <a:ext uri="{FF2B5EF4-FFF2-40B4-BE49-F238E27FC236}">
-                <a16:creationId xmlns:a16="http://schemas.microsoft.com/office/drawing/2014/main" id="{01406D73-C6B9-DE40-4103-DC2E0ADB4759}"/>
-              </a:ext>
-            </a:extLst>
-          </p:cNvPr>
-          <p:cNvSpPr txBox="1"/>
-          <p:nvPr/>
-        </p:nvSpPr>
-        <p:spPr>
-          <a:xfrm>
-            <a:off x="5523568" y="5239814"/>
-            <a:ext cx="1144865" cy="338554"/>
-          </a:xfrm>
-          <a:prstGeom prst="rect">
-            <a:avLst/>
-          </a:prstGeom>
-          <a:noFill/>
-        </p:spPr>
-        <p:txBody>
-          <a:bodyPr wrap="none" rtlCol="0">
-            <a:spAutoFit/>
-          </a:bodyPr>
-          <a:lstStyle/>
-          <a:p>
-            <a:r>
-              <a:rPr lang="pt-BR" sz="1600" dirty="0" err="1">
-                <a:latin typeface="Bahnschrift SemiLight" panose="020B0502040204020203" pitchFamily="34" charset="0"/>
-              </a:rPr>
-              <a:t>Transform</a:t>
-            </a:r>
-            <a:endParaRPr lang="pt-BR" sz="1600" dirty="0">
-              <a:latin typeface="Bahnschrift SemiLight" panose="020B0502040204020203" pitchFamily="34" charset="0"/>
-            </a:endParaRPr>
-          </a:p>
-        </p:txBody>
-      </p:sp>
-      <p:sp>
-        <p:nvSpPr>
-          <p:cNvPr id="26" name="CaixaDeTexto 25">
-            <a:extLst>
-              <a:ext uri="{FF2B5EF4-FFF2-40B4-BE49-F238E27FC236}">
-                <a16:creationId xmlns:a16="http://schemas.microsoft.com/office/drawing/2014/main" id="{ABFA8745-6D6C-F43A-74CE-1C0502E57F59}"/>
-              </a:ext>
-            </a:extLst>
-          </p:cNvPr>
-          <p:cNvSpPr txBox="1"/>
-          <p:nvPr/>
-        </p:nvSpPr>
-        <p:spPr>
-          <a:xfrm>
-            <a:off x="8482529" y="5244056"/>
-            <a:ext cx="797013" cy="338554"/>
-          </a:xfrm>
-          <a:prstGeom prst="rect">
-            <a:avLst/>
-          </a:prstGeom>
-          <a:noFill/>
-        </p:spPr>
-        <p:txBody>
-          <a:bodyPr wrap="none" rtlCol="0">
-            <a:spAutoFit/>
-          </a:bodyPr>
-          <a:lstStyle/>
-          <a:p>
-            <a:r>
-              <a:rPr lang="pt-BR" sz="1600" dirty="0" err="1">
-                <a:latin typeface="Bahnschrift SemiLight" panose="020B0502040204020203" pitchFamily="34" charset="0"/>
-              </a:rPr>
-              <a:t>Create</a:t>
-            </a:r>
-            <a:endParaRPr lang="pt-BR" sz="1600" dirty="0">
-              <a:latin typeface="Bahnschrift SemiLight" panose="020B0502040204020203" pitchFamily="34" charset="0"/>
-            </a:endParaRPr>
-          </a:p>
-        </p:txBody>
-      </p:sp>
-      <p:sp>
-        <p:nvSpPr>
-          <p:cNvPr id="27" name="CaixaDeTexto 26">
-            <a:extLst>
-              <a:ext uri="{FF2B5EF4-FFF2-40B4-BE49-F238E27FC236}">
-                <a16:creationId xmlns:a16="http://schemas.microsoft.com/office/drawing/2014/main" id="{10A58C5F-EDB0-9E69-CC8F-5021BF5B5501}"/>
-              </a:ext>
-            </a:extLst>
-          </p:cNvPr>
-          <p:cNvSpPr txBox="1"/>
-          <p:nvPr/>
-        </p:nvSpPr>
-        <p:spPr>
-          <a:xfrm>
-            <a:off x="8545043" y="1708300"/>
-            <a:ext cx="671979" cy="338554"/>
-          </a:xfrm>
-          <a:prstGeom prst="rect">
-            <a:avLst/>
-          </a:prstGeom>
-          <a:noFill/>
-        </p:spPr>
-        <p:txBody>
-          <a:bodyPr wrap="none" rtlCol="0">
-            <a:spAutoFit/>
-          </a:bodyPr>
-          <a:lstStyle/>
-          <a:p>
-            <a:r>
-              <a:rPr lang="pt-BR" sz="1600" dirty="0">
-                <a:latin typeface="Bahnschrift SemiLight" panose="020B0502040204020203" pitchFamily="34" charset="0"/>
-              </a:rPr>
-              <a:t>Drive</a:t>
-            </a:r>
-          </a:p>
-        </p:txBody>
-      </p:sp>
-      <p:cxnSp>
-        <p:nvCxnSpPr>
-          <p:cNvPr id="37" name="Conector de Seta Reta 36">
-            <a:extLst>
-              <a:ext uri="{FF2B5EF4-FFF2-40B4-BE49-F238E27FC236}">
-                <a16:creationId xmlns:a16="http://schemas.microsoft.com/office/drawing/2014/main" id="{29A4F989-67D5-280C-CF2A-D9E253089E2A}"/>
-              </a:ext>
-            </a:extLst>
-          </p:cNvPr>
-          <p:cNvCxnSpPr>
-            <a:cxnSpLocks/>
-            <a:stCxn id="15" idx="2"/>
-            <a:endCxn id="39" idx="0"/>
-          </p:cNvCxnSpPr>
-          <p:nvPr/>
-        </p:nvCxnSpPr>
-        <p:spPr>
-          <a:xfrm flipH="1">
-            <a:off x="3044438" y="5658850"/>
-            <a:ext cx="1627438" cy="625638"/>
-          </a:xfrm>
-          <a:prstGeom prst="straightConnector1">
-            <a:avLst/>
-          </a:prstGeom>
-          <a:ln>
-            <a:solidFill>
-              <a:srgbClr val="FF0000"/>
-            </a:solidFill>
-            <a:tailEnd type="triangle"/>
-          </a:ln>
-        </p:spPr>
-        <p:style>
-          <a:lnRef idx="2">
-            <a:schemeClr val="accent1"/>
-          </a:lnRef>
-          <a:fillRef idx="0">
-            <a:schemeClr val="accent1"/>
-          </a:fillRef>
-          <a:effectRef idx="1">
-            <a:schemeClr val="accent1"/>
-          </a:effectRef>
-          <a:fontRef idx="minor">
-            <a:schemeClr val="tx1"/>
-          </a:fontRef>
-        </p:style>
-      </p:cxnSp>
-      <p:sp>
-        <p:nvSpPr>
-          <p:cNvPr id="39" name="CaixaDeTexto 38">
-            <a:extLst>
-              <a:ext uri="{FF2B5EF4-FFF2-40B4-BE49-F238E27FC236}">
-                <a16:creationId xmlns:a16="http://schemas.microsoft.com/office/drawing/2014/main" id="{A7FE9BCF-0349-CAD8-2094-FFB35AF5526B}"/>
-              </a:ext>
-            </a:extLst>
-          </p:cNvPr>
-          <p:cNvSpPr txBox="1"/>
-          <p:nvPr/>
-        </p:nvSpPr>
-        <p:spPr>
-          <a:xfrm>
-            <a:off x="1930992" y="6284488"/>
-            <a:ext cx="2226892" cy="369332"/>
-          </a:xfrm>
-          <a:prstGeom prst="rect">
-            <a:avLst/>
-          </a:prstGeom>
-          <a:noFill/>
-        </p:spPr>
-        <p:txBody>
-          <a:bodyPr wrap="square" rtlCol="0">
-            <a:spAutoFit/>
-          </a:bodyPr>
-          <a:lstStyle/>
-          <a:p>
-            <a:r>
-              <a:rPr lang="pt-BR" dirty="0" err="1">
-                <a:solidFill>
-                  <a:srgbClr val="FF0000"/>
-                </a:solidFill>
-              </a:rPr>
-              <a:t>Scope</a:t>
-            </a:r>
-            <a:r>
-              <a:rPr lang="pt-BR" dirty="0">
-                <a:solidFill>
-                  <a:srgbClr val="FF0000"/>
-                </a:solidFill>
-              </a:rPr>
-              <a:t> </a:t>
-            </a:r>
-            <a:r>
-              <a:rPr lang="pt-BR" dirty="0" err="1">
-                <a:solidFill>
-                  <a:srgbClr val="FF0000"/>
-                </a:solidFill>
-              </a:rPr>
-              <a:t>of</a:t>
-            </a:r>
-            <a:r>
-              <a:rPr lang="pt-BR" dirty="0">
-                <a:solidFill>
-                  <a:srgbClr val="FF0000"/>
-                </a:solidFill>
-              </a:rPr>
-              <a:t> </a:t>
-            </a:r>
-            <a:r>
-              <a:rPr lang="pt-BR" dirty="0" err="1">
-                <a:solidFill>
-                  <a:srgbClr val="FF0000"/>
-                </a:solidFill>
-              </a:rPr>
-              <a:t>the</a:t>
-            </a:r>
-            <a:r>
-              <a:rPr lang="pt-BR" dirty="0">
-                <a:solidFill>
-                  <a:srgbClr val="FF0000"/>
-                </a:solidFill>
-              </a:rPr>
-              <a:t> </a:t>
-            </a:r>
-            <a:r>
-              <a:rPr lang="pt-BR" dirty="0" err="1">
-                <a:solidFill>
-                  <a:srgbClr val="FF0000"/>
-                </a:solidFill>
-              </a:rPr>
-              <a:t>enabler</a:t>
-            </a:r>
-            <a:endParaRPr lang="pt-BR" dirty="0">
-              <a:solidFill>
-                <a:srgbClr val="FF0000"/>
-              </a:solidFill>
-            </a:endParaRPr>
-          </a:p>
-        </p:txBody>
-      </p:sp>
-      <p:cxnSp>
-        <p:nvCxnSpPr>
-          <p:cNvPr id="42" name="Conector de Seta Reta 41">
-            <a:extLst>
-              <a:ext uri="{FF2B5EF4-FFF2-40B4-BE49-F238E27FC236}">
-                <a16:creationId xmlns:a16="http://schemas.microsoft.com/office/drawing/2014/main" id="{A8017A71-B6C4-6499-74A1-CE876FA73D70}"/>
-              </a:ext>
-            </a:extLst>
-          </p:cNvPr>
-          <p:cNvCxnSpPr>
-            <a:stCxn id="11" idx="1"/>
-          </p:cNvCxnSpPr>
-          <p:nvPr/>
-        </p:nvCxnSpPr>
-        <p:spPr>
-          <a:xfrm flipH="1">
-            <a:off x="2197515" y="3637549"/>
-            <a:ext cx="648229" cy="20051"/>
-          </a:xfrm>
-          <a:prstGeom prst="straightConnector1">
-            <a:avLst/>
-          </a:prstGeom>
-          <a:ln>
-            <a:solidFill>
-              <a:srgbClr val="FF0000"/>
-            </a:solidFill>
-            <a:tailEnd type="triangle"/>
-          </a:ln>
-        </p:spPr>
-        <p:style>
-          <a:lnRef idx="2">
-            <a:schemeClr val="accent1"/>
-          </a:lnRef>
-          <a:fillRef idx="0">
-            <a:schemeClr val="accent1"/>
-          </a:fillRef>
-          <a:effectRef idx="1">
-            <a:schemeClr val="accent1"/>
-          </a:effectRef>
-          <a:fontRef idx="minor">
-            <a:schemeClr val="tx1"/>
-          </a:fontRef>
-        </p:style>
-      </p:cxnSp>
-      <p:cxnSp>
-        <p:nvCxnSpPr>
-          <p:cNvPr id="44" name="Conector de Seta Reta 43">
-            <a:extLst>
-              <a:ext uri="{FF2B5EF4-FFF2-40B4-BE49-F238E27FC236}">
-                <a16:creationId xmlns:a16="http://schemas.microsoft.com/office/drawing/2014/main" id="{52B758FC-5F2A-05EF-D8DB-AFDF4204AAC4}"/>
-              </a:ext>
-            </a:extLst>
-          </p:cNvPr>
-          <p:cNvCxnSpPr>
-            <a:cxnSpLocks/>
-            <a:stCxn id="16" idx="0"/>
-          </p:cNvCxnSpPr>
-          <p:nvPr/>
-        </p:nvCxnSpPr>
-        <p:spPr>
-          <a:xfrm flipH="1" flipV="1">
-            <a:off x="2197515" y="3657600"/>
-            <a:ext cx="5322611" cy="1070807"/>
-          </a:xfrm>
-          <a:prstGeom prst="straightConnector1">
-            <a:avLst/>
-          </a:prstGeom>
-          <a:ln>
-            <a:solidFill>
-              <a:srgbClr val="FF0000"/>
-            </a:solidFill>
-            <a:tailEnd type="triangle"/>
-          </a:ln>
-        </p:spPr>
-        <p:style>
-          <a:lnRef idx="2">
-            <a:schemeClr val="accent1"/>
-          </a:lnRef>
-          <a:fillRef idx="0">
-            <a:schemeClr val="accent1"/>
-          </a:fillRef>
-          <a:effectRef idx="1">
-            <a:schemeClr val="accent1"/>
-          </a:effectRef>
-          <a:fontRef idx="minor">
-            <a:schemeClr val="tx1"/>
-          </a:fontRef>
-        </p:style>
-      </p:cxnSp>
-      <p:sp>
-        <p:nvSpPr>
-          <p:cNvPr id="48" name="CaixaDeTexto 47">
-            <a:extLst>
-              <a:ext uri="{FF2B5EF4-FFF2-40B4-BE49-F238E27FC236}">
-                <a16:creationId xmlns:a16="http://schemas.microsoft.com/office/drawing/2014/main" id="{7D211DF4-837E-9C42-0487-DC12EDEC286D}"/>
-              </a:ext>
-            </a:extLst>
-          </p:cNvPr>
-          <p:cNvSpPr txBox="1"/>
-          <p:nvPr/>
-        </p:nvSpPr>
-        <p:spPr>
-          <a:xfrm>
-            <a:off x="1157975" y="3324408"/>
-            <a:ext cx="1178023" cy="646331"/>
-          </a:xfrm>
-          <a:prstGeom prst="rect">
-            <a:avLst/>
-          </a:prstGeom>
-          <a:noFill/>
-        </p:spPr>
-        <p:txBody>
-          <a:bodyPr wrap="square" rtlCol="0">
-            <a:spAutoFit/>
-          </a:bodyPr>
-          <a:lstStyle/>
-          <a:p>
-            <a:r>
-              <a:rPr lang="pt-BR" dirty="0" err="1">
-                <a:solidFill>
-                  <a:srgbClr val="FF0000"/>
-                </a:solidFill>
-              </a:rPr>
-              <a:t>Can</a:t>
-            </a:r>
-            <a:r>
-              <a:rPr lang="pt-BR" dirty="0">
-                <a:solidFill>
-                  <a:srgbClr val="FF0000"/>
-                </a:solidFill>
-              </a:rPr>
-              <a:t> </a:t>
-            </a:r>
-            <a:r>
-              <a:rPr lang="pt-BR" dirty="0" err="1">
-                <a:solidFill>
-                  <a:srgbClr val="FF0000"/>
-                </a:solidFill>
-              </a:rPr>
-              <a:t>be</a:t>
-            </a:r>
-            <a:r>
-              <a:rPr lang="pt-BR" dirty="0">
-                <a:solidFill>
-                  <a:srgbClr val="FF0000"/>
-                </a:solidFill>
-              </a:rPr>
-              <a:t> </a:t>
-            </a:r>
-            <a:r>
-              <a:rPr lang="pt-BR" dirty="0" err="1">
-                <a:solidFill>
-                  <a:srgbClr val="FF0000"/>
-                </a:solidFill>
-              </a:rPr>
-              <a:t>used</a:t>
-            </a:r>
-            <a:r>
-              <a:rPr lang="pt-BR" dirty="0">
-                <a:solidFill>
-                  <a:srgbClr val="FF0000"/>
-                </a:solidFill>
-              </a:rPr>
-              <a:t> too!</a:t>
-            </a:r>
-          </a:p>
-        </p:txBody>
-      </p:sp>
-    </p:spTree>
-    <p:extLst>
-      <p:ext uri="{BB962C8B-B14F-4D97-AF65-F5344CB8AC3E}">
-        <p14:creationId xmlns:p14="http://schemas.microsoft.com/office/powerpoint/2010/main" val="1593602782"/>
-      </p:ext>
-    </p:extLst>
-  </p:cSld>
-  <p:clrMapOvr>
-    <a:masterClrMapping/>
-  </p:clrMapOvr>
-  <mc:AlternateContent xmlns:mc="http://schemas.openxmlformats.org/markup-compatibility/2006" xmlns:p159="http://schemas.microsoft.com/office/powerpoint/2015/09/main">
-    <mc:Choice Requires="p159">
-      <p:transition xmlns:p14="http://schemas.microsoft.com/office/powerpoint/2010/main" spd="slow" p14:dur="2000">
-        <p159:morph option="byObject"/>
-      </p:transition>
-    </mc:Choice>
-    <mc:Fallback xmlns="">
-      <p:transition spd="slow">
-        <p:fade/>
-      </p:transition>
-    </mc:Fallback>
-  </mc:AlternateContent>
-  <p:timing>
-    <p:tnLst>
-      <p:par>
-        <p:cTn id="1" dur="indefinite" restart="never" nodeType="tmRoot">
-          <p:childTnLst>
-            <p:seq concurrent="1" nextAc="seek">
-              <p:cTn id="2" dur="indefinite" nodeType="mainSeq">
-                <p:childTnLst>
-                  <p:par>
-                    <p:cTn id="3" fill="hold">
-                      <p:stCondLst>
-                        <p:cond delay="indefinite"/>
-                      </p:stCondLst>
-                      <p:childTnLst>
-                        <p:par>
-                          <p:cTn id="4" fill="hold">
-                            <p:stCondLst>
-                              <p:cond delay="0"/>
-                            </p:stCondLst>
-                            <p:childTnLst>
-                              <p:par>
-                                <p:cTn id="5" presetID="10" presetClass="entr" presetSubtype="0" fill="hold" nodeType="clickEffect">
-                                  <p:stCondLst>
-                                    <p:cond delay="0"/>
-                                  </p:stCondLst>
-                                  <p:childTnLst>
-                                    <p:set>
-                                      <p:cBhvr>
-                                        <p:cTn id="6" dur="1" fill="hold">
-                                          <p:stCondLst>
-                                            <p:cond delay="0"/>
-                                          </p:stCondLst>
-                                        </p:cTn>
-                                        <p:tgtEl>
-                                          <p:spTgt spid="37"/>
-                                        </p:tgtEl>
-                                        <p:attrNameLst>
-                                          <p:attrName>style.visibility</p:attrName>
-                                        </p:attrNameLst>
-                                      </p:cBhvr>
-                                      <p:to>
-                                        <p:strVal val="visible"/>
-                                      </p:to>
-                                    </p:set>
-                                    <p:animEffect transition="in" filter="fade">
-                                      <p:cBhvr>
-                                        <p:cTn id="7" dur="500"/>
-                                        <p:tgtEl>
-                                          <p:spTgt spid="37"/>
-                                        </p:tgtEl>
-                                      </p:cBhvr>
-                                    </p:animEffect>
-                                  </p:childTnLst>
-                                </p:cTn>
-                              </p:par>
-                            </p:childTnLst>
-                          </p:cTn>
-                        </p:par>
-                        <p:par>
-                          <p:cTn id="8" fill="hold">
-                            <p:stCondLst>
-                              <p:cond delay="500"/>
-                            </p:stCondLst>
-                            <p:childTnLst>
-                              <p:par>
-                                <p:cTn id="9" presetID="10" presetClass="entr" presetSubtype="0" fill="hold" grpId="0" nodeType="afterEffect">
-                                  <p:stCondLst>
-                                    <p:cond delay="0"/>
-                                  </p:stCondLst>
-                                  <p:childTnLst>
-                                    <p:set>
-                                      <p:cBhvr>
-                                        <p:cTn id="10" dur="1" fill="hold">
-                                          <p:stCondLst>
-                                            <p:cond delay="0"/>
-                                          </p:stCondLst>
-                                        </p:cTn>
-                                        <p:tgtEl>
-                                          <p:spTgt spid="39"/>
-                                        </p:tgtEl>
-                                        <p:attrNameLst>
-                                          <p:attrName>style.visibility</p:attrName>
-                                        </p:attrNameLst>
-                                      </p:cBhvr>
-                                      <p:to>
-                                        <p:strVal val="visible"/>
-                                      </p:to>
-                                    </p:set>
-                                    <p:animEffect transition="in" filter="fade">
-                                      <p:cBhvr>
-                                        <p:cTn id="11" dur="500"/>
-                                        <p:tgtEl>
-                                          <p:spTgt spid="39"/>
-                                        </p:tgtEl>
-                                      </p:cBhvr>
-                                    </p:animEffect>
-                                  </p:childTnLst>
-                                </p:cTn>
-                              </p:par>
-                            </p:childTnLst>
-                          </p:cTn>
-                        </p:par>
-                      </p:childTnLst>
-                    </p:cTn>
-                  </p:par>
-                  <p:par>
-                    <p:cTn id="12" fill="hold">
-                      <p:stCondLst>
-                        <p:cond delay="indefinite"/>
-                      </p:stCondLst>
-                      <p:childTnLst>
-                        <p:par>
-                          <p:cTn id="13" fill="hold">
-                            <p:stCondLst>
-                              <p:cond delay="0"/>
-                            </p:stCondLst>
-                            <p:childTnLst>
-                              <p:par>
-                                <p:cTn id="14" presetID="10" presetClass="entr" presetSubtype="0" fill="hold" nodeType="clickEffect">
-                                  <p:stCondLst>
-                                    <p:cond delay="0"/>
-                                  </p:stCondLst>
-                                  <p:childTnLst>
-                                    <p:set>
-                                      <p:cBhvr>
-                                        <p:cTn id="15" dur="1" fill="hold">
-                                          <p:stCondLst>
-                                            <p:cond delay="0"/>
-                                          </p:stCondLst>
-                                        </p:cTn>
-                                        <p:tgtEl>
-                                          <p:spTgt spid="42"/>
-                                        </p:tgtEl>
-                                        <p:attrNameLst>
-                                          <p:attrName>style.visibility</p:attrName>
-                                        </p:attrNameLst>
-                                      </p:cBhvr>
-                                      <p:to>
-                                        <p:strVal val="visible"/>
-                                      </p:to>
-                                    </p:set>
-                                    <p:animEffect transition="in" filter="fade">
-                                      <p:cBhvr>
-                                        <p:cTn id="16" dur="500"/>
-                                        <p:tgtEl>
-                                          <p:spTgt spid="42"/>
-                                        </p:tgtEl>
-                                      </p:cBhvr>
-                                    </p:animEffect>
-                                  </p:childTnLst>
-                                </p:cTn>
-                              </p:par>
-                              <p:par>
-                                <p:cTn id="17" presetID="10" presetClass="entr" presetSubtype="0" fill="hold" nodeType="withEffect">
-                                  <p:stCondLst>
-                                    <p:cond delay="0"/>
-                                  </p:stCondLst>
-                                  <p:childTnLst>
-                                    <p:set>
-                                      <p:cBhvr>
-                                        <p:cTn id="18" dur="1" fill="hold">
-                                          <p:stCondLst>
-                                            <p:cond delay="0"/>
-                                          </p:stCondLst>
-                                        </p:cTn>
-                                        <p:tgtEl>
-                                          <p:spTgt spid="44"/>
-                                        </p:tgtEl>
-                                        <p:attrNameLst>
-                                          <p:attrName>style.visibility</p:attrName>
-                                        </p:attrNameLst>
-                                      </p:cBhvr>
-                                      <p:to>
-                                        <p:strVal val="visible"/>
-                                      </p:to>
-                                    </p:set>
-                                    <p:animEffect transition="in" filter="fade">
-                                      <p:cBhvr>
-                                        <p:cTn id="19" dur="500"/>
-                                        <p:tgtEl>
-                                          <p:spTgt spid="44"/>
-                                        </p:tgtEl>
-                                      </p:cBhvr>
-                                    </p:animEffect>
-                                  </p:childTnLst>
-                                </p:cTn>
-                              </p:par>
-                            </p:childTnLst>
-                          </p:cTn>
-                        </p:par>
-                        <p:par>
-                          <p:cTn id="20" fill="hold">
-                            <p:stCondLst>
-                              <p:cond delay="500"/>
-                            </p:stCondLst>
-                            <p:childTnLst>
-                              <p:par>
-                                <p:cTn id="21" presetID="10" presetClass="entr" presetSubtype="0" fill="hold" grpId="0" nodeType="afterEffect">
-                                  <p:stCondLst>
-                                    <p:cond delay="0"/>
-                                  </p:stCondLst>
-                                  <p:childTnLst>
-                                    <p:set>
-                                      <p:cBhvr>
-                                        <p:cTn id="22" dur="1" fill="hold">
-                                          <p:stCondLst>
-                                            <p:cond delay="0"/>
-                                          </p:stCondLst>
-                                        </p:cTn>
-                                        <p:tgtEl>
-                                          <p:spTgt spid="48"/>
-                                        </p:tgtEl>
-                                        <p:attrNameLst>
-                                          <p:attrName>style.visibility</p:attrName>
-                                        </p:attrNameLst>
-                                      </p:cBhvr>
-                                      <p:to>
-                                        <p:strVal val="visible"/>
-                                      </p:to>
-                                    </p:set>
-                                    <p:animEffect transition="in" filter="fade">
-                                      <p:cBhvr>
-                                        <p:cTn id="23" dur="500"/>
-                                        <p:tgtEl>
-                                          <p:spTgt spid="48"/>
-                                        </p:tgtEl>
-                                      </p:cBhvr>
-                                    </p:animEffect>
-                                  </p:childTnLst>
-                                </p:cTn>
-                              </p:par>
-                            </p:childTnLst>
-                          </p:cTn>
-                        </p:par>
-                      </p:childTnLst>
-                    </p:cTn>
-                  </p:par>
-                  <p:par>
-                    <p:cTn id="24" fill="hold">
-                      <p:stCondLst>
-                        <p:cond delay="indefinite"/>
-                      </p:stCondLst>
-                      <p:childTnLst>
-                        <p:par>
-                          <p:cTn id="25" fill="hold">
-                            <p:stCondLst>
-                              <p:cond delay="0"/>
-                            </p:stCondLst>
-                            <p:childTnLst>
-                              <p:par>
-                                <p:cTn id="26" presetID="10" presetClass="exit" presetSubtype="0" fill="hold" nodeType="clickEffect">
-                                  <p:stCondLst>
-                                    <p:cond delay="0"/>
-                                  </p:stCondLst>
-                                  <p:childTnLst>
-                                    <p:animEffect transition="out" filter="fade">
-                                      <p:cBhvr>
-                                        <p:cTn id="27" dur="500"/>
-                                        <p:tgtEl>
-                                          <p:spTgt spid="42"/>
-                                        </p:tgtEl>
-                                      </p:cBhvr>
-                                    </p:animEffect>
-                                    <p:set>
-                                      <p:cBhvr>
-                                        <p:cTn id="28" dur="1" fill="hold">
-                                          <p:stCondLst>
-                                            <p:cond delay="499"/>
-                                          </p:stCondLst>
-                                        </p:cTn>
-                                        <p:tgtEl>
-                                          <p:spTgt spid="42"/>
-                                        </p:tgtEl>
-                                        <p:attrNameLst>
-                                          <p:attrName>style.visibility</p:attrName>
-                                        </p:attrNameLst>
-                                      </p:cBhvr>
-                                      <p:to>
-                                        <p:strVal val="hidden"/>
-                                      </p:to>
-                                    </p:set>
-                                  </p:childTnLst>
-                                </p:cTn>
-                              </p:par>
-                              <p:par>
-                                <p:cTn id="29" presetID="10" presetClass="exit" presetSubtype="0" fill="hold" nodeType="withEffect">
-                                  <p:stCondLst>
-                                    <p:cond delay="0"/>
-                                  </p:stCondLst>
-                                  <p:childTnLst>
-                                    <p:animEffect transition="out" filter="fade">
-                                      <p:cBhvr>
-                                        <p:cTn id="30" dur="500"/>
-                                        <p:tgtEl>
-                                          <p:spTgt spid="44"/>
-                                        </p:tgtEl>
-                                      </p:cBhvr>
-                                    </p:animEffect>
-                                    <p:set>
-                                      <p:cBhvr>
-                                        <p:cTn id="31" dur="1" fill="hold">
-                                          <p:stCondLst>
-                                            <p:cond delay="499"/>
-                                          </p:stCondLst>
-                                        </p:cTn>
-                                        <p:tgtEl>
-                                          <p:spTgt spid="44"/>
-                                        </p:tgtEl>
-                                        <p:attrNameLst>
-                                          <p:attrName>style.visibility</p:attrName>
-                                        </p:attrNameLst>
-                                      </p:cBhvr>
-                                      <p:to>
-                                        <p:strVal val="hidden"/>
-                                      </p:to>
-                                    </p:set>
-                                  </p:childTnLst>
-                                </p:cTn>
-                              </p:par>
-                              <p:par>
-                                <p:cTn id="32" presetID="10" presetClass="exit" presetSubtype="0" fill="hold" grpId="1" nodeType="withEffect">
-                                  <p:stCondLst>
-                                    <p:cond delay="0"/>
-                                  </p:stCondLst>
-                                  <p:childTnLst>
-                                    <p:animEffect transition="out" filter="fade">
-                                      <p:cBhvr>
-                                        <p:cTn id="33" dur="500"/>
-                                        <p:tgtEl>
-                                          <p:spTgt spid="48"/>
-                                        </p:tgtEl>
-                                      </p:cBhvr>
-                                    </p:animEffect>
-                                    <p:set>
-                                      <p:cBhvr>
-                                        <p:cTn id="34" dur="1" fill="hold">
-                                          <p:stCondLst>
-                                            <p:cond delay="499"/>
-                                          </p:stCondLst>
-                                        </p:cTn>
-                                        <p:tgtEl>
-                                          <p:spTgt spid="48"/>
-                                        </p:tgtEl>
-                                        <p:attrNameLst>
-                                          <p:attrName>style.visibility</p:attrName>
-                                        </p:attrNameLst>
-                                      </p:cBhvr>
-                                      <p:to>
-                                        <p:strVal val="hidden"/>
-                                      </p:to>
-                                    </p:set>
-                                  </p:childTnLst>
-                                </p:cTn>
-                              </p:par>
-                            </p:childTnLst>
-                          </p:cTn>
-                        </p:par>
-                      </p:childTnLst>
-                    </p:cTn>
-                  </p:par>
-                </p:childTnLst>
-              </p:cTn>
-              <p:prevCondLst>
-                <p:cond evt="onPrev" delay="0">
-                  <p:tgtEl>
-                    <p:sldTgt/>
-                  </p:tgtEl>
-                </p:cond>
-              </p:prevCondLst>
-              <p:nextCondLst>
-                <p:cond evt="onNext" delay="0">
-                  <p:tgtEl>
-                    <p:sldTgt/>
-                  </p:tgtEl>
-                </p:cond>
-              </p:nextCondLst>
-            </p:seq>
-          </p:childTnLst>
-        </p:cTn>
-      </p:par>
-    </p:tnLst>
-    <p:bldLst>
-      <p:bldP spid="39" grpId="0"/>
-      <p:bldP spid="48" grpId="0"/>
-      <p:bldP spid="48" grpId="1"/>
-    </p:bldLst>
-  </p:timing>
-</p:sld>
-</file>
-
-<file path=ppt/slides/slide4.xml><?xml version="1.0" encoding="utf-8"?>
 <p:sld xmlns:a="http://schemas.openxmlformats.org/drawingml/2006/main" xmlns:r="http://schemas.openxmlformats.org/officeDocument/2006/relationships" xmlns:p="http://schemas.openxmlformats.org/presentationml/2006/main">
   <p:cSld>
     <p:spTree>
@@ -9393,7 +7704,7 @@
 </p:sld>
 </file>
 
-<file path=ppt/slides/slide5.xml><?xml version="1.0" encoding="utf-8"?>
+<file path=ppt/slides/slide4.xml><?xml version="1.0" encoding="utf-8"?>
 <p:sld xmlns:a="http://schemas.openxmlformats.org/drawingml/2006/main" xmlns:r="http://schemas.openxmlformats.org/officeDocument/2006/relationships" xmlns:p="http://schemas.openxmlformats.org/presentationml/2006/main">
   <p:cSld>
     <p:spTree>
@@ -11261,7 +9572,7 @@
 </p:sld>
 </file>
 
-<file path=ppt/slides/slide6.xml><?xml version="1.0" encoding="utf-8"?>
+<file path=ppt/slides/slide5.xml><?xml version="1.0" encoding="utf-8"?>
 <p:sld xmlns:a="http://schemas.openxmlformats.org/drawingml/2006/main" xmlns:r="http://schemas.openxmlformats.org/officeDocument/2006/relationships" xmlns:p="http://schemas.openxmlformats.org/presentationml/2006/main">
   <p:cSld>
     <p:spTree>
@@ -12053,6 +10364,85 @@
                                           </p:stCondLst>
                                         </p:cTn>
                                         <p:tgtEl>
+                                          <p:spTgt spid="28"/>
+                                        </p:tgtEl>
+                                        <p:attrNameLst>
+                                          <p:attrName>style.visibility</p:attrName>
+                                        </p:attrNameLst>
+                                      </p:cBhvr>
+                                      <p:to>
+                                        <p:strVal val="visible"/>
+                                      </p:to>
+                                    </p:set>
+                                    <p:animEffect transition="in" filter="fade">
+                                      <p:cBhvr>
+                                        <p:cTn id="11" dur="250"/>
+                                        <p:tgtEl>
+                                          <p:spTgt spid="28"/>
+                                        </p:tgtEl>
+                                      </p:cBhvr>
+                                    </p:animEffect>
+                                  </p:childTnLst>
+                                </p:cTn>
+                              </p:par>
+                              <p:par>
+                                <p:cTn id="12" presetID="10" presetClass="entr" presetSubtype="0" fill="hold" grpId="0" nodeType="withEffect">
+                                  <p:stCondLst>
+                                    <p:cond delay="0"/>
+                                  </p:stCondLst>
+                                  <p:childTnLst>
+                                    <p:set>
+                                      <p:cBhvr>
+                                        <p:cTn id="13" dur="1" fill="hold">
+                                          <p:stCondLst>
+                                            <p:cond delay="0"/>
+                                          </p:stCondLst>
+                                        </p:cTn>
+                                        <p:tgtEl>
+                                          <p:spTgt spid="35"/>
+                                        </p:tgtEl>
+                                        <p:attrNameLst>
+                                          <p:attrName>style.visibility</p:attrName>
+                                        </p:attrNameLst>
+                                      </p:cBhvr>
+                                      <p:to>
+                                        <p:strVal val="visible"/>
+                                      </p:to>
+                                    </p:set>
+                                    <p:animEffect transition="in" filter="fade">
+                                      <p:cBhvr>
+                                        <p:cTn id="14" dur="250"/>
+                                        <p:tgtEl>
+                                          <p:spTgt spid="35"/>
+                                        </p:tgtEl>
+                                      </p:cBhvr>
+                                    </p:animEffect>
+                                  </p:childTnLst>
+                                </p:cTn>
+                              </p:par>
+                            </p:childTnLst>
+                          </p:cTn>
+                        </p:par>
+                        <p:par>
+                          <p:cTn id="15" fill="hold">
+                            <p:stCondLst>
+                              <p:cond delay="750"/>
+                            </p:stCondLst>
+                            <p:childTnLst>
+                              <p:par>
+                                <p:cTn id="16" presetID="10" presetClass="entr" presetSubtype="0" fill="hold" grpId="0" nodeType="afterEffect">
+                                  <p:stCondLst>
+                                    <p:cond delay="0"/>
+                                  </p:stCondLst>
+                                  <p:childTnLst>
+                                    <p:set>
+                                      <p:cBhvr>
+                                        <p:cTn id="17" dur="1" fill="hold">
+                                          <p:stCondLst>
+                                            <p:cond delay="0"/>
+                                          </p:stCondLst>
+                                        </p:cTn>
+                                        <p:tgtEl>
                                           <p:spTgt spid="15"/>
                                         </p:tgtEl>
                                         <p:attrNameLst>
@@ -12065,7 +10455,7 @@
                                     </p:set>
                                     <p:animEffect transition="in" filter="fade">
                                       <p:cBhvr>
-                                        <p:cTn id="11" dur="500"/>
+                                        <p:cTn id="18" dur="250"/>
                                         <p:tgtEl>
                                           <p:spTgt spid="15"/>
                                         </p:tgtEl>
@@ -12078,20 +10468,99 @@
                           </p:cTn>
                         </p:par>
                         <p:par>
-                          <p:cTn id="12" fill="hold">
+                          <p:cTn id="19" fill="hold">
                             <p:stCondLst>
                               <p:cond delay="1000"/>
                             </p:stCondLst>
                             <p:childTnLst>
                               <p:par>
-                                <p:cTn id="13" presetID="10" presetClass="entr" presetSubtype="0" fill="hold" grpId="0" nodeType="afterEffect">
+                                <p:cTn id="20" presetID="10" presetClass="entr" presetSubtype="0" fill="hold" grpId="0" nodeType="afterEffect">
                                   <p:stCondLst>
                                     <p:cond delay="0"/>
                                   </p:stCondLst>
                                   <p:childTnLst>
                                     <p:set>
                                       <p:cBhvr>
-                                        <p:cTn id="14" dur="1" fill="hold">
+                                        <p:cTn id="21" dur="1" fill="hold">
+                                          <p:stCondLst>
+                                            <p:cond delay="0"/>
+                                          </p:stCondLst>
+                                        </p:cTn>
+                                        <p:tgtEl>
+                                          <p:spTgt spid="19"/>
+                                        </p:tgtEl>
+                                        <p:attrNameLst>
+                                          <p:attrName>style.visibility</p:attrName>
+                                        </p:attrNameLst>
+                                      </p:cBhvr>
+                                      <p:to>
+                                        <p:strVal val="visible"/>
+                                      </p:to>
+                                    </p:set>
+                                    <p:animEffect transition="in" filter="fade">
+                                      <p:cBhvr>
+                                        <p:cTn id="22" dur="250"/>
+                                        <p:tgtEl>
+                                          <p:spTgt spid="19"/>
+                                        </p:tgtEl>
+                                      </p:cBhvr>
+                                    </p:animEffect>
+                                  </p:childTnLst>
+                                </p:cTn>
+                              </p:par>
+                              <p:par>
+                                <p:cTn id="23" presetID="10" presetClass="entr" presetSubtype="0" fill="hold" grpId="0" nodeType="withEffect">
+                                  <p:stCondLst>
+                                    <p:cond delay="0"/>
+                                  </p:stCondLst>
+                                  <p:childTnLst>
+                                    <p:set>
+                                      <p:cBhvr>
+                                        <p:cTn id="24" dur="1" fill="hold">
+                                          <p:stCondLst>
+                                            <p:cond delay="0"/>
+                                          </p:stCondLst>
+                                        </p:cTn>
+                                        <p:tgtEl>
+                                          <p:spTgt spid="29"/>
+                                        </p:tgtEl>
+                                        <p:attrNameLst>
+                                          <p:attrName>style.visibility</p:attrName>
+                                        </p:attrNameLst>
+                                      </p:cBhvr>
+                                      <p:to>
+                                        <p:strVal val="visible"/>
+                                      </p:to>
+                                    </p:set>
+                                    <p:animEffect transition="in" filter="fade">
+                                      <p:cBhvr>
+                                        <p:cTn id="25" dur="250"/>
+                                        <p:tgtEl>
+                                          <p:spTgt spid="29"/>
+                                        </p:tgtEl>
+                                      </p:cBhvr>
+                                    </p:animEffect>
+                                  </p:childTnLst>
+                                </p:cTn>
+                              </p:par>
+                            </p:childTnLst>
+                          </p:cTn>
+                        </p:par>
+                        <p:par>
+                          <p:cTn id="26" fill="hold">
+                            <p:stCondLst>
+                              <p:cond delay="1250"/>
+                            </p:stCondLst>
+                            <p:childTnLst>
+                              <p:par>
+                                <p:cTn id="27" presetID="10" presetClass="entr" presetSubtype="0" fill="hold" grpId="0" nodeType="afterEffect">
+                                  <p:stCondLst>
+                                    <p:cond delay="0"/>
+                                  </p:stCondLst>
+                                  <p:childTnLst>
+                                    <p:set>
+                                      <p:cBhvr>
+                                        <p:cTn id="28" dur="1" fill="hold">
                                           <p:stCondLst>
                                             <p:cond delay="0"/>
                                           </p:stCondLst>
@@ -12109,7 +10578,7 @@
                                     </p:set>
                                     <p:animEffect transition="in" filter="fade">
                                       <p:cBhvr>
-                                        <p:cTn id="15" dur="500"/>
+                                        <p:cTn id="29" dur="250"/>
                                         <p:tgtEl>
                                           <p:spTgt spid="16"/>
                                         </p:tgtEl>
@@ -12122,20 +10591,99 @@
                           </p:cTn>
                         </p:par>
                         <p:par>
-                          <p:cTn id="16" fill="hold">
+                          <p:cTn id="30" fill="hold">
                             <p:stCondLst>
                               <p:cond delay="1500"/>
                             </p:stCondLst>
                             <p:childTnLst>
                               <p:par>
-                                <p:cTn id="17" presetID="10" presetClass="entr" presetSubtype="0" fill="hold" grpId="0" nodeType="afterEffect">
+                                <p:cTn id="31" presetID="10" presetClass="entr" presetSubtype="0" fill="hold" grpId="0" nodeType="afterEffect">
                                   <p:stCondLst>
                                     <p:cond delay="0"/>
                                   </p:stCondLst>
                                   <p:childTnLst>
                                     <p:set>
                                       <p:cBhvr>
-                                        <p:cTn id="18" dur="1" fill="hold">
+                                        <p:cTn id="32" dur="1" fill="hold">
+                                          <p:stCondLst>
+                                            <p:cond delay="0"/>
+                                          </p:stCondLst>
+                                        </p:cTn>
+                                        <p:tgtEl>
+                                          <p:spTgt spid="20"/>
+                                        </p:tgtEl>
+                                        <p:attrNameLst>
+                                          <p:attrName>style.visibility</p:attrName>
+                                        </p:attrNameLst>
+                                      </p:cBhvr>
+                                      <p:to>
+                                        <p:strVal val="visible"/>
+                                      </p:to>
+                                    </p:set>
+                                    <p:animEffect transition="in" filter="fade">
+                                      <p:cBhvr>
+                                        <p:cTn id="33" dur="250"/>
+                                        <p:tgtEl>
+                                          <p:spTgt spid="20"/>
+                                        </p:tgtEl>
+                                      </p:cBhvr>
+                                    </p:animEffect>
+                                  </p:childTnLst>
+                                </p:cTn>
+                              </p:par>
+                              <p:par>
+                                <p:cTn id="34" presetID="10" presetClass="entr" presetSubtype="0" fill="hold" grpId="0" nodeType="withEffect">
+                                  <p:stCondLst>
+                                    <p:cond delay="0"/>
+                                  </p:stCondLst>
+                                  <p:childTnLst>
+                                    <p:set>
+                                      <p:cBhvr>
+                                        <p:cTn id="35" dur="1" fill="hold">
+                                          <p:stCondLst>
+                                            <p:cond delay="0"/>
+                                          </p:stCondLst>
+                                        </p:cTn>
+                                        <p:tgtEl>
+                                          <p:spTgt spid="30"/>
+                                        </p:tgtEl>
+                                        <p:attrNameLst>
+                                          <p:attrName>style.visibility</p:attrName>
+                                        </p:attrNameLst>
+                                      </p:cBhvr>
+                                      <p:to>
+                                        <p:strVal val="visible"/>
+                                      </p:to>
+                                    </p:set>
+                                    <p:animEffect transition="in" filter="fade">
+                                      <p:cBhvr>
+                                        <p:cTn id="36" dur="250"/>
+                                        <p:tgtEl>
+                                          <p:spTgt spid="30"/>
+                                        </p:tgtEl>
+                                      </p:cBhvr>
+                                    </p:animEffect>
+                                  </p:childTnLst>
+                                </p:cTn>
+                              </p:par>
+                            </p:childTnLst>
+                          </p:cTn>
+                        </p:par>
+                        <p:par>
+                          <p:cTn id="37" fill="hold">
+                            <p:stCondLst>
+                              <p:cond delay="1750"/>
+                            </p:stCondLst>
+                            <p:childTnLst>
+                              <p:par>
+                                <p:cTn id="38" presetID="10" presetClass="entr" presetSubtype="0" fill="hold" grpId="0" nodeType="afterEffect">
+                                  <p:stCondLst>
+                                    <p:cond delay="0"/>
+                                  </p:stCondLst>
+                                  <p:childTnLst>
+                                    <p:set>
+                                      <p:cBhvr>
+                                        <p:cTn id="39" dur="1" fill="hold">
                                           <p:stCondLst>
                                             <p:cond delay="0"/>
                                           </p:stCondLst>
@@ -12153,9 +10701,88 @@
                                     </p:set>
                                     <p:animEffect transition="in" filter="fade">
                                       <p:cBhvr>
-                                        <p:cTn id="19" dur="500"/>
+                                        <p:cTn id="40" dur="250"/>
                                         <p:tgtEl>
                                           <p:spTgt spid="17"/>
+                                        </p:tgtEl>
+                                      </p:cBhvr>
+                                    </p:animEffect>
+                                  </p:childTnLst>
+                                </p:cTn>
+                              </p:par>
+                            </p:childTnLst>
+                          </p:cTn>
+                        </p:par>
+                        <p:par>
+                          <p:cTn id="41" fill="hold">
+                            <p:stCondLst>
+                              <p:cond delay="2000"/>
+                            </p:stCondLst>
+                            <p:childTnLst>
+                              <p:par>
+                                <p:cTn id="42" presetID="10" presetClass="entr" presetSubtype="0" fill="hold" grpId="0" nodeType="afterEffect">
+                                  <p:stCondLst>
+                                    <p:cond delay="0"/>
+                                  </p:stCondLst>
+                                  <p:childTnLst>
+                                    <p:set>
+                                      <p:cBhvr>
+                                        <p:cTn id="43" dur="1" fill="hold">
+                                          <p:stCondLst>
+                                            <p:cond delay="0"/>
+                                          </p:stCondLst>
+                                        </p:cTn>
+                                        <p:tgtEl>
+                                          <p:spTgt spid="21"/>
+                                        </p:tgtEl>
+                                        <p:attrNameLst>
+                                          <p:attrName>style.visibility</p:attrName>
+                                        </p:attrNameLst>
+                                      </p:cBhvr>
+                                      <p:to>
+                                        <p:strVal val="visible"/>
+                                      </p:to>
+                                    </p:set>
+                                    <p:animEffect transition="in" filter="fade">
+                                      <p:cBhvr>
+                                        <p:cTn id="44" dur="250"/>
+                                        <p:tgtEl>
+                                          <p:spTgt spid="21"/>
+                                        </p:tgtEl>
+                                      </p:cBhvr>
+                                    </p:animEffect>
+                                  </p:childTnLst>
+                                </p:cTn>
+                              </p:par>
+                              <p:par>
+                                <p:cTn id="45" presetID="10" presetClass="entr" presetSubtype="0" fill="hold" grpId="0" nodeType="withEffect">
+                                  <p:stCondLst>
+                                    <p:cond delay="0"/>
+                                  </p:stCondLst>
+                                  <p:childTnLst>
+                                    <p:set>
+                                      <p:cBhvr>
+                                        <p:cTn id="46" dur="1" fill="hold">
+                                          <p:stCondLst>
+                                            <p:cond delay="0"/>
+                                          </p:stCondLst>
+                                        </p:cTn>
+                                        <p:tgtEl>
+                                          <p:spTgt spid="34"/>
+                                        </p:tgtEl>
+                                        <p:attrNameLst>
+                                          <p:attrName>style.visibility</p:attrName>
+                                        </p:attrNameLst>
+                                      </p:cBhvr>
+                                      <p:to>
+                                        <p:strVal val="visible"/>
+                                      </p:to>
+                                    </p:set>
+                                    <p:animEffect transition="in" filter="fade">
+                                      <p:cBhvr>
+                                        <p:cTn id="47" dur="250"/>
+                                        <p:tgtEl>
+                                          <p:spTgt spid="34"/>
                                         </p:tgtEl>
                                       </p:cBhvr>
                                     </p:animEffect>
@@ -12194,12 +10821,20 @@
       <p:bldP spid="15" grpId="0"/>
       <p:bldP spid="16" grpId="0"/>
       <p:bldP spid="17" grpId="0"/>
+      <p:bldP spid="19" grpId="0" animBg="1"/>
+      <p:bldP spid="20" grpId="0" animBg="1"/>
+      <p:bldP spid="21" grpId="0" animBg="1"/>
+      <p:bldP spid="28" grpId="0" animBg="1"/>
+      <p:bldP spid="29" grpId="0" animBg="1"/>
+      <p:bldP spid="30" grpId="0" animBg="1"/>
+      <p:bldP spid="34" grpId="0" animBg="1"/>
+      <p:bldP spid="35" grpId="0" animBg="1"/>
     </p:bldLst>
   </p:timing>
 </p:sld>
 </file>
 
-<file path=ppt/slides/slide7.xml><?xml version="1.0" encoding="utf-8"?>
+<file path=ppt/slides/slide6.xml><?xml version="1.0" encoding="utf-8"?>
 <p:sld xmlns:a="http://schemas.openxmlformats.org/drawingml/2006/main" xmlns:r="http://schemas.openxmlformats.org/officeDocument/2006/relationships" xmlns:p="http://schemas.openxmlformats.org/presentationml/2006/main">
   <p:cSld>
     <p:spTree>
@@ -12863,7 +11498,7 @@
 </p:sld>
 </file>
 
-<file path=ppt/slides/slide8.xml><?xml version="1.0" encoding="utf-8"?>
+<file path=ppt/slides/slide7.xml><?xml version="1.0" encoding="utf-8"?>
 <p:sld xmlns:a="http://schemas.openxmlformats.org/drawingml/2006/main" xmlns:r="http://schemas.openxmlformats.org/officeDocument/2006/relationships" xmlns:p="http://schemas.openxmlformats.org/presentationml/2006/main">
   <p:cSld>
     <p:spTree>
@@ -14045,7 +12680,7 @@
 </p:sld>
 </file>
 
-<file path=ppt/slides/slide9.xml><?xml version="1.0" encoding="utf-8"?>
+<file path=ppt/slides/slide8.xml><?xml version="1.0" encoding="utf-8"?>
 <p:sld xmlns:a="http://schemas.openxmlformats.org/drawingml/2006/main" xmlns:r="http://schemas.openxmlformats.org/officeDocument/2006/relationships" xmlns:p="http://schemas.openxmlformats.org/presentationml/2006/main">
   <p:cSld>
     <p:spTree>
